--- a/hardwareProjectFinal.pptx
+++ b/hardwareProjectFinal.pptx
@@ -71,20 +71,16 @@
             <a:noAutofit/>
           </a:bodyPr>
           <a:p>
-            <a:pPr algn="ctr"/>
-            <a:r>
-              <a:rPr b="0" lang="en-IN" sz="4400" spc="-1" strike="noStrike">
-                <a:solidFill>
-                  <a:srgbClr val="000000"/>
-                </a:solidFill>
+            <a:pPr algn="ctr">
+              <a:buNone/>
+            </a:pPr>
+            <a:r>
+              <a:rPr b="0" lang="en-US" sz="4400" spc="-1" strike="noStrike">
                 <a:latin typeface="Arial"/>
               </a:rPr>
               <a:t>Click to move the slide</a:t>
             </a:r>
-            <a:endParaRPr b="0" lang="en-IN" sz="4400" spc="-1" strike="noStrike">
-              <a:solidFill>
-                <a:srgbClr val="000000"/>
-              </a:solidFill>
+            <a:endParaRPr b="0" lang="en-US" sz="4400" spc="-1" strike="noStrike">
               <a:latin typeface="Arial"/>
             </a:endParaRPr>
           </a:p>
@@ -118,22 +114,13 @@
             <a:noAutofit/>
           </a:bodyPr>
           <a:p>
-            <a:pPr marL="216000" indent="-216000">
-              <a:buNone/>
-            </a:pPr>
-            <a:r>
-              <a:rPr b="0" lang="en-IN" sz="2000" spc="-1" strike="noStrike">
-                <a:solidFill>
-                  <a:srgbClr val="000000"/>
-                </a:solidFill>
+            <a:r>
+              <a:rPr b="0" lang="en-US" sz="2000" spc="-1" strike="noStrike">
                 <a:latin typeface="Arial"/>
               </a:rPr>
               <a:t>Click to edit the notes format</a:t>
             </a:r>
-            <a:endParaRPr b="0" lang="en-IN" sz="2000" spc="-1" strike="noStrike">
-              <a:solidFill>
-                <a:srgbClr val="000000"/>
-              </a:solidFill>
+            <a:endParaRPr b="0" lang="en-US" sz="2000" spc="-1" strike="noStrike">
               <a:latin typeface="Arial"/>
             </a:endParaRPr>
           </a:p>
@@ -167,22 +154,13 @@
             <a:noAutofit/>
           </a:bodyPr>
           <a:p>
-            <a:pPr indent="0">
-              <a:buNone/>
-            </a:pPr>
-            <a:r>
-              <a:rPr b="0" lang="en-IN" sz="1400" spc="-1" strike="noStrike">
-                <a:solidFill>
-                  <a:srgbClr val="000000"/>
-                </a:solidFill>
+            <a:r>
+              <a:rPr b="0" lang="en-US" sz="1400" spc="-1" strike="noStrike">
                 <a:latin typeface="Times New Roman"/>
               </a:rPr>
               <a:t>&lt;header&gt;</a:t>
             </a:r>
-            <a:endParaRPr b="0" lang="en-IN" sz="1400" spc="-1" strike="noStrike">
-              <a:solidFill>
-                <a:srgbClr val="000000"/>
-              </a:solidFill>
+            <a:endParaRPr b="0" lang="en-US" sz="1400" spc="-1" strike="noStrike">
               <a:latin typeface="Times New Roman"/>
             </a:endParaRPr>
           </a:p>
@@ -216,33 +194,24 @@
             <a:noAutofit/>
           </a:bodyPr>
           <a:lstStyle>
-            <a:lvl1pPr indent="0" algn="r">
+            <a:lvl1pPr algn="r">
               <a:buNone/>
-              <a:defRPr b="0" lang="en-IN" sz="1400" spc="-1" strike="noStrike">
-                <a:solidFill>
-                  <a:srgbClr val="000000"/>
-                </a:solidFill>
+              <a:defRPr b="0" lang="en-US" sz="1400" spc="-1" strike="noStrike">
                 <a:latin typeface="Times New Roman"/>
               </a:defRPr>
             </a:lvl1pPr>
           </a:lstStyle>
           <a:p>
-            <a:pPr indent="0" algn="r">
+            <a:pPr algn="r">
               <a:buNone/>
             </a:pPr>
             <a:r>
-              <a:rPr b="0" lang="en-IN" sz="1400" spc="-1" strike="noStrike">
-                <a:solidFill>
-                  <a:srgbClr val="000000"/>
-                </a:solidFill>
+              <a:rPr b="0" lang="en-US" sz="1400" spc="-1" strike="noStrike">
                 <a:latin typeface="Times New Roman"/>
               </a:rPr>
               <a:t>&lt;date/time&gt;</a:t>
             </a:r>
-            <a:endParaRPr b="0" lang="en-IN" sz="1400" spc="-1" strike="noStrike">
-              <a:solidFill>
-                <a:srgbClr val="000000"/>
-              </a:solidFill>
+            <a:endParaRPr b="0" lang="en-US" sz="1400" spc="-1" strike="noStrike">
               <a:latin typeface="Times New Roman"/>
             </a:endParaRPr>
           </a:p>
@@ -276,33 +245,20 @@
             <a:noAutofit/>
           </a:bodyPr>
           <a:lstStyle>
-            <a:lvl1pPr indent="0">
-              <a:buNone/>
-              <a:defRPr b="0" lang="en-IN" sz="1400" spc="-1" strike="noStrike">
-                <a:solidFill>
-                  <a:srgbClr val="000000"/>
-                </a:solidFill>
+            <a:lvl1pPr>
+              <a:defRPr b="0" lang="en-US" sz="1400" spc="-1" strike="noStrike">
                 <a:latin typeface="Times New Roman"/>
               </a:defRPr>
             </a:lvl1pPr>
           </a:lstStyle>
           <a:p>
-            <a:pPr indent="0">
-              <a:buNone/>
-            </a:pPr>
-            <a:r>
-              <a:rPr b="0" lang="en-IN" sz="1400" spc="-1" strike="noStrike">
-                <a:solidFill>
-                  <a:srgbClr val="000000"/>
-                </a:solidFill>
+            <a:r>
+              <a:rPr b="0" lang="en-US" sz="1400" spc="-1" strike="noStrike">
                 <a:latin typeface="Times New Roman"/>
               </a:rPr>
               <a:t>&lt;footer&gt;</a:t>
             </a:r>
-            <a:endParaRPr b="0" lang="en-IN" sz="1400" spc="-1" strike="noStrike">
-              <a:solidFill>
-                <a:srgbClr val="000000"/>
-              </a:solidFill>
+            <a:endParaRPr b="0" lang="en-US" sz="1400" spc="-1" strike="noStrike">
               <a:latin typeface="Times New Roman"/>
             </a:endParaRPr>
           </a:p>
@@ -336,33 +292,24 @@
             <a:noAutofit/>
           </a:bodyPr>
           <a:lstStyle>
-            <a:lvl1pPr indent="0" algn="r">
+            <a:lvl1pPr algn="r">
               <a:buNone/>
-              <a:defRPr b="0" lang="en-IN" sz="1400" spc="-1" strike="noStrike">
-                <a:solidFill>
-                  <a:srgbClr val="000000"/>
-                </a:solidFill>
+              <a:defRPr b="0" lang="en-US" sz="1400" spc="-1" strike="noStrike">
                 <a:latin typeface="Times New Roman"/>
               </a:defRPr>
             </a:lvl1pPr>
           </a:lstStyle>
           <a:p>
-            <a:pPr indent="0" algn="r">
+            <a:pPr algn="r">
               <a:buNone/>
             </a:pPr>
-            <a:fld id="{9A70AF01-B4A1-4AC7-A2D0-645F71278780}" type="slidenum">
-              <a:rPr b="0" lang="en-IN" sz="1400" spc="-1" strike="noStrike">
-                <a:solidFill>
-                  <a:srgbClr val="000000"/>
-                </a:solidFill>
+            <a:fld id="{7C8AB003-1E03-4AB6-91DC-FCBF7BDF3C4C}" type="slidenum">
+              <a:rPr b="0" lang="en-US" sz="1400" spc="-1" strike="noStrike">
                 <a:latin typeface="Times New Roman"/>
               </a:rPr>
               <a:t>&lt;number&gt;</a:t>
             </a:fld>
-            <a:endParaRPr b="0" lang="en-IN" sz="1400" spc="-1" strike="noStrike">
-              <a:solidFill>
-                <a:srgbClr val="000000"/>
-              </a:solidFill>
+            <a:endParaRPr b="0" lang="en-US" sz="1400" spc="-1" strike="noStrike">
               <a:latin typeface="Times New Roman"/>
             </a:endParaRPr>
           </a:p>
@@ -404,7 +351,7 @@
         <p:spPr>
           <a:xfrm>
             <a:off x="990720" y="766800"/>
-            <a:ext cx="5115600" cy="3836160"/>
+            <a:ext cx="5114520" cy="3835080"/>
           </a:xfrm>
           <a:prstGeom prst="rect">
             <a:avLst/>
@@ -427,7 +374,7 @@
         <p:spPr>
           <a:xfrm>
             <a:off x="709560" y="4862520"/>
-            <a:ext cx="5677560" cy="4602960"/>
+            <a:ext cx="5676480" cy="4601880"/>
           </a:xfrm>
           <a:prstGeom prst="rect">
             <a:avLst/>
@@ -438,17 +385,11 @@
           </a:ln>
         </p:spPr>
         <p:txBody>
-          <a:bodyPr numCol="1" spcCol="0" lIns="91440" rIns="91440" tIns="45720" bIns="45720" anchor="t">
+          <a:bodyPr numCol="1" spcCol="0" lIns="0" rIns="0" tIns="0" bIns="0" anchor="t">
             <a:noAutofit/>
           </a:bodyPr>
           <a:p>
-            <a:pPr marL="216000" indent="-216000">
-              <a:buNone/>
-            </a:pPr>
-            <a:endParaRPr b="0" lang="en-IN" sz="1800" spc="-1" strike="noStrike">
-              <a:solidFill>
-                <a:srgbClr val="000000"/>
-              </a:solidFill>
+            <a:endParaRPr b="0" lang="en-US" sz="2000" spc="-1" strike="noStrike">
               <a:latin typeface="Arial"/>
             </a:endParaRPr>
           </a:p>
@@ -467,7 +408,7 @@
         <p:spPr>
           <a:xfrm>
             <a:off x="4021200" y="9720360"/>
-            <a:ext cx="3074040" cy="510120"/>
+            <a:ext cx="3072960" cy="509040"/>
           </a:xfrm>
           <a:prstGeom prst="rect">
             <a:avLst/>
@@ -478,11 +419,11 @@
           </a:ln>
         </p:spPr>
         <p:txBody>
-          <a:bodyPr numCol="1" spcCol="0" lIns="91440" rIns="91440" tIns="45720" bIns="45720" anchor="b">
+          <a:bodyPr numCol="1" spcCol="0" lIns="0" rIns="0" tIns="0" bIns="0" anchor="b">
             <a:noAutofit/>
           </a:bodyPr>
           <a:lstStyle>
-            <a:lvl1pPr indent="0" algn="r">
+            <a:lvl1pPr algn="r">
               <a:lnSpc>
                 <a:spcPct val="100000"/>
               </a:lnSpc>
@@ -499,7 +440,7 @@
             </a:lvl1pPr>
           </a:lstStyle>
           <a:p>
-            <a:pPr indent="0" algn="r">
+            <a:pPr algn="r">
               <a:lnSpc>
                 <a:spcPct val="100000"/>
               </a:lnSpc>
@@ -508,19 +449,16 @@
                 <a:tab algn="l" pos="0"/>
               </a:tabLst>
             </a:pPr>
-            <a:fld id="{B88779B2-CFE9-4637-8CF5-2FF94FF06B1D}" type="slidenum">
+            <a:fld id="{F2CBC376-BC15-442C-B86E-62DAFBADCE84}" type="slidenum">
               <a:rPr b="0" lang="en-US" sz="1100" spc="-1" strike="noStrike">
                 <a:solidFill>
                   <a:srgbClr val="000000"/>
                 </a:solidFill>
                 <a:latin typeface="Times New Roman"/>
               </a:rPr>
-              <a:t>11</a:t>
+              <a:t>&lt;number&gt;</a:t>
             </a:fld>
-            <a:endParaRPr b="0" lang="en-IN" sz="1100" spc="-1" strike="noStrike">
-              <a:solidFill>
-                <a:srgbClr val="000000"/>
-              </a:solidFill>
+            <a:endParaRPr b="0" lang="en-US" sz="1100" spc="-1" strike="noStrike">
               <a:latin typeface="Times New Roman"/>
             </a:endParaRPr>
           </a:p>
@@ -582,7 +520,7 @@
         <p:txBody>
           <a:bodyPr/>
           <a:p>
-            <a:fld id="{775BC9A5-9849-4B20-B690-5035FF8C3966}" type="slidenum">
+            <a:fld id="{05E209B2-F3C8-4C5C-89B5-E24C0DE7E65C}" type="slidenum">
               <a:t>&lt;#&gt;</a:t>
             </a:fld>
           </a:p>
@@ -603,7 +541,7 @@
           <a:bodyPr/>
           <a:p>
             <a:r>
-              <a:rPr lang="en-IN"/>
+              <a:rPr lang="en-US"/>
               <a:t/>
             </a:r>
           </a:p>
@@ -644,7 +582,7 @@
         <p:spPr>
           <a:xfrm>
             <a:off x="457200" y="274680"/>
-            <a:ext cx="8227080" cy="1140480"/>
+            <a:ext cx="8226000" cy="1139400"/>
           </a:xfrm>
           <a:prstGeom prst="rect">
             <a:avLst/>
@@ -659,13 +597,10 @@
             <a:noAutofit/>
           </a:bodyPr>
           <a:p>
-            <a:pPr indent="0" algn="ctr">
+            <a:pPr algn="ctr">
               <a:buNone/>
             </a:pPr>
-            <a:endParaRPr b="0" lang="en-IN" sz="4400" spc="-1" strike="noStrike">
-              <a:solidFill>
-                <a:srgbClr val="000000"/>
-              </a:solidFill>
+            <a:endParaRPr b="0" lang="en-US" sz="4400" spc="-1" strike="noStrike">
               <a:latin typeface="Arial"/>
             </a:endParaRPr>
           </a:p>
@@ -684,7 +619,7 @@
         <p:spPr>
           <a:xfrm>
             <a:off x="457200" y="1604520"/>
-            <a:ext cx="226800" cy="46080"/>
+            <a:ext cx="25560" cy="4320"/>
           </a:xfrm>
           <a:prstGeom prst="rect">
             <a:avLst/>
@@ -696,19 +631,10 @@
         </p:spPr>
         <p:txBody>
           <a:bodyPr lIns="0" rIns="0" tIns="0" bIns="0" anchor="t">
-            <a:normAutofit fontScale="3124" lnSpcReduction="20000"/>
+            <a:normAutofit/>
           </a:bodyPr>
           <a:p>
-            <a:pPr indent="0">
-              <a:spcBef>
-                <a:spcPts val="1417"/>
-              </a:spcBef>
-              <a:buNone/>
-            </a:pPr>
-            <a:endParaRPr b="0" lang="en-IN" sz="3200" spc="-1" strike="noStrike">
-              <a:solidFill>
-                <a:srgbClr val="000000"/>
-              </a:solidFill>
+            <a:endParaRPr b="0" lang="en-US" sz="3200" spc="-1" strike="noStrike">
               <a:latin typeface="Arial"/>
             </a:endParaRPr>
           </a:p>
@@ -726,8 +652,8 @@
         </p:nvSpPr>
         <p:spPr>
           <a:xfrm>
-            <a:off x="457200" y="1655280"/>
-            <a:ext cx="226800" cy="46080"/>
+            <a:off x="457200" y="1609560"/>
+            <a:ext cx="25560" cy="4320"/>
           </a:xfrm>
           <a:prstGeom prst="rect">
             <a:avLst/>
@@ -739,19 +665,10 @@
         </p:spPr>
         <p:txBody>
           <a:bodyPr lIns="0" rIns="0" tIns="0" bIns="0" anchor="t">
-            <a:normAutofit fontScale="3124" lnSpcReduction="20000"/>
+            <a:normAutofit/>
           </a:bodyPr>
           <a:p>
-            <a:pPr indent="0">
-              <a:spcBef>
-                <a:spcPts val="1417"/>
-              </a:spcBef>
-              <a:buNone/>
-            </a:pPr>
-            <a:endParaRPr b="0" lang="en-IN" sz="3200" spc="-1" strike="noStrike">
-              <a:solidFill>
-                <a:srgbClr val="000000"/>
-              </a:solidFill>
+            <a:endParaRPr b="0" lang="en-US" sz="3200" spc="-1" strike="noStrike">
               <a:latin typeface="Arial"/>
             </a:endParaRPr>
           </a:p>
@@ -791,7 +708,7 @@
         <p:txBody>
           <a:bodyPr/>
           <a:p>
-            <a:fld id="{1F2A9CF9-6CCE-437F-BBD5-8C8F5E5CAC22}" type="slidenum">
+            <a:fld id="{369F07FE-1D42-486A-86B7-0466E68D12E4}" type="slidenum">
               <a:t>&lt;#&gt;</a:t>
             </a:fld>
           </a:p>
@@ -812,7 +729,7 @@
           <a:bodyPr/>
           <a:p>
             <a:r>
-              <a:rPr lang="en-IN"/>
+              <a:rPr lang="en-US"/>
               <a:t/>
             </a:r>
           </a:p>
@@ -853,7 +770,7 @@
         <p:spPr>
           <a:xfrm>
             <a:off x="457200" y="274680"/>
-            <a:ext cx="8227080" cy="1140480"/>
+            <a:ext cx="8226000" cy="1139400"/>
           </a:xfrm>
           <a:prstGeom prst="rect">
             <a:avLst/>
@@ -868,13 +785,10 @@
             <a:noAutofit/>
           </a:bodyPr>
           <a:p>
-            <a:pPr indent="0" algn="ctr">
+            <a:pPr algn="ctr">
               <a:buNone/>
             </a:pPr>
-            <a:endParaRPr b="0" lang="en-IN" sz="4400" spc="-1" strike="noStrike">
-              <a:solidFill>
-                <a:srgbClr val="000000"/>
-              </a:solidFill>
+            <a:endParaRPr b="0" lang="en-US" sz="4400" spc="-1" strike="noStrike">
               <a:latin typeface="Arial"/>
             </a:endParaRPr>
           </a:p>
@@ -893,7 +807,7 @@
         <p:spPr>
           <a:xfrm>
             <a:off x="457200" y="1604520"/>
-            <a:ext cx="110520" cy="46080"/>
+            <a:ext cx="12240" cy="4320"/>
           </a:xfrm>
           <a:prstGeom prst="rect">
             <a:avLst/>
@@ -905,19 +819,10 @@
         </p:spPr>
         <p:txBody>
           <a:bodyPr lIns="0" rIns="0" tIns="0" bIns="0" anchor="t">
-            <a:normAutofit fontScale="3124" lnSpcReduction="20000"/>
+            <a:normAutofit/>
           </a:bodyPr>
           <a:p>
-            <a:pPr indent="0">
-              <a:spcBef>
-                <a:spcPts val="1417"/>
-              </a:spcBef>
-              <a:buNone/>
-            </a:pPr>
-            <a:endParaRPr b="0" lang="en-IN" sz="3200" spc="-1" strike="noStrike">
-              <a:solidFill>
-                <a:srgbClr val="000000"/>
-              </a:solidFill>
+            <a:endParaRPr b="0" lang="en-US" sz="3200" spc="-1" strike="noStrike">
               <a:latin typeface="Arial"/>
             </a:endParaRPr>
           </a:p>
@@ -935,8 +840,8 @@
         </p:nvSpPr>
         <p:spPr>
           <a:xfrm>
-            <a:off x="573480" y="1604520"/>
-            <a:ext cx="110520" cy="46080"/>
+            <a:off x="470520" y="1604520"/>
+            <a:ext cx="12240" cy="4320"/>
           </a:xfrm>
           <a:prstGeom prst="rect">
             <a:avLst/>
@@ -948,19 +853,10 @@
         </p:spPr>
         <p:txBody>
           <a:bodyPr lIns="0" rIns="0" tIns="0" bIns="0" anchor="t">
-            <a:normAutofit fontScale="3124" lnSpcReduction="20000"/>
+            <a:normAutofit/>
           </a:bodyPr>
           <a:p>
-            <a:pPr indent="0">
-              <a:spcBef>
-                <a:spcPts val="1417"/>
-              </a:spcBef>
-              <a:buNone/>
-            </a:pPr>
-            <a:endParaRPr b="0" lang="en-IN" sz="3200" spc="-1" strike="noStrike">
-              <a:solidFill>
-                <a:srgbClr val="000000"/>
-              </a:solidFill>
+            <a:endParaRPr b="0" lang="en-US" sz="3200" spc="-1" strike="noStrike">
               <a:latin typeface="Arial"/>
             </a:endParaRPr>
           </a:p>
@@ -978,8 +874,8 @@
         </p:nvSpPr>
         <p:spPr>
           <a:xfrm>
-            <a:off x="457200" y="1655280"/>
-            <a:ext cx="110520" cy="46080"/>
+            <a:off x="457200" y="1609560"/>
+            <a:ext cx="12240" cy="4320"/>
           </a:xfrm>
           <a:prstGeom prst="rect">
             <a:avLst/>
@@ -991,19 +887,10 @@
         </p:spPr>
         <p:txBody>
           <a:bodyPr lIns="0" rIns="0" tIns="0" bIns="0" anchor="t">
-            <a:normAutofit fontScale="3124" lnSpcReduction="20000"/>
+            <a:normAutofit/>
           </a:bodyPr>
           <a:p>
-            <a:pPr indent="0">
-              <a:spcBef>
-                <a:spcPts val="1417"/>
-              </a:spcBef>
-              <a:buNone/>
-            </a:pPr>
-            <a:endParaRPr b="0" lang="en-IN" sz="3200" spc="-1" strike="noStrike">
-              <a:solidFill>
-                <a:srgbClr val="000000"/>
-              </a:solidFill>
+            <a:endParaRPr b="0" lang="en-US" sz="3200" spc="-1" strike="noStrike">
               <a:latin typeface="Arial"/>
             </a:endParaRPr>
           </a:p>
@@ -1021,8 +908,8 @@
         </p:nvSpPr>
         <p:spPr>
           <a:xfrm>
-            <a:off x="573480" y="1655280"/>
-            <a:ext cx="110520" cy="46080"/>
+            <a:off x="470520" y="1609560"/>
+            <a:ext cx="12240" cy="4320"/>
           </a:xfrm>
           <a:prstGeom prst="rect">
             <a:avLst/>
@@ -1034,19 +921,10 @@
         </p:spPr>
         <p:txBody>
           <a:bodyPr lIns="0" rIns="0" tIns="0" bIns="0" anchor="t">
-            <a:normAutofit fontScale="3124" lnSpcReduction="20000"/>
+            <a:normAutofit/>
           </a:bodyPr>
           <a:p>
-            <a:pPr indent="0">
-              <a:spcBef>
-                <a:spcPts val="1417"/>
-              </a:spcBef>
-              <a:buNone/>
-            </a:pPr>
-            <a:endParaRPr b="0" lang="en-IN" sz="3200" spc="-1" strike="noStrike">
-              <a:solidFill>
-                <a:srgbClr val="000000"/>
-              </a:solidFill>
+            <a:endParaRPr b="0" lang="en-US" sz="3200" spc="-1" strike="noStrike">
               <a:latin typeface="Arial"/>
             </a:endParaRPr>
           </a:p>
@@ -1086,7 +964,7 @@
         <p:txBody>
           <a:bodyPr/>
           <a:p>
-            <a:fld id="{9119697B-C89D-4848-A539-9E51BA5E3AE6}" type="slidenum">
+            <a:fld id="{C56D81E4-18D8-4222-BEE4-EB743CF207E9}" type="slidenum">
               <a:t>&lt;#&gt;</a:t>
             </a:fld>
           </a:p>
@@ -1107,7 +985,7 @@
           <a:bodyPr/>
           <a:p>
             <a:r>
-              <a:rPr lang="en-IN"/>
+              <a:rPr lang="en-US"/>
               <a:t/>
             </a:r>
           </a:p>
@@ -1148,7 +1026,7 @@
         <p:spPr>
           <a:xfrm>
             <a:off x="457200" y="274680"/>
-            <a:ext cx="8227080" cy="1140480"/>
+            <a:ext cx="8226000" cy="1139400"/>
           </a:xfrm>
           <a:prstGeom prst="rect">
             <a:avLst/>
@@ -1163,13 +1041,10 @@
             <a:noAutofit/>
           </a:bodyPr>
           <a:p>
-            <a:pPr indent="0" algn="ctr">
+            <a:pPr algn="ctr">
               <a:buNone/>
             </a:pPr>
-            <a:endParaRPr b="0" lang="en-IN" sz="4400" spc="-1" strike="noStrike">
-              <a:solidFill>
-                <a:srgbClr val="000000"/>
-              </a:solidFill>
+            <a:endParaRPr b="0" lang="en-US" sz="4400" spc="-1" strike="noStrike">
               <a:latin typeface="Arial"/>
             </a:endParaRPr>
           </a:p>
@@ -1188,7 +1063,7 @@
         <p:spPr>
           <a:xfrm>
             <a:off x="457200" y="1604520"/>
-            <a:ext cx="72720" cy="46080"/>
+            <a:ext cx="7920" cy="4320"/>
           </a:xfrm>
           <a:prstGeom prst="rect">
             <a:avLst/>
@@ -1200,19 +1075,10 @@
         </p:spPr>
         <p:txBody>
           <a:bodyPr lIns="0" rIns="0" tIns="0" bIns="0" anchor="t">
-            <a:normAutofit fontScale="3124" lnSpcReduction="20000"/>
+            <a:normAutofit/>
           </a:bodyPr>
           <a:p>
-            <a:pPr indent="0">
-              <a:spcBef>
-                <a:spcPts val="1417"/>
-              </a:spcBef>
-              <a:buNone/>
-            </a:pPr>
-            <a:endParaRPr b="0" lang="en-IN" sz="3200" spc="-1" strike="noStrike">
-              <a:solidFill>
-                <a:srgbClr val="000000"/>
-              </a:solidFill>
+            <a:endParaRPr b="0" lang="en-US" sz="3200" spc="-1" strike="noStrike">
               <a:latin typeface="Arial"/>
             </a:endParaRPr>
           </a:p>
@@ -1230,8 +1096,8 @@
         </p:nvSpPr>
         <p:spPr>
           <a:xfrm>
-            <a:off x="533880" y="1604520"/>
-            <a:ext cx="72720" cy="46080"/>
+            <a:off x="465840" y="1604520"/>
+            <a:ext cx="7920" cy="4320"/>
           </a:xfrm>
           <a:prstGeom prst="rect">
             <a:avLst/>
@@ -1243,19 +1109,10 @@
         </p:spPr>
         <p:txBody>
           <a:bodyPr lIns="0" rIns="0" tIns="0" bIns="0" anchor="t">
-            <a:normAutofit fontScale="3124" lnSpcReduction="20000"/>
+            <a:normAutofit/>
           </a:bodyPr>
           <a:p>
-            <a:pPr indent="0">
-              <a:spcBef>
-                <a:spcPts val="1417"/>
-              </a:spcBef>
-              <a:buNone/>
-            </a:pPr>
-            <a:endParaRPr b="0" lang="en-IN" sz="3200" spc="-1" strike="noStrike">
-              <a:solidFill>
-                <a:srgbClr val="000000"/>
-              </a:solidFill>
+            <a:endParaRPr b="0" lang="en-US" sz="3200" spc="-1" strike="noStrike">
               <a:latin typeface="Arial"/>
             </a:endParaRPr>
           </a:p>
@@ -1273,8 +1130,8 @@
         </p:nvSpPr>
         <p:spPr>
           <a:xfrm>
-            <a:off x="610560" y="1604520"/>
-            <a:ext cx="72720" cy="46080"/>
+            <a:off x="474480" y="1604520"/>
+            <a:ext cx="7920" cy="4320"/>
           </a:xfrm>
           <a:prstGeom prst="rect">
             <a:avLst/>
@@ -1286,19 +1143,10 @@
         </p:spPr>
         <p:txBody>
           <a:bodyPr lIns="0" rIns="0" tIns="0" bIns="0" anchor="t">
-            <a:normAutofit fontScale="3124" lnSpcReduction="20000"/>
+            <a:normAutofit/>
           </a:bodyPr>
           <a:p>
-            <a:pPr indent="0">
-              <a:spcBef>
-                <a:spcPts val="1417"/>
-              </a:spcBef>
-              <a:buNone/>
-            </a:pPr>
-            <a:endParaRPr b="0" lang="en-IN" sz="3200" spc="-1" strike="noStrike">
-              <a:solidFill>
-                <a:srgbClr val="000000"/>
-              </a:solidFill>
+            <a:endParaRPr b="0" lang="en-US" sz="3200" spc="-1" strike="noStrike">
               <a:latin typeface="Arial"/>
             </a:endParaRPr>
           </a:p>
@@ -1316,8 +1164,8 @@
         </p:nvSpPr>
         <p:spPr>
           <a:xfrm>
-            <a:off x="457200" y="1655280"/>
-            <a:ext cx="72720" cy="46080"/>
+            <a:off x="457200" y="1609560"/>
+            <a:ext cx="7920" cy="4320"/>
           </a:xfrm>
           <a:prstGeom prst="rect">
             <a:avLst/>
@@ -1329,19 +1177,10 @@
         </p:spPr>
         <p:txBody>
           <a:bodyPr lIns="0" rIns="0" tIns="0" bIns="0" anchor="t">
-            <a:normAutofit fontScale="3124" lnSpcReduction="20000"/>
+            <a:normAutofit/>
           </a:bodyPr>
           <a:p>
-            <a:pPr indent="0">
-              <a:spcBef>
-                <a:spcPts val="1417"/>
-              </a:spcBef>
-              <a:buNone/>
-            </a:pPr>
-            <a:endParaRPr b="0" lang="en-IN" sz="3200" spc="-1" strike="noStrike">
-              <a:solidFill>
-                <a:srgbClr val="000000"/>
-              </a:solidFill>
+            <a:endParaRPr b="0" lang="en-US" sz="3200" spc="-1" strike="noStrike">
               <a:latin typeface="Arial"/>
             </a:endParaRPr>
           </a:p>
@@ -1359,8 +1198,8 @@
         </p:nvSpPr>
         <p:spPr>
           <a:xfrm>
-            <a:off x="533880" y="1655280"/>
-            <a:ext cx="72720" cy="46080"/>
+            <a:off x="465840" y="1609560"/>
+            <a:ext cx="7920" cy="4320"/>
           </a:xfrm>
           <a:prstGeom prst="rect">
             <a:avLst/>
@@ -1372,19 +1211,10 @@
         </p:spPr>
         <p:txBody>
           <a:bodyPr lIns="0" rIns="0" tIns="0" bIns="0" anchor="t">
-            <a:normAutofit fontScale="3124" lnSpcReduction="20000"/>
+            <a:normAutofit/>
           </a:bodyPr>
           <a:p>
-            <a:pPr indent="0">
-              <a:spcBef>
-                <a:spcPts val="1417"/>
-              </a:spcBef>
-              <a:buNone/>
-            </a:pPr>
-            <a:endParaRPr b="0" lang="en-IN" sz="3200" spc="-1" strike="noStrike">
-              <a:solidFill>
-                <a:srgbClr val="000000"/>
-              </a:solidFill>
+            <a:endParaRPr b="0" lang="en-US" sz="3200" spc="-1" strike="noStrike">
               <a:latin typeface="Arial"/>
             </a:endParaRPr>
           </a:p>
@@ -1402,8 +1232,8 @@
         </p:nvSpPr>
         <p:spPr>
           <a:xfrm>
-            <a:off x="610560" y="1655280"/>
-            <a:ext cx="72720" cy="46080"/>
+            <a:off x="474480" y="1609560"/>
+            <a:ext cx="7920" cy="4320"/>
           </a:xfrm>
           <a:prstGeom prst="rect">
             <a:avLst/>
@@ -1415,19 +1245,10 @@
         </p:spPr>
         <p:txBody>
           <a:bodyPr lIns="0" rIns="0" tIns="0" bIns="0" anchor="t">
-            <a:normAutofit fontScale="3124" lnSpcReduction="20000"/>
+            <a:normAutofit/>
           </a:bodyPr>
           <a:p>
-            <a:pPr indent="0">
-              <a:spcBef>
-                <a:spcPts val="1417"/>
-              </a:spcBef>
-              <a:buNone/>
-            </a:pPr>
-            <a:endParaRPr b="0" lang="en-IN" sz="3200" spc="-1" strike="noStrike">
-              <a:solidFill>
-                <a:srgbClr val="000000"/>
-              </a:solidFill>
+            <a:endParaRPr b="0" lang="en-US" sz="3200" spc="-1" strike="noStrike">
               <a:latin typeface="Arial"/>
             </a:endParaRPr>
           </a:p>
@@ -1467,7 +1288,7 @@
         <p:txBody>
           <a:bodyPr/>
           <a:p>
-            <a:fld id="{8E833E76-246F-4A55-811F-0B6B2B4E51E4}" type="slidenum">
+            <a:fld id="{8B5FAC48-CC3E-45AF-A799-01CAF65ACE42}" type="slidenum">
               <a:t>&lt;#&gt;</a:t>
             </a:fld>
           </a:p>
@@ -1488,7 +1309,7 @@
           <a:bodyPr/>
           <a:p>
             <a:r>
-              <a:rPr lang="en-IN"/>
+              <a:rPr lang="en-US"/>
               <a:t/>
             </a:r>
           </a:p>
@@ -1529,7 +1350,7 @@
         <p:spPr>
           <a:xfrm>
             <a:off x="457200" y="274680"/>
-            <a:ext cx="8227080" cy="1140480"/>
+            <a:ext cx="8226000" cy="1139400"/>
           </a:xfrm>
           <a:prstGeom prst="rect">
             <a:avLst/>
@@ -1544,13 +1365,10 @@
             <a:noAutofit/>
           </a:bodyPr>
           <a:p>
-            <a:pPr indent="0" algn="ctr">
+            <a:pPr algn="ctr">
               <a:buNone/>
             </a:pPr>
-            <a:endParaRPr b="0" lang="en-IN" sz="4400" spc="-1" strike="noStrike">
-              <a:solidFill>
-                <a:srgbClr val="000000"/>
-              </a:solidFill>
+            <a:endParaRPr b="0" lang="en-US" sz="4400" spc="-1" strike="noStrike">
               <a:latin typeface="Arial"/>
             </a:endParaRPr>
           </a:p>
@@ -1568,8 +1386,8 @@
         </p:nvSpPr>
         <p:spPr>
           <a:xfrm>
-            <a:off x="457200" y="-1309320"/>
-            <a:ext cx="226800" cy="5925240"/>
+            <a:off x="457200" y="-2264760"/>
+            <a:ext cx="25560" cy="7748280"/>
           </a:xfrm>
           <a:prstGeom prst="rect">
             <a:avLst/>
@@ -1584,13 +1402,10 @@
             <a:noAutofit/>
           </a:bodyPr>
           <a:p>
-            <a:pPr indent="0" algn="ctr">
+            <a:pPr algn="ctr">
               <a:buNone/>
             </a:pPr>
-            <a:endParaRPr b="0" lang="en-IN" sz="3200" spc="-1" strike="noStrike">
-              <a:solidFill>
-                <a:srgbClr val="000000"/>
-              </a:solidFill>
+            <a:endParaRPr b="0" lang="en-US" sz="3200" spc="-1" strike="noStrike">
               <a:latin typeface="Arial"/>
             </a:endParaRPr>
           </a:p>
@@ -1630,7 +1445,7 @@
         <p:txBody>
           <a:bodyPr/>
           <a:p>
-            <a:fld id="{117387C3-2A44-4124-A9FA-E8531DABDA8B}" type="slidenum">
+            <a:fld id="{80AE96AA-A3B4-4B0C-AA39-6D4439D4D483}" type="slidenum">
               <a:t>&lt;#&gt;</a:t>
             </a:fld>
           </a:p>
@@ -1651,7 +1466,7 @@
           <a:bodyPr/>
           <a:p>
             <a:r>
-              <a:rPr lang="en-IN"/>
+              <a:rPr lang="en-US"/>
               <a:t/>
             </a:r>
           </a:p>
@@ -1692,7 +1507,7 @@
         <p:spPr>
           <a:xfrm>
             <a:off x="457200" y="274680"/>
-            <a:ext cx="8227080" cy="1140480"/>
+            <a:ext cx="8226000" cy="1139400"/>
           </a:xfrm>
           <a:prstGeom prst="rect">
             <a:avLst/>
@@ -1707,13 +1522,10 @@
             <a:noAutofit/>
           </a:bodyPr>
           <a:p>
-            <a:pPr indent="0" algn="ctr">
+            <a:pPr algn="ctr">
               <a:buNone/>
             </a:pPr>
-            <a:endParaRPr b="0" lang="en-IN" sz="4400" spc="-1" strike="noStrike">
-              <a:solidFill>
-                <a:srgbClr val="000000"/>
-              </a:solidFill>
+            <a:endParaRPr b="0" lang="en-US" sz="4400" spc="-1" strike="noStrike">
               <a:latin typeface="Arial"/>
             </a:endParaRPr>
           </a:p>
@@ -1732,7 +1544,7 @@
         <p:spPr>
           <a:xfrm>
             <a:off x="457200" y="1604520"/>
-            <a:ext cx="226800" cy="97200"/>
+            <a:ext cx="25560" cy="9720"/>
           </a:xfrm>
           <a:prstGeom prst="rect">
             <a:avLst/>
@@ -1744,19 +1556,10 @@
         </p:spPr>
         <p:txBody>
           <a:bodyPr lIns="0" rIns="0" tIns="0" bIns="0" anchor="t">
-            <a:normAutofit fontScale="3124" lnSpcReduction="20000"/>
+            <a:normAutofit/>
           </a:bodyPr>
           <a:p>
-            <a:pPr indent="0">
-              <a:spcBef>
-                <a:spcPts val="1417"/>
-              </a:spcBef>
-              <a:buNone/>
-            </a:pPr>
-            <a:endParaRPr b="0" lang="en-IN" sz="3200" spc="-1" strike="noStrike">
-              <a:solidFill>
-                <a:srgbClr val="000000"/>
-              </a:solidFill>
+            <a:endParaRPr b="0" lang="en-US" sz="3200" spc="-1" strike="noStrike">
               <a:latin typeface="Arial"/>
             </a:endParaRPr>
           </a:p>
@@ -1796,7 +1599,7 @@
         <p:txBody>
           <a:bodyPr/>
           <a:p>
-            <a:fld id="{4E9F80FC-E22A-4868-B9E8-11B78ACEB6C0}" type="slidenum">
+            <a:fld id="{030DDE9C-493E-42B5-AA17-911F04D452CD}" type="slidenum">
               <a:t>&lt;#&gt;</a:t>
             </a:fld>
           </a:p>
@@ -1817,7 +1620,7 @@
           <a:bodyPr/>
           <a:p>
             <a:r>
-              <a:rPr lang="en-IN"/>
+              <a:rPr lang="en-US"/>
               <a:t/>
             </a:r>
           </a:p>
@@ -1858,7 +1661,7 @@
         <p:spPr>
           <a:xfrm>
             <a:off x="457200" y="274680"/>
-            <a:ext cx="8227080" cy="1140480"/>
+            <a:ext cx="8226000" cy="1139400"/>
           </a:xfrm>
           <a:prstGeom prst="rect">
             <a:avLst/>
@@ -1873,13 +1676,10 @@
             <a:noAutofit/>
           </a:bodyPr>
           <a:p>
-            <a:pPr indent="0" algn="ctr">
+            <a:pPr algn="ctr">
               <a:buNone/>
             </a:pPr>
-            <a:endParaRPr b="0" lang="en-IN" sz="4400" spc="-1" strike="noStrike">
-              <a:solidFill>
-                <a:srgbClr val="000000"/>
-              </a:solidFill>
+            <a:endParaRPr b="0" lang="en-US" sz="4400" spc="-1" strike="noStrike">
               <a:latin typeface="Arial"/>
             </a:endParaRPr>
           </a:p>
@@ -1898,7 +1698,7 @@
         <p:spPr>
           <a:xfrm>
             <a:off x="457200" y="1604520"/>
-            <a:ext cx="110520" cy="97200"/>
+            <a:ext cx="12240" cy="9720"/>
           </a:xfrm>
           <a:prstGeom prst="rect">
             <a:avLst/>
@@ -1910,19 +1710,10 @@
         </p:spPr>
         <p:txBody>
           <a:bodyPr lIns="0" rIns="0" tIns="0" bIns="0" anchor="t">
-            <a:normAutofit fontScale="3124" lnSpcReduction="20000"/>
+            <a:normAutofit/>
           </a:bodyPr>
           <a:p>
-            <a:pPr indent="0">
-              <a:spcBef>
-                <a:spcPts val="1417"/>
-              </a:spcBef>
-              <a:buNone/>
-            </a:pPr>
-            <a:endParaRPr b="0" lang="en-IN" sz="3200" spc="-1" strike="noStrike">
-              <a:solidFill>
-                <a:srgbClr val="000000"/>
-              </a:solidFill>
+            <a:endParaRPr b="0" lang="en-US" sz="3200" spc="-1" strike="noStrike">
               <a:latin typeface="Arial"/>
             </a:endParaRPr>
           </a:p>
@@ -1940,8 +1731,8 @@
         </p:nvSpPr>
         <p:spPr>
           <a:xfrm>
-            <a:off x="573480" y="1604520"/>
-            <a:ext cx="110520" cy="97200"/>
+            <a:off x="470520" y="1604520"/>
+            <a:ext cx="12240" cy="9720"/>
           </a:xfrm>
           <a:prstGeom prst="rect">
             <a:avLst/>
@@ -1953,19 +1744,10 @@
         </p:spPr>
         <p:txBody>
           <a:bodyPr lIns="0" rIns="0" tIns="0" bIns="0" anchor="t">
-            <a:normAutofit fontScale="3124" lnSpcReduction="20000"/>
+            <a:normAutofit/>
           </a:bodyPr>
           <a:p>
-            <a:pPr indent="0">
-              <a:spcBef>
-                <a:spcPts val="1417"/>
-              </a:spcBef>
-              <a:buNone/>
-            </a:pPr>
-            <a:endParaRPr b="0" lang="en-IN" sz="3200" spc="-1" strike="noStrike">
-              <a:solidFill>
-                <a:srgbClr val="000000"/>
-              </a:solidFill>
+            <a:endParaRPr b="0" lang="en-US" sz="3200" spc="-1" strike="noStrike">
               <a:latin typeface="Arial"/>
             </a:endParaRPr>
           </a:p>
@@ -2005,7 +1787,7 @@
         <p:txBody>
           <a:bodyPr/>
           <a:p>
-            <a:fld id="{400D8F98-87A9-4622-8238-184AF3BF23A9}" type="slidenum">
+            <a:fld id="{F4F1B2F6-17B7-431B-8983-12F1232D6084}" type="slidenum">
               <a:t>&lt;#&gt;</a:t>
             </a:fld>
           </a:p>
@@ -2026,7 +1808,7 @@
           <a:bodyPr/>
           <a:p>
             <a:r>
-              <a:rPr lang="en-IN"/>
+              <a:rPr lang="en-US"/>
               <a:t/>
             </a:r>
           </a:p>
@@ -2067,7 +1849,7 @@
         <p:spPr>
           <a:xfrm>
             <a:off x="457200" y="274680"/>
-            <a:ext cx="8227080" cy="1140480"/>
+            <a:ext cx="8226000" cy="1139400"/>
           </a:xfrm>
           <a:prstGeom prst="rect">
             <a:avLst/>
@@ -2082,13 +1864,10 @@
             <a:noAutofit/>
           </a:bodyPr>
           <a:p>
-            <a:pPr indent="0" algn="ctr">
+            <a:pPr algn="ctr">
               <a:buNone/>
             </a:pPr>
-            <a:endParaRPr b="0" lang="en-IN" sz="4400" spc="-1" strike="noStrike">
-              <a:solidFill>
-                <a:srgbClr val="000000"/>
-              </a:solidFill>
+            <a:endParaRPr b="0" lang="en-US" sz="4400" spc="-1" strike="noStrike">
               <a:latin typeface="Arial"/>
             </a:endParaRPr>
           </a:p>
@@ -2128,7 +1907,7 @@
         <p:txBody>
           <a:bodyPr/>
           <a:p>
-            <a:fld id="{09EC6876-1B28-45B3-80C7-F6DE32E90591}" type="slidenum">
+            <a:fld id="{4107BFE2-2704-4D2F-B858-684E8807104F}" type="slidenum">
               <a:t>&lt;#&gt;</a:t>
             </a:fld>
           </a:p>
@@ -2149,7 +1928,7 @@
           <a:bodyPr/>
           <a:p>
             <a:r>
-              <a:rPr lang="en-IN"/>
+              <a:rPr lang="en-US"/>
               <a:t/>
             </a:r>
           </a:p>
@@ -2190,7 +1969,7 @@
         <p:spPr>
           <a:xfrm>
             <a:off x="457200" y="274680"/>
-            <a:ext cx="8227080" cy="5288040"/>
+            <a:ext cx="8226000" cy="5283000"/>
           </a:xfrm>
           <a:prstGeom prst="rect">
             <a:avLst/>
@@ -2205,11 +1984,10 @@
             <a:noAutofit/>
           </a:bodyPr>
           <a:p>
-            <a:pPr algn="ctr"/>
-            <a:endParaRPr b="0" lang="en-IN" sz="3200" spc="-1" strike="noStrike">
-              <a:solidFill>
-                <a:srgbClr val="000000"/>
-              </a:solidFill>
+            <a:pPr algn="ctr">
+              <a:buNone/>
+            </a:pPr>
+            <a:endParaRPr b="0" lang="en-US" sz="3200" spc="-1" strike="noStrike">
               <a:latin typeface="Arial"/>
             </a:endParaRPr>
           </a:p>
@@ -2249,7 +2027,7 @@
         <p:txBody>
           <a:bodyPr/>
           <a:p>
-            <a:fld id="{8C1F6C96-7CE3-4D11-8109-7074ADC6CA75}" type="slidenum">
+            <a:fld id="{F3758D08-21A1-4127-903B-9A16AC30A945}" type="slidenum">
               <a:t>&lt;#&gt;</a:t>
             </a:fld>
           </a:p>
@@ -2270,7 +2048,7 @@
           <a:bodyPr/>
           <a:p>
             <a:r>
-              <a:rPr lang="en-IN"/>
+              <a:rPr lang="en-US"/>
               <a:t/>
             </a:r>
           </a:p>
@@ -2311,7 +2089,7 @@
         <p:spPr>
           <a:xfrm>
             <a:off x="457200" y="274680"/>
-            <a:ext cx="8227080" cy="1140480"/>
+            <a:ext cx="8226000" cy="1139400"/>
           </a:xfrm>
           <a:prstGeom prst="rect">
             <a:avLst/>
@@ -2326,13 +2104,10 @@
             <a:noAutofit/>
           </a:bodyPr>
           <a:p>
-            <a:pPr indent="0" algn="ctr">
+            <a:pPr algn="ctr">
               <a:buNone/>
             </a:pPr>
-            <a:endParaRPr b="0" lang="en-IN" sz="4400" spc="-1" strike="noStrike">
-              <a:solidFill>
-                <a:srgbClr val="000000"/>
-              </a:solidFill>
+            <a:endParaRPr b="0" lang="en-US" sz="4400" spc="-1" strike="noStrike">
               <a:latin typeface="Arial"/>
             </a:endParaRPr>
           </a:p>
@@ -2351,7 +2126,7 @@
         <p:spPr>
           <a:xfrm>
             <a:off x="457200" y="1604520"/>
-            <a:ext cx="110520" cy="46080"/>
+            <a:ext cx="12240" cy="4320"/>
           </a:xfrm>
           <a:prstGeom prst="rect">
             <a:avLst/>
@@ -2363,19 +2138,10 @@
         </p:spPr>
         <p:txBody>
           <a:bodyPr lIns="0" rIns="0" tIns="0" bIns="0" anchor="t">
-            <a:normAutofit fontScale="3124" lnSpcReduction="20000"/>
+            <a:normAutofit/>
           </a:bodyPr>
           <a:p>
-            <a:pPr indent="0">
-              <a:spcBef>
-                <a:spcPts val="1417"/>
-              </a:spcBef>
-              <a:buNone/>
-            </a:pPr>
-            <a:endParaRPr b="0" lang="en-IN" sz="3200" spc="-1" strike="noStrike">
-              <a:solidFill>
-                <a:srgbClr val="000000"/>
-              </a:solidFill>
+            <a:endParaRPr b="0" lang="en-US" sz="3200" spc="-1" strike="noStrike">
               <a:latin typeface="Arial"/>
             </a:endParaRPr>
           </a:p>
@@ -2393,8 +2159,8 @@
         </p:nvSpPr>
         <p:spPr>
           <a:xfrm>
-            <a:off x="573480" y="1604520"/>
-            <a:ext cx="110520" cy="97200"/>
+            <a:off x="470520" y="1604520"/>
+            <a:ext cx="12240" cy="9720"/>
           </a:xfrm>
           <a:prstGeom prst="rect">
             <a:avLst/>
@@ -2406,19 +2172,10 @@
         </p:spPr>
         <p:txBody>
           <a:bodyPr lIns="0" rIns="0" tIns="0" bIns="0" anchor="t">
-            <a:normAutofit fontScale="3124" lnSpcReduction="20000"/>
+            <a:normAutofit/>
           </a:bodyPr>
           <a:p>
-            <a:pPr indent="0">
-              <a:spcBef>
-                <a:spcPts val="1417"/>
-              </a:spcBef>
-              <a:buNone/>
-            </a:pPr>
-            <a:endParaRPr b="0" lang="en-IN" sz="3200" spc="-1" strike="noStrike">
-              <a:solidFill>
-                <a:srgbClr val="000000"/>
-              </a:solidFill>
+            <a:endParaRPr b="0" lang="en-US" sz="3200" spc="-1" strike="noStrike">
               <a:latin typeface="Arial"/>
             </a:endParaRPr>
           </a:p>
@@ -2436,8 +2193,8 @@
         </p:nvSpPr>
         <p:spPr>
           <a:xfrm>
-            <a:off x="457200" y="1655280"/>
-            <a:ext cx="110520" cy="46080"/>
+            <a:off x="457200" y="1609560"/>
+            <a:ext cx="12240" cy="4320"/>
           </a:xfrm>
           <a:prstGeom prst="rect">
             <a:avLst/>
@@ -2449,19 +2206,10 @@
         </p:spPr>
         <p:txBody>
           <a:bodyPr lIns="0" rIns="0" tIns="0" bIns="0" anchor="t">
-            <a:normAutofit fontScale="3124" lnSpcReduction="20000"/>
+            <a:normAutofit/>
           </a:bodyPr>
           <a:p>
-            <a:pPr indent="0">
-              <a:spcBef>
-                <a:spcPts val="1417"/>
-              </a:spcBef>
-              <a:buNone/>
-            </a:pPr>
-            <a:endParaRPr b="0" lang="en-IN" sz="3200" spc="-1" strike="noStrike">
-              <a:solidFill>
-                <a:srgbClr val="000000"/>
-              </a:solidFill>
+            <a:endParaRPr b="0" lang="en-US" sz="3200" spc="-1" strike="noStrike">
               <a:latin typeface="Arial"/>
             </a:endParaRPr>
           </a:p>
@@ -2501,7 +2249,7 @@
         <p:txBody>
           <a:bodyPr/>
           <a:p>
-            <a:fld id="{EAF4EC9F-191F-42F2-9E05-02C628AE834F}" type="slidenum">
+            <a:fld id="{AFA2E21D-3E3E-40AD-AA3C-0B46CE5D29C2}" type="slidenum">
               <a:t>&lt;#&gt;</a:t>
             </a:fld>
           </a:p>
@@ -2522,7 +2270,7 @@
           <a:bodyPr/>
           <a:p>
             <a:r>
-              <a:rPr lang="en-IN"/>
+              <a:rPr lang="en-US"/>
               <a:t/>
             </a:r>
           </a:p>
@@ -2563,7 +2311,7 @@
         <p:spPr>
           <a:xfrm>
             <a:off x="457200" y="274680"/>
-            <a:ext cx="8227080" cy="1140480"/>
+            <a:ext cx="8226000" cy="1139400"/>
           </a:xfrm>
           <a:prstGeom prst="rect">
             <a:avLst/>
@@ -2578,13 +2326,10 @@
             <a:noAutofit/>
           </a:bodyPr>
           <a:p>
-            <a:pPr indent="0" algn="ctr">
+            <a:pPr algn="ctr">
               <a:buNone/>
             </a:pPr>
-            <a:endParaRPr b="0" lang="en-IN" sz="4400" spc="-1" strike="noStrike">
-              <a:solidFill>
-                <a:srgbClr val="000000"/>
-              </a:solidFill>
+            <a:endParaRPr b="0" lang="en-US" sz="4400" spc="-1" strike="noStrike">
               <a:latin typeface="Arial"/>
             </a:endParaRPr>
           </a:p>
@@ -2603,7 +2348,7 @@
         <p:spPr>
           <a:xfrm>
             <a:off x="457200" y="1604520"/>
-            <a:ext cx="110520" cy="97200"/>
+            <a:ext cx="12240" cy="9720"/>
           </a:xfrm>
           <a:prstGeom prst="rect">
             <a:avLst/>
@@ -2615,19 +2360,10 @@
         </p:spPr>
         <p:txBody>
           <a:bodyPr lIns="0" rIns="0" tIns="0" bIns="0" anchor="t">
-            <a:normAutofit fontScale="3124" lnSpcReduction="20000"/>
+            <a:normAutofit/>
           </a:bodyPr>
           <a:p>
-            <a:pPr indent="0">
-              <a:spcBef>
-                <a:spcPts val="1417"/>
-              </a:spcBef>
-              <a:buNone/>
-            </a:pPr>
-            <a:endParaRPr b="0" lang="en-IN" sz="3200" spc="-1" strike="noStrike">
-              <a:solidFill>
-                <a:srgbClr val="000000"/>
-              </a:solidFill>
+            <a:endParaRPr b="0" lang="en-US" sz="3200" spc="-1" strike="noStrike">
               <a:latin typeface="Arial"/>
             </a:endParaRPr>
           </a:p>
@@ -2645,8 +2381,8 @@
         </p:nvSpPr>
         <p:spPr>
           <a:xfrm>
-            <a:off x="573480" y="1604520"/>
-            <a:ext cx="110520" cy="46080"/>
+            <a:off x="470520" y="1604520"/>
+            <a:ext cx="12240" cy="4320"/>
           </a:xfrm>
           <a:prstGeom prst="rect">
             <a:avLst/>
@@ -2658,19 +2394,10 @@
         </p:spPr>
         <p:txBody>
           <a:bodyPr lIns="0" rIns="0" tIns="0" bIns="0" anchor="t">
-            <a:normAutofit fontScale="3124" lnSpcReduction="20000"/>
+            <a:normAutofit/>
           </a:bodyPr>
           <a:p>
-            <a:pPr indent="0">
-              <a:spcBef>
-                <a:spcPts val="1417"/>
-              </a:spcBef>
-              <a:buNone/>
-            </a:pPr>
-            <a:endParaRPr b="0" lang="en-IN" sz="3200" spc="-1" strike="noStrike">
-              <a:solidFill>
-                <a:srgbClr val="000000"/>
-              </a:solidFill>
+            <a:endParaRPr b="0" lang="en-US" sz="3200" spc="-1" strike="noStrike">
               <a:latin typeface="Arial"/>
             </a:endParaRPr>
           </a:p>
@@ -2688,8 +2415,8 @@
         </p:nvSpPr>
         <p:spPr>
           <a:xfrm>
-            <a:off x="573480" y="1655280"/>
-            <a:ext cx="110520" cy="46080"/>
+            <a:off x="470520" y="1609560"/>
+            <a:ext cx="12240" cy="4320"/>
           </a:xfrm>
           <a:prstGeom prst="rect">
             <a:avLst/>
@@ -2701,19 +2428,10 @@
         </p:spPr>
         <p:txBody>
           <a:bodyPr lIns="0" rIns="0" tIns="0" bIns="0" anchor="t">
-            <a:normAutofit fontScale="3124" lnSpcReduction="20000"/>
+            <a:normAutofit/>
           </a:bodyPr>
           <a:p>
-            <a:pPr indent="0">
-              <a:spcBef>
-                <a:spcPts val="1417"/>
-              </a:spcBef>
-              <a:buNone/>
-            </a:pPr>
-            <a:endParaRPr b="0" lang="en-IN" sz="3200" spc="-1" strike="noStrike">
-              <a:solidFill>
-                <a:srgbClr val="000000"/>
-              </a:solidFill>
+            <a:endParaRPr b="0" lang="en-US" sz="3200" spc="-1" strike="noStrike">
               <a:latin typeface="Arial"/>
             </a:endParaRPr>
           </a:p>
@@ -2753,7 +2471,7 @@
         <p:txBody>
           <a:bodyPr/>
           <a:p>
-            <a:fld id="{D1D8A0DB-E894-4578-9935-C94550B9E4E1}" type="slidenum">
+            <a:fld id="{D08B15FE-871C-4843-B14B-0F085870478F}" type="slidenum">
               <a:t>&lt;#&gt;</a:t>
             </a:fld>
           </a:p>
@@ -2774,7 +2492,7 @@
           <a:bodyPr/>
           <a:p>
             <a:r>
-              <a:rPr lang="en-IN"/>
+              <a:rPr lang="en-US"/>
               <a:t/>
             </a:r>
           </a:p>
@@ -2815,7 +2533,7 @@
         <p:spPr>
           <a:xfrm>
             <a:off x="457200" y="274680"/>
-            <a:ext cx="8227080" cy="1140480"/>
+            <a:ext cx="8226000" cy="1139400"/>
           </a:xfrm>
           <a:prstGeom prst="rect">
             <a:avLst/>
@@ -2830,13 +2548,10 @@
             <a:noAutofit/>
           </a:bodyPr>
           <a:p>
-            <a:pPr indent="0" algn="ctr">
+            <a:pPr algn="ctr">
               <a:buNone/>
             </a:pPr>
-            <a:endParaRPr b="0" lang="en-IN" sz="4400" spc="-1" strike="noStrike">
-              <a:solidFill>
-                <a:srgbClr val="000000"/>
-              </a:solidFill>
+            <a:endParaRPr b="0" lang="en-US" sz="4400" spc="-1" strike="noStrike">
               <a:latin typeface="Arial"/>
             </a:endParaRPr>
           </a:p>
@@ -2855,7 +2570,7 @@
         <p:spPr>
           <a:xfrm>
             <a:off x="457200" y="1604520"/>
-            <a:ext cx="110520" cy="46080"/>
+            <a:ext cx="12240" cy="4320"/>
           </a:xfrm>
           <a:prstGeom prst="rect">
             <a:avLst/>
@@ -2867,19 +2582,10 @@
         </p:spPr>
         <p:txBody>
           <a:bodyPr lIns="0" rIns="0" tIns="0" bIns="0" anchor="t">
-            <a:normAutofit fontScale="3124" lnSpcReduction="20000"/>
+            <a:normAutofit/>
           </a:bodyPr>
           <a:p>
-            <a:pPr indent="0">
-              <a:spcBef>
-                <a:spcPts val="1417"/>
-              </a:spcBef>
-              <a:buNone/>
-            </a:pPr>
-            <a:endParaRPr b="0" lang="en-IN" sz="3200" spc="-1" strike="noStrike">
-              <a:solidFill>
-                <a:srgbClr val="000000"/>
-              </a:solidFill>
+            <a:endParaRPr b="0" lang="en-US" sz="3200" spc="-1" strike="noStrike">
               <a:latin typeface="Arial"/>
             </a:endParaRPr>
           </a:p>
@@ -2897,8 +2603,8 @@
         </p:nvSpPr>
         <p:spPr>
           <a:xfrm>
-            <a:off x="573480" y="1604520"/>
-            <a:ext cx="110520" cy="46080"/>
+            <a:off x="470520" y="1604520"/>
+            <a:ext cx="12240" cy="4320"/>
           </a:xfrm>
           <a:prstGeom prst="rect">
             <a:avLst/>
@@ -2910,19 +2616,10 @@
         </p:spPr>
         <p:txBody>
           <a:bodyPr lIns="0" rIns="0" tIns="0" bIns="0" anchor="t">
-            <a:normAutofit fontScale="3124" lnSpcReduction="20000"/>
+            <a:normAutofit/>
           </a:bodyPr>
           <a:p>
-            <a:pPr indent="0">
-              <a:spcBef>
-                <a:spcPts val="1417"/>
-              </a:spcBef>
-              <a:buNone/>
-            </a:pPr>
-            <a:endParaRPr b="0" lang="en-IN" sz="3200" spc="-1" strike="noStrike">
-              <a:solidFill>
-                <a:srgbClr val="000000"/>
-              </a:solidFill>
+            <a:endParaRPr b="0" lang="en-US" sz="3200" spc="-1" strike="noStrike">
               <a:latin typeface="Arial"/>
             </a:endParaRPr>
           </a:p>
@@ -2940,8 +2637,8 @@
         </p:nvSpPr>
         <p:spPr>
           <a:xfrm>
-            <a:off x="457200" y="1655280"/>
-            <a:ext cx="226800" cy="46080"/>
+            <a:off x="457200" y="1609560"/>
+            <a:ext cx="25560" cy="4320"/>
           </a:xfrm>
           <a:prstGeom prst="rect">
             <a:avLst/>
@@ -2953,19 +2650,10 @@
         </p:spPr>
         <p:txBody>
           <a:bodyPr lIns="0" rIns="0" tIns="0" bIns="0" anchor="t">
-            <a:normAutofit fontScale="3124" lnSpcReduction="20000"/>
+            <a:normAutofit/>
           </a:bodyPr>
           <a:p>
-            <a:pPr indent="0">
-              <a:spcBef>
-                <a:spcPts val="1417"/>
-              </a:spcBef>
-              <a:buNone/>
-            </a:pPr>
-            <a:endParaRPr b="0" lang="en-IN" sz="3200" spc="-1" strike="noStrike">
-              <a:solidFill>
-                <a:srgbClr val="000000"/>
-              </a:solidFill>
+            <a:endParaRPr b="0" lang="en-US" sz="3200" spc="-1" strike="noStrike">
               <a:latin typeface="Arial"/>
             </a:endParaRPr>
           </a:p>
@@ -3005,7 +2693,7 @@
         <p:txBody>
           <a:bodyPr/>
           <a:p>
-            <a:fld id="{F6168929-83EE-414D-BDE8-64446AA8AEA9}" type="slidenum">
+            <a:fld id="{63083DE0-BD3E-4711-919E-70CC1F37F8D9}" type="slidenum">
               <a:t>&lt;#&gt;</a:t>
             </a:fld>
           </a:p>
@@ -3026,7 +2714,7 @@
           <a:bodyPr/>
           <a:p>
             <a:r>
-              <a:rPr lang="en-IN"/>
+              <a:rPr lang="en-US"/>
               <a:t/>
             </a:r>
           </a:p>
@@ -3074,7 +2762,7 @@
         <p:spPr>
           <a:xfrm>
             <a:off x="457200" y="274680"/>
-            <a:ext cx="8227080" cy="1140480"/>
+            <a:ext cx="8226000" cy="1139400"/>
           </a:xfrm>
           <a:prstGeom prst="rect">
             <a:avLst/>
@@ -3089,22 +2777,13 @@
             <a:noAutofit/>
           </a:bodyPr>
           <a:p>
-            <a:pPr indent="0">
-              <a:buNone/>
-            </a:pPr>
-            <a:r>
-              <a:rPr b="0" lang="en-IN" sz="1800" spc="-1" strike="noStrike">
-                <a:solidFill>
-                  <a:srgbClr val="000000"/>
-                </a:solidFill>
+            <a:r>
+              <a:rPr b="0" lang="en-US" sz="1800" spc="-1" strike="noStrike">
                 <a:latin typeface="Arial"/>
               </a:rPr>
               <a:t>Click to edit the title text format</a:t>
             </a:r>
-            <a:endParaRPr b="0" lang="en-IN" sz="1800" spc="-1" strike="noStrike">
-              <a:solidFill>
-                <a:srgbClr val="000000"/>
-              </a:solidFill>
+            <a:endParaRPr b="0" lang="en-US" sz="1800" spc="-1" strike="noStrike">
               <a:latin typeface="Arial"/>
             </a:endParaRPr>
           </a:p>
@@ -3123,7 +2802,7 @@
         <p:spPr>
           <a:xfrm>
             <a:off x="457200" y="1604520"/>
-            <a:ext cx="226800" cy="97200"/>
+            <a:ext cx="25560" cy="9720"/>
           </a:xfrm>
           <a:prstGeom prst="rect">
             <a:avLst/>
@@ -3135,7 +2814,7 @@
         </p:spPr>
         <p:txBody>
           <a:bodyPr lIns="0" rIns="0" tIns="0" bIns="0" anchor="t">
-            <a:normAutofit fontScale="1111" lnSpcReduction="20000"/>
+            <a:normAutofit/>
           </a:bodyPr>
           <a:p>
             <a:pPr marL="432000" indent="-324000">
@@ -3150,18 +2829,12 @@
               <a:buChar char=""/>
             </a:pPr>
             <a:r>
-              <a:rPr b="0" lang="en-IN" sz="1800" spc="-1" strike="noStrike">
-                <a:solidFill>
-                  <a:srgbClr val="000000"/>
-                </a:solidFill>
+              <a:rPr b="0" lang="en-US" sz="1800" spc="-1" strike="noStrike">
                 <a:latin typeface="Arial"/>
               </a:rPr>
               <a:t>Click to edit the outline text format</a:t>
             </a:r>
-            <a:endParaRPr b="0" lang="en-IN" sz="1800" spc="-1" strike="noStrike">
-              <a:solidFill>
-                <a:srgbClr val="000000"/>
-              </a:solidFill>
+            <a:endParaRPr b="0" lang="en-US" sz="1800" spc="-1" strike="noStrike">
               <a:latin typeface="Arial"/>
             </a:endParaRPr>
           </a:p>
@@ -3178,18 +2851,12 @@
               <a:buChar char=""/>
             </a:pPr>
             <a:r>
-              <a:rPr b="0" lang="en-IN" sz="1800" spc="-1" strike="noStrike">
-                <a:solidFill>
-                  <a:srgbClr val="000000"/>
-                </a:solidFill>
+              <a:rPr b="0" lang="en-US" sz="1800" spc="-1" strike="noStrike">
                 <a:latin typeface="Arial"/>
               </a:rPr>
               <a:t>Second Outline Level</a:t>
             </a:r>
-            <a:endParaRPr b="0" lang="en-IN" sz="1800" spc="-1" strike="noStrike">
-              <a:solidFill>
-                <a:srgbClr val="000000"/>
-              </a:solidFill>
+            <a:endParaRPr b="0" lang="en-US" sz="1800" spc="-1" strike="noStrike">
               <a:latin typeface="Arial"/>
             </a:endParaRPr>
           </a:p>
@@ -3206,18 +2873,12 @@
               <a:buChar char=""/>
             </a:pPr>
             <a:r>
-              <a:rPr b="0" lang="en-IN" sz="1800" spc="-1" strike="noStrike">
-                <a:solidFill>
-                  <a:srgbClr val="000000"/>
-                </a:solidFill>
+              <a:rPr b="0" lang="en-US" sz="1800" spc="-1" strike="noStrike">
                 <a:latin typeface="Arial"/>
               </a:rPr>
               <a:t>Third Outline Level</a:t>
             </a:r>
-            <a:endParaRPr b="0" lang="en-IN" sz="1800" spc="-1" strike="noStrike">
-              <a:solidFill>
-                <a:srgbClr val="000000"/>
-              </a:solidFill>
+            <a:endParaRPr b="0" lang="en-US" sz="1800" spc="-1" strike="noStrike">
               <a:latin typeface="Arial"/>
             </a:endParaRPr>
           </a:p>
@@ -3234,18 +2895,12 @@
               <a:buChar char=""/>
             </a:pPr>
             <a:r>
-              <a:rPr b="0" lang="en-IN" sz="1800" spc="-1" strike="noStrike">
-                <a:solidFill>
-                  <a:srgbClr val="000000"/>
-                </a:solidFill>
+              <a:rPr b="0" lang="en-US" sz="1800" spc="-1" strike="noStrike">
                 <a:latin typeface="Arial"/>
               </a:rPr>
               <a:t>Fourth Outline Level</a:t>
             </a:r>
-            <a:endParaRPr b="0" lang="en-IN" sz="1800" spc="-1" strike="noStrike">
-              <a:solidFill>
-                <a:srgbClr val="000000"/>
-              </a:solidFill>
+            <a:endParaRPr b="0" lang="en-US" sz="1800" spc="-1" strike="noStrike">
               <a:latin typeface="Arial"/>
             </a:endParaRPr>
           </a:p>
@@ -3262,18 +2917,12 @@
               <a:buChar char=""/>
             </a:pPr>
             <a:r>
-              <a:rPr b="0" lang="en-IN" sz="1800" spc="-1" strike="noStrike">
-                <a:solidFill>
-                  <a:srgbClr val="000000"/>
-                </a:solidFill>
+              <a:rPr b="0" lang="en-US" sz="1800" spc="-1" strike="noStrike">
                 <a:latin typeface="Arial"/>
               </a:rPr>
               <a:t>Fifth Outline Level</a:t>
             </a:r>
-            <a:endParaRPr b="0" lang="en-IN" sz="1800" spc="-1" strike="noStrike">
-              <a:solidFill>
-                <a:srgbClr val="000000"/>
-              </a:solidFill>
+            <a:endParaRPr b="0" lang="en-US" sz="1800" spc="-1" strike="noStrike">
               <a:latin typeface="Arial"/>
             </a:endParaRPr>
           </a:p>
@@ -3290,18 +2939,12 @@
               <a:buChar char=""/>
             </a:pPr>
             <a:r>
-              <a:rPr b="0" lang="en-IN" sz="1800" spc="-1" strike="noStrike">
-                <a:solidFill>
-                  <a:srgbClr val="000000"/>
-                </a:solidFill>
+              <a:rPr b="0" lang="en-US" sz="1800" spc="-1" strike="noStrike">
                 <a:latin typeface="Arial"/>
               </a:rPr>
               <a:t>Sixth Outline Level</a:t>
             </a:r>
-            <a:endParaRPr b="0" lang="en-IN" sz="1800" spc="-1" strike="noStrike">
-              <a:solidFill>
-                <a:srgbClr val="000000"/>
-              </a:solidFill>
+            <a:endParaRPr b="0" lang="en-US" sz="1800" spc="-1" strike="noStrike">
               <a:latin typeface="Arial"/>
             </a:endParaRPr>
           </a:p>
@@ -3318,18 +2961,12 @@
               <a:buChar char=""/>
             </a:pPr>
             <a:r>
-              <a:rPr b="0" lang="en-IN" sz="1800" spc="-1" strike="noStrike">
-                <a:solidFill>
-                  <a:srgbClr val="000000"/>
-                </a:solidFill>
+              <a:rPr b="0" lang="en-US" sz="1800" spc="-1" strike="noStrike">
                 <a:latin typeface="Arial"/>
               </a:rPr>
               <a:t>Seventh Outline Level</a:t>
             </a:r>
-            <a:endParaRPr b="0" lang="en-IN" sz="1800" spc="-1" strike="noStrike">
-              <a:solidFill>
-                <a:srgbClr val="000000"/>
-              </a:solidFill>
+            <a:endParaRPr b="0" lang="en-US" sz="1800" spc="-1" strike="noStrike">
               <a:latin typeface="Arial"/>
             </a:endParaRPr>
           </a:p>
@@ -3347,8 +2984,8 @@
         </p:nvSpPr>
         <p:spPr>
           <a:xfrm>
-            <a:off x="696240" y="1604520"/>
-            <a:ext cx="226800" cy="97200"/>
+            <a:off x="484920" y="1604520"/>
+            <a:ext cx="25560" cy="9720"/>
           </a:xfrm>
           <a:prstGeom prst="rect">
             <a:avLst/>
@@ -3360,7 +2997,7 @@
         </p:spPr>
         <p:txBody>
           <a:bodyPr lIns="0" rIns="0" tIns="0" bIns="0" anchor="t">
-            <a:normAutofit fontScale="1111" lnSpcReduction="20000"/>
+            <a:normAutofit/>
           </a:bodyPr>
           <a:p>
             <a:pPr marL="432000" indent="-324000">
@@ -3375,18 +3012,12 @@
               <a:buChar char=""/>
             </a:pPr>
             <a:r>
-              <a:rPr b="0" lang="en-IN" sz="1800" spc="-1" strike="noStrike">
-                <a:solidFill>
-                  <a:srgbClr val="000000"/>
-                </a:solidFill>
+              <a:rPr b="0" lang="en-US" sz="1800" spc="-1" strike="noStrike">
                 <a:latin typeface="Arial"/>
               </a:rPr>
               <a:t>Click to edit the outline text format</a:t>
             </a:r>
-            <a:endParaRPr b="0" lang="en-IN" sz="1800" spc="-1" strike="noStrike">
-              <a:solidFill>
-                <a:srgbClr val="000000"/>
-              </a:solidFill>
+            <a:endParaRPr b="0" lang="en-US" sz="1800" spc="-1" strike="noStrike">
               <a:latin typeface="Arial"/>
             </a:endParaRPr>
           </a:p>
@@ -3403,18 +3034,12 @@
               <a:buChar char=""/>
             </a:pPr>
             <a:r>
-              <a:rPr b="0" lang="en-IN" sz="1800" spc="-1" strike="noStrike">
-                <a:solidFill>
-                  <a:srgbClr val="000000"/>
-                </a:solidFill>
+              <a:rPr b="0" lang="en-US" sz="1800" spc="-1" strike="noStrike">
                 <a:latin typeface="Arial"/>
               </a:rPr>
               <a:t>Second Outline Level</a:t>
             </a:r>
-            <a:endParaRPr b="0" lang="en-IN" sz="1800" spc="-1" strike="noStrike">
-              <a:solidFill>
-                <a:srgbClr val="000000"/>
-              </a:solidFill>
+            <a:endParaRPr b="0" lang="en-US" sz="1800" spc="-1" strike="noStrike">
               <a:latin typeface="Arial"/>
             </a:endParaRPr>
           </a:p>
@@ -3431,18 +3056,12 @@
               <a:buChar char=""/>
             </a:pPr>
             <a:r>
-              <a:rPr b="0" lang="en-IN" sz="1800" spc="-1" strike="noStrike">
-                <a:solidFill>
-                  <a:srgbClr val="000000"/>
-                </a:solidFill>
+              <a:rPr b="0" lang="en-US" sz="1800" spc="-1" strike="noStrike">
                 <a:latin typeface="Arial"/>
               </a:rPr>
               <a:t>Third Outline Level</a:t>
             </a:r>
-            <a:endParaRPr b="0" lang="en-IN" sz="1800" spc="-1" strike="noStrike">
-              <a:solidFill>
-                <a:srgbClr val="000000"/>
-              </a:solidFill>
+            <a:endParaRPr b="0" lang="en-US" sz="1800" spc="-1" strike="noStrike">
               <a:latin typeface="Arial"/>
             </a:endParaRPr>
           </a:p>
@@ -3459,18 +3078,12 @@
               <a:buChar char=""/>
             </a:pPr>
             <a:r>
-              <a:rPr b="0" lang="en-IN" sz="1800" spc="-1" strike="noStrike">
-                <a:solidFill>
-                  <a:srgbClr val="000000"/>
-                </a:solidFill>
+              <a:rPr b="0" lang="en-US" sz="1800" spc="-1" strike="noStrike">
                 <a:latin typeface="Arial"/>
               </a:rPr>
               <a:t>Fourth Outline Level</a:t>
             </a:r>
-            <a:endParaRPr b="0" lang="en-IN" sz="1800" spc="-1" strike="noStrike">
-              <a:solidFill>
-                <a:srgbClr val="000000"/>
-              </a:solidFill>
+            <a:endParaRPr b="0" lang="en-US" sz="1800" spc="-1" strike="noStrike">
               <a:latin typeface="Arial"/>
             </a:endParaRPr>
           </a:p>
@@ -3487,18 +3100,12 @@
               <a:buChar char=""/>
             </a:pPr>
             <a:r>
-              <a:rPr b="0" lang="en-IN" sz="1800" spc="-1" strike="noStrike">
-                <a:solidFill>
-                  <a:srgbClr val="000000"/>
-                </a:solidFill>
+              <a:rPr b="0" lang="en-US" sz="1800" spc="-1" strike="noStrike">
                 <a:latin typeface="Arial"/>
               </a:rPr>
               <a:t>Fifth Outline Level</a:t>
             </a:r>
-            <a:endParaRPr b="0" lang="en-IN" sz="1800" spc="-1" strike="noStrike">
-              <a:solidFill>
-                <a:srgbClr val="000000"/>
-              </a:solidFill>
+            <a:endParaRPr b="0" lang="en-US" sz="1800" spc="-1" strike="noStrike">
               <a:latin typeface="Arial"/>
             </a:endParaRPr>
           </a:p>
@@ -3515,18 +3122,12 @@
               <a:buChar char=""/>
             </a:pPr>
             <a:r>
-              <a:rPr b="0" lang="en-IN" sz="1800" spc="-1" strike="noStrike">
-                <a:solidFill>
-                  <a:srgbClr val="000000"/>
-                </a:solidFill>
+              <a:rPr b="0" lang="en-US" sz="1800" spc="-1" strike="noStrike">
                 <a:latin typeface="Arial"/>
               </a:rPr>
               <a:t>Sixth Outline Level</a:t>
             </a:r>
-            <a:endParaRPr b="0" lang="en-IN" sz="1800" spc="-1" strike="noStrike">
-              <a:solidFill>
-                <a:srgbClr val="000000"/>
-              </a:solidFill>
+            <a:endParaRPr b="0" lang="en-US" sz="1800" spc="-1" strike="noStrike">
               <a:latin typeface="Arial"/>
             </a:endParaRPr>
           </a:p>
@@ -3543,18 +3144,12 @@
               <a:buChar char=""/>
             </a:pPr>
             <a:r>
-              <a:rPr b="0" lang="en-IN" sz="1800" spc="-1" strike="noStrike">
-                <a:solidFill>
-                  <a:srgbClr val="000000"/>
-                </a:solidFill>
+              <a:rPr b="0" lang="en-US" sz="1800" spc="-1" strike="noStrike">
                 <a:latin typeface="Arial"/>
               </a:rPr>
               <a:t>Seventh Outline Level</a:t>
             </a:r>
-            <a:endParaRPr b="0" lang="en-IN" sz="1800" spc="-1" strike="noStrike">
-              <a:solidFill>
-                <a:srgbClr val="000000"/>
-              </a:solidFill>
+            <a:endParaRPr b="0" lang="en-US" sz="1800" spc="-1" strike="noStrike">
               <a:latin typeface="Arial"/>
             </a:endParaRPr>
           </a:p>
@@ -3572,8 +3167,8 @@
         </p:nvSpPr>
         <p:spPr>
           <a:xfrm>
-            <a:off x="457200" y="1711800"/>
-            <a:ext cx="465480" cy="97200"/>
+            <a:off x="457200" y="1616040"/>
+            <a:ext cx="52920" cy="9720"/>
           </a:xfrm>
           <a:prstGeom prst="rect">
             <a:avLst/>
@@ -3585,7 +3180,7 @@
         </p:spPr>
         <p:txBody>
           <a:bodyPr lIns="0" rIns="0" tIns="0" bIns="0" anchor="t">
-            <a:normAutofit fontScale="1111" lnSpcReduction="20000"/>
+            <a:normAutofit/>
           </a:bodyPr>
           <a:p>
             <a:pPr marL="432000" indent="-324000">
@@ -3600,18 +3195,12 @@
               <a:buChar char=""/>
             </a:pPr>
             <a:r>
-              <a:rPr b="0" lang="en-IN" sz="1800" spc="-1" strike="noStrike">
-                <a:solidFill>
-                  <a:srgbClr val="000000"/>
-                </a:solidFill>
+              <a:rPr b="0" lang="en-US" sz="1800" spc="-1" strike="noStrike">
                 <a:latin typeface="Arial"/>
               </a:rPr>
               <a:t>Click to edit the outline text format</a:t>
             </a:r>
-            <a:endParaRPr b="0" lang="en-IN" sz="1800" spc="-1" strike="noStrike">
-              <a:solidFill>
-                <a:srgbClr val="000000"/>
-              </a:solidFill>
+            <a:endParaRPr b="0" lang="en-US" sz="1800" spc="-1" strike="noStrike">
               <a:latin typeface="Arial"/>
             </a:endParaRPr>
           </a:p>
@@ -3628,18 +3217,12 @@
               <a:buChar char=""/>
             </a:pPr>
             <a:r>
-              <a:rPr b="0" lang="en-IN" sz="1800" spc="-1" strike="noStrike">
-                <a:solidFill>
-                  <a:srgbClr val="000000"/>
-                </a:solidFill>
+              <a:rPr b="0" lang="en-US" sz="1800" spc="-1" strike="noStrike">
                 <a:latin typeface="Arial"/>
               </a:rPr>
               <a:t>Second Outline Level</a:t>
             </a:r>
-            <a:endParaRPr b="0" lang="en-IN" sz="1800" spc="-1" strike="noStrike">
-              <a:solidFill>
-                <a:srgbClr val="000000"/>
-              </a:solidFill>
+            <a:endParaRPr b="0" lang="en-US" sz="1800" spc="-1" strike="noStrike">
               <a:latin typeface="Arial"/>
             </a:endParaRPr>
           </a:p>
@@ -3656,18 +3239,12 @@
               <a:buChar char=""/>
             </a:pPr>
             <a:r>
-              <a:rPr b="0" lang="en-IN" sz="1800" spc="-1" strike="noStrike">
-                <a:solidFill>
-                  <a:srgbClr val="000000"/>
-                </a:solidFill>
+              <a:rPr b="0" lang="en-US" sz="1800" spc="-1" strike="noStrike">
                 <a:latin typeface="Arial"/>
               </a:rPr>
               <a:t>Third Outline Level</a:t>
             </a:r>
-            <a:endParaRPr b="0" lang="en-IN" sz="1800" spc="-1" strike="noStrike">
-              <a:solidFill>
-                <a:srgbClr val="000000"/>
-              </a:solidFill>
+            <a:endParaRPr b="0" lang="en-US" sz="1800" spc="-1" strike="noStrike">
               <a:latin typeface="Arial"/>
             </a:endParaRPr>
           </a:p>
@@ -3684,18 +3261,12 @@
               <a:buChar char=""/>
             </a:pPr>
             <a:r>
-              <a:rPr b="0" lang="en-IN" sz="1800" spc="-1" strike="noStrike">
-                <a:solidFill>
-                  <a:srgbClr val="000000"/>
-                </a:solidFill>
+              <a:rPr b="0" lang="en-US" sz="1800" spc="-1" strike="noStrike">
                 <a:latin typeface="Arial"/>
               </a:rPr>
               <a:t>Fourth Outline Level</a:t>
             </a:r>
-            <a:endParaRPr b="0" lang="en-IN" sz="1800" spc="-1" strike="noStrike">
-              <a:solidFill>
-                <a:srgbClr val="000000"/>
-              </a:solidFill>
+            <a:endParaRPr b="0" lang="en-US" sz="1800" spc="-1" strike="noStrike">
               <a:latin typeface="Arial"/>
             </a:endParaRPr>
           </a:p>
@@ -3712,18 +3283,12 @@
               <a:buChar char=""/>
             </a:pPr>
             <a:r>
-              <a:rPr b="0" lang="en-IN" sz="1800" spc="-1" strike="noStrike">
-                <a:solidFill>
-                  <a:srgbClr val="000000"/>
-                </a:solidFill>
+              <a:rPr b="0" lang="en-US" sz="1800" spc="-1" strike="noStrike">
                 <a:latin typeface="Arial"/>
               </a:rPr>
               <a:t>Fifth Outline Level</a:t>
             </a:r>
-            <a:endParaRPr b="0" lang="en-IN" sz="1800" spc="-1" strike="noStrike">
-              <a:solidFill>
-                <a:srgbClr val="000000"/>
-              </a:solidFill>
+            <a:endParaRPr b="0" lang="en-US" sz="1800" spc="-1" strike="noStrike">
               <a:latin typeface="Arial"/>
             </a:endParaRPr>
           </a:p>
@@ -3740,18 +3305,12 @@
               <a:buChar char=""/>
             </a:pPr>
             <a:r>
-              <a:rPr b="0" lang="en-IN" sz="1800" spc="-1" strike="noStrike">
-                <a:solidFill>
-                  <a:srgbClr val="000000"/>
-                </a:solidFill>
+              <a:rPr b="0" lang="en-US" sz="1800" spc="-1" strike="noStrike">
                 <a:latin typeface="Arial"/>
               </a:rPr>
               <a:t>Sixth Outline Level</a:t>
             </a:r>
-            <a:endParaRPr b="0" lang="en-IN" sz="1800" spc="-1" strike="noStrike">
-              <a:solidFill>
-                <a:srgbClr val="000000"/>
-              </a:solidFill>
+            <a:endParaRPr b="0" lang="en-US" sz="1800" spc="-1" strike="noStrike">
               <a:latin typeface="Arial"/>
             </a:endParaRPr>
           </a:p>
@@ -3768,18 +3327,12 @@
               <a:buChar char=""/>
             </a:pPr>
             <a:r>
-              <a:rPr b="0" lang="en-IN" sz="1800" spc="-1" strike="noStrike">
-                <a:solidFill>
-                  <a:srgbClr val="000000"/>
-                </a:solidFill>
+              <a:rPr b="0" lang="en-US" sz="1800" spc="-1" strike="noStrike">
                 <a:latin typeface="Arial"/>
               </a:rPr>
               <a:t>Seventh Outline Level</a:t>
             </a:r>
-            <a:endParaRPr b="0" lang="en-IN" sz="1800" spc="-1" strike="noStrike">
-              <a:solidFill>
-                <a:srgbClr val="000000"/>
-              </a:solidFill>
+            <a:endParaRPr b="0" lang="en-US" sz="1800" spc="-1" strike="noStrike">
               <a:latin typeface="Arial"/>
             </a:endParaRPr>
           </a:p>
@@ -3798,7 +3351,7 @@
         <p:spPr>
           <a:xfrm>
             <a:off x="3124080" y="6356520"/>
-            <a:ext cx="2892960" cy="362520"/>
+            <a:ext cx="2891880" cy="361440"/>
           </a:xfrm>
           <a:prstGeom prst="rect">
             <a:avLst/>
@@ -3809,11 +3362,11 @@
           </a:ln>
         </p:spPr>
         <p:txBody>
-          <a:bodyPr lIns="91440" rIns="91440" tIns="45720" bIns="45720" anchor="ctr">
+          <a:bodyPr lIns="90000" rIns="90000" tIns="45000" bIns="45000" anchor="ctr">
             <a:noAutofit/>
           </a:bodyPr>
           <a:lstStyle>
-            <a:lvl1pPr indent="0" algn="ctr">
+            <a:lvl1pPr algn="ctr">
               <a:lnSpc>
                 <a:spcPct val="100000"/>
               </a:lnSpc>
@@ -3830,7 +3383,7 @@
             </a:lvl1pPr>
           </a:lstStyle>
           <a:p>
-            <a:pPr indent="0" algn="ctr">
+            <a:pPr algn="ctr">
               <a:lnSpc>
                 <a:spcPct val="100000"/>
               </a:lnSpc>
@@ -3848,10 +3401,7 @@
               </a:rPr>
               <a:t>&lt;footer&gt;</a:t>
             </a:r>
-            <a:endParaRPr b="0" lang="en-IN" sz="1400" spc="-1" strike="noStrike">
-              <a:solidFill>
-                <a:srgbClr val="000000"/>
-              </a:solidFill>
+            <a:endParaRPr b="0" lang="en-US" sz="1400" spc="-1" strike="noStrike">
               <a:latin typeface="Times New Roman"/>
             </a:endParaRPr>
           </a:p>
@@ -3870,7 +3420,7 @@
         <p:spPr>
           <a:xfrm>
             <a:off x="6553080" y="6356520"/>
-            <a:ext cx="2131200" cy="362520"/>
+            <a:ext cx="2130120" cy="361440"/>
           </a:xfrm>
           <a:prstGeom prst="rect">
             <a:avLst/>
@@ -3881,11 +3431,11 @@
           </a:ln>
         </p:spPr>
         <p:txBody>
-          <a:bodyPr lIns="91440" rIns="91440" tIns="45720" bIns="45720" anchor="ctr">
+          <a:bodyPr lIns="90000" rIns="90000" tIns="45000" bIns="45000" anchor="ctr">
             <a:noAutofit/>
           </a:bodyPr>
           <a:lstStyle>
-            <a:lvl1pPr indent="0" algn="r" defTabSz="914400">
+            <a:lvl1pPr algn="r">
               <a:lnSpc>
                 <a:spcPct val="100000"/>
               </a:lnSpc>
@@ -3895,16 +3445,14 @@
               </a:tabLst>
               <a:defRPr b="0" lang="en-US" sz="1200" spc="-1" strike="noStrike">
                 <a:solidFill>
-                  <a:schemeClr val="dk1">
-                    <a:tint val="75000"/>
-                  </a:schemeClr>
+                  <a:srgbClr val="8b8b8b"/>
                 </a:solidFill>
                 <a:latin typeface="Calibri"/>
               </a:defRPr>
             </a:lvl1pPr>
           </a:lstStyle>
           <a:p>
-            <a:pPr indent="0" algn="r" defTabSz="914400">
+            <a:pPr algn="r">
               <a:lnSpc>
                 <a:spcPct val="100000"/>
               </a:lnSpc>
@@ -3913,21 +3461,16 @@
                 <a:tab algn="l" pos="0"/>
               </a:tabLst>
             </a:pPr>
-            <a:fld id="{3B120EF9-2682-416D-9ED7-62A786D41126}" type="slidenum">
+            <a:fld id="{0F96330B-E77F-41A1-814B-0F3338555F62}" type="slidenum">
               <a:rPr b="0" lang="en-US" sz="1200" spc="-1" strike="noStrike">
                 <a:solidFill>
-                  <a:schemeClr val="dk1">
-                    <a:tint val="75000"/>
-                  </a:schemeClr>
+                  <a:srgbClr val="8b8b8b"/>
                 </a:solidFill>
                 <a:latin typeface="Calibri"/>
               </a:rPr>
               <a:t>&lt;number&gt;</a:t>
             </a:fld>
-            <a:endParaRPr b="0" lang="en-IN" sz="1200" spc="-1" strike="noStrike">
-              <a:solidFill>
-                <a:srgbClr val="000000"/>
-              </a:solidFill>
+            <a:endParaRPr b="0" lang="en-US" sz="1200" spc="-1" strike="noStrike">
               <a:latin typeface="Times New Roman"/>
             </a:endParaRPr>
           </a:p>
@@ -3946,7 +3489,7 @@
         <p:spPr>
           <a:xfrm>
             <a:off x="457200" y="6356520"/>
-            <a:ext cx="2131200" cy="362520"/>
+            <a:ext cx="2130120" cy="361440"/>
           </a:xfrm>
           <a:prstGeom prst="rect">
             <a:avLst/>
@@ -3957,37 +3500,24 @@
           </a:ln>
         </p:spPr>
         <p:txBody>
-          <a:bodyPr lIns="91440" rIns="91440" tIns="45720" bIns="45720" anchor="ctr">
+          <a:bodyPr lIns="90000" rIns="90000" tIns="45000" bIns="45000" anchor="ctr">
             <a:noAutofit/>
           </a:bodyPr>
           <a:lstStyle>
-            <a:lvl1pPr indent="0">
-              <a:buNone/>
-              <a:defRPr b="0" lang="en-IN" sz="1400" spc="-1" strike="noStrike">
-                <a:solidFill>
-                  <a:srgbClr val="000000"/>
-                </a:solidFill>
+            <a:lvl1pPr>
+              <a:defRPr b="0" lang="en-US" sz="1400" spc="-1" strike="noStrike">
                 <a:latin typeface="Times New Roman"/>
               </a:defRPr>
             </a:lvl1pPr>
           </a:lstStyle>
           <a:p>
-            <a:pPr indent="0">
-              <a:buNone/>
-            </a:pPr>
-            <a:r>
-              <a:rPr b="0" lang="en-IN" sz="1400" spc="-1" strike="noStrike">
-                <a:solidFill>
-                  <a:srgbClr val="000000"/>
-                </a:solidFill>
+            <a:r>
+              <a:rPr b="0" lang="en-US" sz="1400" spc="-1" strike="noStrike">
                 <a:latin typeface="Times New Roman"/>
               </a:rPr>
               <a:t>&lt;date/time&gt;</a:t>
             </a:r>
-            <a:endParaRPr b="0" lang="en-IN" sz="1400" spc="-1" strike="noStrike">
-              <a:solidFill>
-                <a:srgbClr val="000000"/>
-              </a:solidFill>
+            <a:endParaRPr b="0" lang="en-US" sz="1400" spc="-1" strike="noStrike">
               <a:latin typeface="Times New Roman"/>
             </a:endParaRPr>
           </a:p>
@@ -4043,7 +3573,7 @@
         <p:spPr>
           <a:xfrm>
             <a:off x="457200" y="1600200"/>
-            <a:ext cx="8227080" cy="4523400"/>
+            <a:ext cx="8226000" cy="4522320"/>
           </a:xfrm>
           <a:prstGeom prst="rect">
             <a:avLst/>
@@ -4054,11 +3584,11 @@
           </a:ln>
         </p:spPr>
         <p:txBody>
-          <a:bodyPr lIns="91440" rIns="91440" tIns="45720" bIns="45720" anchor="t">
+          <a:bodyPr lIns="0" rIns="0" tIns="0" bIns="0" anchor="t">
             <a:normAutofit/>
           </a:bodyPr>
           <a:p>
-            <a:pPr indent="0" defTabSz="914400">
+            <a:pPr>
               <a:lnSpc>
                 <a:spcPct val="100000"/>
               </a:lnSpc>
@@ -4073,7 +3603,7 @@
             <a:r>
               <a:rPr b="0" lang="en-US" sz="3200" spc="-1" strike="noStrike">
                 <a:solidFill>
-                  <a:schemeClr val="dk1"/>
+                  <a:srgbClr val="000000"/>
                 </a:solidFill>
                 <a:latin typeface="Calibri"/>
               </a:rPr>
@@ -4082,21 +3612,18 @@
             <a:r>
               <a:rPr b="0" lang="en-US" sz="3200" spc="-1" strike="noStrike">
                 <a:solidFill>
-                  <a:schemeClr val="dk1"/>
+                  <a:srgbClr val="000000"/>
                 </a:solidFill>
                 <a:latin typeface="Times New Roman"/>
               </a:rPr>
               <a:t>Department of ECE</a:t>
             </a:r>
-            <a:endParaRPr b="0" lang="en-IN" sz="3200" spc="-1" strike="noStrike">
-              <a:solidFill>
-                <a:srgbClr val="000000"/>
-              </a:solidFill>
-              <a:latin typeface="Arial"/>
-            </a:endParaRPr>
-          </a:p>
-          <a:p>
-            <a:pPr indent="0" defTabSz="914400">
+            <a:endParaRPr b="0" lang="en-US" sz="3200" spc="-1" strike="noStrike">
+              <a:latin typeface="Arial"/>
+            </a:endParaRPr>
+          </a:p>
+          <a:p>
+            <a:pPr>
               <a:lnSpc>
                 <a:spcPct val="100000"/>
               </a:lnSpc>
@@ -4111,7 +3638,7 @@
             <a:r>
               <a:rPr b="0" lang="en-US" sz="3200" spc="-1" strike="noStrike">
                 <a:solidFill>
-                  <a:schemeClr val="dk1"/>
+                  <a:srgbClr val="000000"/>
                 </a:solidFill>
                 <a:latin typeface="Times New Roman"/>
               </a:rPr>
@@ -4120,7 +3647,7 @@
             <a:r>
               <a:rPr b="0" lang="en-US" sz="3200" spc="-1" strike="noStrike">
                 <a:solidFill>
-                  <a:schemeClr val="dk1"/>
+                  <a:srgbClr val="000000"/>
                 </a:solidFill>
                 <a:latin typeface="Times New Roman"/>
               </a:rPr>
@@ -4129,7 +3656,7 @@
             <a:r>
               <a:rPr b="0" lang="en-US" sz="3200" spc="-1" strike="noStrike">
                 <a:solidFill>
-                  <a:schemeClr val="dk1"/>
+                  <a:srgbClr val="000000"/>
                 </a:solidFill>
                 <a:latin typeface="Calibri"/>
               </a:rPr>
@@ -4138,7 +3665,7 @@
             <a:r>
               <a:rPr b="0" lang="en-US" sz="3200" spc="-1" strike="noStrike">
                 <a:solidFill>
-                  <a:schemeClr val="dk1"/>
+                  <a:srgbClr val="000000"/>
                 </a:solidFill>
                 <a:latin typeface="Calibri"/>
               </a:rPr>
@@ -4147,7 +3674,7 @@
             <a:r>
               <a:rPr b="0" lang="en-US" sz="3200" spc="-1" strike="noStrike">
                 <a:solidFill>
-                  <a:schemeClr val="dk1"/>
+                  <a:srgbClr val="000000"/>
                 </a:solidFill>
                 <a:latin typeface="Calibri"/>
               </a:rPr>
@@ -4156,21 +3683,18 @@
             <a:r>
               <a:rPr b="0" lang="en-US" sz="3200" spc="-1" strike="noStrike">
                 <a:solidFill>
-                  <a:schemeClr val="dk1"/>
+                  <a:srgbClr val="000000"/>
                 </a:solidFill>
                 <a:latin typeface="Times New Roman"/>
               </a:rPr>
               <a:t>(Mini Project)  </a:t>
             </a:r>
-            <a:endParaRPr b="0" lang="en-IN" sz="3200" spc="-1" strike="noStrike">
-              <a:solidFill>
-                <a:srgbClr val="000000"/>
-              </a:solidFill>
-              <a:latin typeface="Arial"/>
-            </a:endParaRPr>
-          </a:p>
-          <a:p>
-            <a:pPr indent="0" defTabSz="914400">
+            <a:endParaRPr b="0" lang="en-US" sz="3200" spc="-1" strike="noStrike">
+              <a:latin typeface="Arial"/>
+            </a:endParaRPr>
+          </a:p>
+          <a:p>
+            <a:pPr>
               <a:lnSpc>
                 <a:spcPct val="100000"/>
               </a:lnSpc>
@@ -4185,7 +3709,7 @@
             <a:r>
               <a:rPr b="0" lang="en-US" sz="3200" spc="-1" strike="noStrike">
                 <a:solidFill>
-                  <a:schemeClr val="dk1"/>
+                  <a:srgbClr val="000000"/>
                 </a:solidFill>
                 <a:latin typeface="Times New Roman"/>
               </a:rPr>
@@ -4194,21 +3718,18 @@
             <a:r>
               <a:rPr b="0" lang="en-US" sz="3200" spc="-1" strike="noStrike">
                 <a:solidFill>
-                  <a:schemeClr val="dk1"/>
+                  <a:srgbClr val="000000"/>
                 </a:solidFill>
                 <a:latin typeface="Times New Roman"/>
               </a:rPr>
               <a:t>2023-24- Even</a:t>
             </a:r>
-            <a:endParaRPr b="0" lang="en-IN" sz="3200" spc="-1" strike="noStrike">
-              <a:solidFill>
-                <a:srgbClr val="000000"/>
-              </a:solidFill>
-              <a:latin typeface="Arial"/>
-            </a:endParaRPr>
-          </a:p>
-          <a:p>
-            <a:pPr indent="0" defTabSz="914400">
+            <a:endParaRPr b="0" lang="en-US" sz="3200" spc="-1" strike="noStrike">
+              <a:latin typeface="Arial"/>
+            </a:endParaRPr>
+          </a:p>
+          <a:p>
+            <a:pPr>
               <a:lnSpc>
                 <a:spcPct val="100000"/>
               </a:lnSpc>
@@ -4223,7 +3744,7 @@
             <a:r>
               <a:rPr b="0" lang="en-US" sz="3200" spc="-1" strike="noStrike">
                 <a:solidFill>
-                  <a:schemeClr val="dk1"/>
+                  <a:srgbClr val="000000"/>
                 </a:solidFill>
                 <a:latin typeface="Times New Roman"/>
               </a:rPr>
@@ -4232,21 +3753,18 @@
             <a:r>
               <a:rPr b="0" lang="en-US" sz="3200" spc="-1" strike="noStrike">
                 <a:solidFill>
-                  <a:schemeClr val="dk1"/>
+                  <a:srgbClr val="000000"/>
                 </a:solidFill>
                 <a:latin typeface="Times New Roman"/>
               </a:rPr>
               <a:t>III Year ECE C section </a:t>
             </a:r>
-            <a:endParaRPr b="0" lang="en-IN" sz="3200" spc="-1" strike="noStrike">
-              <a:solidFill>
-                <a:srgbClr val="000000"/>
-              </a:solidFill>
-              <a:latin typeface="Arial"/>
-            </a:endParaRPr>
-          </a:p>
-          <a:p>
-            <a:pPr indent="0" defTabSz="914400">
+            <a:endParaRPr b="0" lang="en-US" sz="3200" spc="-1" strike="noStrike">
+              <a:latin typeface="Arial"/>
+            </a:endParaRPr>
+          </a:p>
+          <a:p>
+            <a:pPr>
               <a:lnSpc>
                 <a:spcPct val="100000"/>
               </a:lnSpc>
@@ -4258,15 +3776,12 @@
                 <a:tab algn="l" pos="0"/>
               </a:tabLst>
             </a:pPr>
-            <a:endParaRPr b="0" lang="en-IN" sz="3200" spc="-1" strike="noStrike">
-              <a:solidFill>
-                <a:srgbClr val="000000"/>
-              </a:solidFill>
-              <a:latin typeface="Arial"/>
-            </a:endParaRPr>
-          </a:p>
-          <a:p>
-            <a:pPr indent="0" defTabSz="914400">
+            <a:endParaRPr b="0" lang="en-US" sz="3200" spc="-1" strike="noStrike">
+              <a:latin typeface="Arial"/>
+            </a:endParaRPr>
+          </a:p>
+          <a:p>
+            <a:pPr>
               <a:lnSpc>
                 <a:spcPct val="100000"/>
               </a:lnSpc>
@@ -4281,7 +3796,7 @@
             <a:r>
               <a:rPr b="0" lang="en-US" sz="3200" spc="-1" strike="noStrike">
                 <a:solidFill>
-                  <a:schemeClr val="dk1"/>
+                  <a:srgbClr val="000000"/>
                 </a:solidFill>
                 <a:latin typeface="Times New Roman"/>
               </a:rPr>
@@ -4290,16 +3805,13 @@
             <a:r>
               <a:rPr b="0" lang="en-US" sz="3200" spc="-1" strike="noStrike">
                 <a:solidFill>
-                  <a:schemeClr val="dk1"/>
+                  <a:srgbClr val="000000"/>
                 </a:solidFill>
                 <a:latin typeface="Times New Roman"/>
               </a:rPr>
               <a:t>Zeroth Review – 14.02.2024</a:t>
             </a:r>
-            <a:endParaRPr b="0" lang="en-IN" sz="3200" spc="-1" strike="noStrike">
-              <a:solidFill>
-                <a:srgbClr val="000000"/>
-              </a:solidFill>
+            <a:endParaRPr b="0" lang="en-US" sz="3200" spc="-1" strike="noStrike">
               <a:latin typeface="Arial"/>
             </a:endParaRPr>
           </a:p>
@@ -4318,7 +3830,7 @@
         <p:spPr>
           <a:xfrm>
             <a:off x="152280" y="228600"/>
-            <a:ext cx="3578760" cy="1154160"/>
+            <a:ext cx="3577680" cy="1153080"/>
           </a:xfrm>
           <a:prstGeom prst="rect">
             <a:avLst/>
@@ -4371,7 +3883,7 @@
         <p:spPr>
           <a:xfrm>
             <a:off x="457200" y="274680"/>
-            <a:ext cx="8227080" cy="1140480"/>
+            <a:ext cx="8226000" cy="1139400"/>
           </a:xfrm>
           <a:prstGeom prst="rect">
             <a:avLst/>
@@ -4382,11 +3894,11 @@
           </a:ln>
         </p:spPr>
         <p:txBody>
-          <a:bodyPr lIns="91440" rIns="91440" tIns="45720" bIns="45720" anchor="ctr">
+          <a:bodyPr lIns="0" rIns="0" tIns="0" bIns="0" anchor="ctr">
             <a:noAutofit/>
           </a:bodyPr>
           <a:p>
-            <a:pPr indent="0" algn="ctr" defTabSz="914400">
+            <a:pPr algn="ctr">
               <a:lnSpc>
                 <a:spcPct val="100000"/>
               </a:lnSpc>
@@ -4398,16 +3910,13 @@
             <a:r>
               <a:rPr b="0" lang="en-IN" sz="4400" spc="-1" strike="noStrike">
                 <a:solidFill>
-                  <a:schemeClr val="dk1"/>
+                  <a:srgbClr val="000000"/>
                 </a:solidFill>
                 <a:latin typeface="Times New Roman"/>
               </a:rPr>
               <a:t>Block Diagram</a:t>
             </a:r>
-            <a:endParaRPr b="0" lang="en-IN" sz="4400" spc="-1" strike="noStrike">
-              <a:solidFill>
-                <a:srgbClr val="000000"/>
-              </a:solidFill>
+            <a:endParaRPr b="0" lang="en-US" sz="4400" spc="-1" strike="noStrike">
               <a:latin typeface="Arial"/>
             </a:endParaRPr>
           </a:p>
@@ -4422,7 +3931,7 @@
         <p:spPr>
           <a:xfrm>
             <a:off x="609480" y="288000"/>
-            <a:ext cx="9141480" cy="454680"/>
+            <a:ext cx="9140400" cy="453600"/>
           </a:xfrm>
           <a:prstGeom prst="rect">
             <a:avLst/>
@@ -4438,24 +3947,6 @@
           <a:effectRef idx="0"/>
           <a:fontRef idx="minor"/>
         </p:style>
-        <p:txBody>
-          <a:bodyPr numCol="1" spcCol="0" wrap="none" lIns="90000" rIns="90000" tIns="45000" bIns="45000" anchor="ctr">
-            <a:spAutoFit/>
-          </a:bodyPr>
-          <a:p>
-            <a:pPr defTabSz="914400">
-              <a:lnSpc>
-                <a:spcPct val="100000"/>
-              </a:lnSpc>
-            </a:pPr>
-            <a:endParaRPr b="0" lang="en-IN" sz="1800" spc="-1" strike="noStrike">
-              <a:solidFill>
-                <a:schemeClr val="dk1"/>
-              </a:solidFill>
-              <a:latin typeface="Calibri"/>
-            </a:endParaRPr>
-          </a:p>
-        </p:txBody>
       </p:sp>
       <p:sp>
         <p:nvSpPr>
@@ -4466,7 +3957,7 @@
         <p:spPr>
           <a:xfrm>
             <a:off x="152280" y="152280"/>
-            <a:ext cx="9141480" cy="454680"/>
+            <a:ext cx="9140400" cy="453600"/>
           </a:xfrm>
           <a:prstGeom prst="rect">
             <a:avLst/>
@@ -4482,24 +3973,6 @@
           <a:effectRef idx="0"/>
           <a:fontRef idx="minor"/>
         </p:style>
-        <p:txBody>
-          <a:bodyPr numCol="1" spcCol="0" wrap="none" lIns="90000" rIns="90000" tIns="45000" bIns="45000" anchor="ctr">
-            <a:spAutoFit/>
-          </a:bodyPr>
-          <a:p>
-            <a:pPr defTabSz="914400">
-              <a:lnSpc>
-                <a:spcPct val="100000"/>
-              </a:lnSpc>
-            </a:pPr>
-            <a:endParaRPr b="0" lang="en-IN" sz="1800" spc="-1" strike="noStrike">
-              <a:solidFill>
-                <a:schemeClr val="dk1"/>
-              </a:solidFill>
-              <a:latin typeface="Calibri"/>
-            </a:endParaRPr>
-          </a:p>
-        </p:txBody>
       </p:sp>
       <p:sp>
         <p:nvSpPr>
@@ -4510,7 +3983,7 @@
         <p:spPr>
           <a:xfrm>
             <a:off x="762120" y="1139040"/>
-            <a:ext cx="10673640" cy="581040"/>
+            <a:ext cx="10672560" cy="579960"/>
           </a:xfrm>
           <a:prstGeom prst="rect">
             <a:avLst/>
@@ -4526,24 +3999,6 @@
           <a:effectRef idx="0"/>
           <a:fontRef idx="minor"/>
         </p:style>
-        <p:txBody>
-          <a:bodyPr numCol="1" spcCol="0" lIns="90000" rIns="90000" tIns="45000" bIns="45000" anchor="ctr">
-            <a:spAutoFit/>
-          </a:bodyPr>
-          <a:p>
-            <a:pPr defTabSz="914400">
-              <a:lnSpc>
-                <a:spcPct val="100000"/>
-              </a:lnSpc>
-            </a:pPr>
-            <a:endParaRPr b="0" lang="en-IN" sz="1800" spc="-1" strike="noStrike">
-              <a:solidFill>
-                <a:schemeClr val="dk1"/>
-              </a:solidFill>
-              <a:latin typeface="Calibri"/>
-            </a:endParaRPr>
-          </a:p>
-        </p:txBody>
       </p:sp>
       <p:pic>
         <p:nvPicPr>
@@ -4558,7 +4013,7 @@
         <p:spPr>
           <a:xfrm>
             <a:off x="3060000" y="1871640"/>
-            <a:ext cx="5938200" cy="4786560"/>
+            <a:ext cx="5937120" cy="4785480"/>
           </a:xfrm>
           <a:prstGeom prst="rect">
             <a:avLst/>
@@ -4581,7 +4036,7 @@
         <p:spPr>
           <a:xfrm>
             <a:off x="170280" y="1260000"/>
-            <a:ext cx="4687920" cy="3642480"/>
+            <a:ext cx="4686840" cy="3641400"/>
           </a:xfrm>
           <a:prstGeom prst="rect">
             <a:avLst/>
@@ -4634,7 +4089,7 @@
         <p:spPr>
           <a:xfrm>
             <a:off x="457200" y="274680"/>
-            <a:ext cx="8227080" cy="1140480"/>
+            <a:ext cx="8226000" cy="1139400"/>
           </a:xfrm>
           <a:prstGeom prst="rect">
             <a:avLst/>
@@ -4645,11 +4100,11 @@
           </a:ln>
         </p:spPr>
         <p:txBody>
-          <a:bodyPr lIns="91440" rIns="91440" tIns="45720" bIns="45720" anchor="ctr">
+          <a:bodyPr lIns="0" rIns="0" tIns="0" bIns="0" anchor="ctr">
             <a:normAutofit/>
           </a:bodyPr>
           <a:p>
-            <a:pPr indent="0" algn="ctr" defTabSz="914400">
+            <a:pPr algn="ctr">
               <a:lnSpc>
                 <a:spcPct val="100000"/>
               </a:lnSpc>
@@ -4661,16 +4116,13 @@
             <a:r>
               <a:rPr b="0" lang="en-US" sz="4400" spc="-1" strike="noStrike">
                 <a:solidFill>
-                  <a:schemeClr val="dk1"/>
+                  <a:srgbClr val="000000"/>
                 </a:solidFill>
                 <a:latin typeface="Times New Roman"/>
               </a:rPr>
               <a:t>Hardware/Software Requirements </a:t>
             </a:r>
-            <a:endParaRPr b="0" lang="en-IN" sz="4400" spc="-1" strike="noStrike">
-              <a:solidFill>
-                <a:srgbClr val="000000"/>
-              </a:solidFill>
+            <a:endParaRPr b="0" lang="en-US" sz="4400" spc="-1" strike="noStrike">
               <a:latin typeface="Arial"/>
             </a:endParaRPr>
           </a:p>
@@ -4689,7 +4141,7 @@
         <p:spPr>
           <a:xfrm>
             <a:off x="360000" y="1372320"/>
-            <a:ext cx="8227080" cy="5285520"/>
+            <a:ext cx="8226000" cy="5284440"/>
           </a:xfrm>
           <a:prstGeom prst="rect">
             <a:avLst/>
@@ -4700,11 +4152,11 @@
           </a:ln>
         </p:spPr>
         <p:txBody>
-          <a:bodyPr lIns="91440" rIns="91440" tIns="45720" bIns="45720" anchor="t">
-            <a:normAutofit fontScale="91111"/>
+          <a:bodyPr lIns="0" rIns="0" tIns="0" bIns="0" anchor="t">
+            <a:normAutofit fontScale="95000"/>
           </a:bodyPr>
           <a:p>
-            <a:pPr indent="0" defTabSz="914400">
+            <a:pPr>
               <a:lnSpc>
                 <a:spcPct val="100000"/>
               </a:lnSpc>
@@ -4719,7 +4171,7 @@
             <a:r>
               <a:rPr b="1" lang="en-IN" sz="3800" spc="-1" strike="noStrike">
                 <a:solidFill>
-                  <a:schemeClr val="dk1"/>
+                  <a:srgbClr val="000000"/>
                 </a:solidFill>
                 <a:latin typeface="Times New Roman"/>
               </a:rPr>
@@ -4728,21 +4180,18 @@
             <a:r>
               <a:rPr b="1" lang="en-IN" sz="3600" spc="-1" strike="noStrike" baseline="-8000">
                 <a:solidFill>
-                  <a:schemeClr val="dk1"/>
+                  <a:srgbClr val="000000"/>
                 </a:solidFill>
                 <a:latin typeface="Times New Roman"/>
               </a:rPr>
               <a:t>Hardware Requirement</a:t>
             </a:r>
-            <a:endParaRPr b="0" lang="en-IN" sz="3600" spc="-1" strike="noStrike">
-              <a:solidFill>
-                <a:srgbClr val="000000"/>
-              </a:solidFill>
-              <a:latin typeface="Arial"/>
-            </a:endParaRPr>
-          </a:p>
-          <a:p>
-            <a:pPr indent="0" defTabSz="914400">
+            <a:endParaRPr b="0" lang="en-US" sz="3600" spc="-1" strike="noStrike">
+              <a:latin typeface="Arial"/>
+            </a:endParaRPr>
+          </a:p>
+          <a:p>
+            <a:pPr>
               <a:lnSpc>
                 <a:spcPct val="100000"/>
               </a:lnSpc>
@@ -4754,15 +4203,12 @@
                 <a:tab algn="l" pos="0"/>
               </a:tabLst>
             </a:pPr>
-            <a:endParaRPr b="0" lang="en-IN" sz="1200" spc="-1" strike="noStrike">
-              <a:solidFill>
-                <a:srgbClr val="000000"/>
-              </a:solidFill>
-              <a:latin typeface="Arial"/>
-            </a:endParaRPr>
-          </a:p>
-          <a:p>
-            <a:pPr marL="216000" indent="-216000" defTabSz="914400">
+            <a:endParaRPr b="0" lang="en-US" sz="1200" spc="-1" strike="noStrike">
+              <a:latin typeface="Arial"/>
+            </a:endParaRPr>
+          </a:p>
+          <a:p>
+            <a:pPr marL="216000" indent="-216000">
               <a:lnSpc>
                 <a:spcPct val="100000"/>
               </a:lnSpc>
@@ -4782,21 +4228,18 @@
             <a:r>
               <a:rPr b="0" lang="en-IN" sz="3800" spc="-1" strike="noStrike" baseline="33000">
                 <a:solidFill>
-                  <a:schemeClr val="dk1"/>
+                  <a:srgbClr val="000000"/>
                 </a:solidFill>
                 <a:latin typeface="Times New Roman"/>
               </a:rPr>
               <a:t>Raspberry pi 5</a:t>
             </a:r>
-            <a:endParaRPr b="0" lang="en-IN" sz="3800" spc="-1" strike="noStrike">
-              <a:solidFill>
-                <a:srgbClr val="000000"/>
-              </a:solidFill>
-              <a:latin typeface="Arial"/>
-            </a:endParaRPr>
-          </a:p>
-          <a:p>
-            <a:pPr marL="216000" indent="-216000" defTabSz="914400">
+            <a:endParaRPr b="0" lang="en-US" sz="3800" spc="-1" strike="noStrike">
+              <a:latin typeface="Arial"/>
+            </a:endParaRPr>
+          </a:p>
+          <a:p>
+            <a:pPr marL="216000" indent="-216000">
               <a:lnSpc>
                 <a:spcPct val="100000"/>
               </a:lnSpc>
@@ -4816,21 +4259,18 @@
             <a:r>
               <a:rPr b="0" lang="en-IN" sz="3800" spc="-1" strike="noStrike" baseline="33000">
                 <a:solidFill>
-                  <a:schemeClr val="dk1"/>
+                  <a:srgbClr val="000000"/>
                 </a:solidFill>
                 <a:latin typeface="Times New Roman"/>
               </a:rPr>
               <a:t>2.4GHz Half Duplex Transreciever</a:t>
             </a:r>
-            <a:endParaRPr b="0" lang="en-IN" sz="3800" spc="-1" strike="noStrike">
-              <a:solidFill>
-                <a:srgbClr val="000000"/>
-              </a:solidFill>
-              <a:latin typeface="Arial"/>
-            </a:endParaRPr>
-          </a:p>
-          <a:p>
-            <a:pPr marL="216000" indent="-216000" defTabSz="914400">
+            <a:endParaRPr b="0" lang="en-US" sz="3800" spc="-1" strike="noStrike">
+              <a:latin typeface="Arial"/>
+            </a:endParaRPr>
+          </a:p>
+          <a:p>
+            <a:pPr marL="216000" indent="-216000">
               <a:lnSpc>
                 <a:spcPct val="100000"/>
               </a:lnSpc>
@@ -4850,21 +4290,18 @@
             <a:r>
               <a:rPr b="0" lang="en-IN" sz="3800" spc="-1" strike="noStrike" baseline="33000">
                 <a:solidFill>
-                  <a:schemeClr val="dk1"/>
+                  <a:srgbClr val="000000"/>
                 </a:solidFill>
                 <a:latin typeface="Times New Roman"/>
               </a:rPr>
               <a:t>3-axis Accelerometer</a:t>
             </a:r>
-            <a:endParaRPr b="0" lang="en-IN" sz="3800" spc="-1" strike="noStrike">
-              <a:solidFill>
-                <a:srgbClr val="000000"/>
-              </a:solidFill>
-              <a:latin typeface="Arial"/>
-            </a:endParaRPr>
-          </a:p>
-          <a:p>
-            <a:pPr indent="0" defTabSz="914400">
+            <a:endParaRPr b="0" lang="en-US" sz="3800" spc="-1" strike="noStrike">
+              <a:latin typeface="Arial"/>
+            </a:endParaRPr>
+          </a:p>
+          <a:p>
+            <a:pPr>
               <a:lnSpc>
                 <a:spcPct val="100000"/>
               </a:lnSpc>
@@ -4876,15 +4313,12 @@
                 <a:tab algn="l" pos="0"/>
               </a:tabLst>
             </a:pPr>
-            <a:endParaRPr b="0" lang="en-IN" sz="3800" spc="-1" strike="noStrike">
-              <a:solidFill>
-                <a:srgbClr val="000000"/>
-              </a:solidFill>
-              <a:latin typeface="Arial"/>
-            </a:endParaRPr>
-          </a:p>
-          <a:p>
-            <a:pPr indent="0" defTabSz="914400">
+            <a:endParaRPr b="0" lang="en-US" sz="3800" spc="-1" strike="noStrike">
+              <a:latin typeface="Arial"/>
+            </a:endParaRPr>
+          </a:p>
+          <a:p>
+            <a:pPr>
               <a:lnSpc>
                 <a:spcPct val="100000"/>
               </a:lnSpc>
@@ -4899,21 +4333,18 @@
             <a:r>
               <a:rPr b="1" lang="en-IN" sz="3800" spc="-1" strike="noStrike" baseline="-8000">
                 <a:solidFill>
-                  <a:schemeClr val="dk1"/>
+                  <a:srgbClr val="000000"/>
                 </a:solidFill>
                 <a:latin typeface="Times New Roman"/>
               </a:rPr>
               <a:t>Software Requirement</a:t>
             </a:r>
-            <a:endParaRPr b="0" lang="en-IN" sz="3800" spc="-1" strike="noStrike">
-              <a:solidFill>
-                <a:srgbClr val="000000"/>
-              </a:solidFill>
-              <a:latin typeface="Arial"/>
-            </a:endParaRPr>
-          </a:p>
-          <a:p>
-            <a:pPr marL="216000" indent="-216000" defTabSz="914400">
+            <a:endParaRPr b="0" lang="en-US" sz="3800" spc="-1" strike="noStrike">
+              <a:latin typeface="Arial"/>
+            </a:endParaRPr>
+          </a:p>
+          <a:p>
+            <a:pPr marL="216000" indent="-216000">
               <a:lnSpc>
                 <a:spcPct val="100000"/>
               </a:lnSpc>
@@ -4933,21 +4364,18 @@
             <a:r>
               <a:rPr b="0" lang="en-IN" sz="3800" spc="-1" strike="noStrike" baseline="33000">
                 <a:solidFill>
-                  <a:schemeClr val="dk1"/>
+                  <a:srgbClr val="000000"/>
                 </a:solidFill>
                 <a:latin typeface="Times New Roman"/>
               </a:rPr>
               <a:t>Linux Environment (server)</a:t>
             </a:r>
-            <a:endParaRPr b="0" lang="en-IN" sz="3800" spc="-1" strike="noStrike">
-              <a:solidFill>
-                <a:srgbClr val="000000"/>
-              </a:solidFill>
-              <a:latin typeface="Arial"/>
-            </a:endParaRPr>
-          </a:p>
-          <a:p>
-            <a:pPr marL="216000" indent="-216000" defTabSz="914400">
+            <a:endParaRPr b="0" lang="en-US" sz="3800" spc="-1" strike="noStrike">
+              <a:latin typeface="Arial"/>
+            </a:endParaRPr>
+          </a:p>
+          <a:p>
+            <a:pPr marL="216000" indent="-216000">
               <a:lnSpc>
                 <a:spcPct val="100000"/>
               </a:lnSpc>
@@ -4967,21 +4395,18 @@
             <a:r>
               <a:rPr b="0" lang="en-IN" sz="3800" spc="-1" strike="noStrike" baseline="33000">
                 <a:solidFill>
-                  <a:schemeClr val="dk1"/>
+                  <a:srgbClr val="000000"/>
                 </a:solidFill>
                 <a:latin typeface="Times New Roman"/>
               </a:rPr>
               <a:t>Pytorch</a:t>
             </a:r>
-            <a:endParaRPr b="0" lang="en-IN" sz="3800" spc="-1" strike="noStrike">
-              <a:solidFill>
-                <a:srgbClr val="000000"/>
-              </a:solidFill>
-              <a:latin typeface="Arial"/>
-            </a:endParaRPr>
-          </a:p>
-          <a:p>
-            <a:pPr marL="216000" indent="-216000" defTabSz="914400">
+            <a:endParaRPr b="0" lang="en-US" sz="3800" spc="-1" strike="noStrike">
+              <a:latin typeface="Arial"/>
+            </a:endParaRPr>
+          </a:p>
+          <a:p>
+            <a:pPr marL="216000" indent="-216000">
               <a:lnSpc>
                 <a:spcPct val="100000"/>
               </a:lnSpc>
@@ -5001,21 +4426,18 @@
             <a:r>
               <a:rPr b="0" lang="en-IN" sz="3800" spc="-1" strike="noStrike" baseline="33000">
                 <a:solidFill>
-                  <a:schemeClr val="dk1"/>
+                  <a:srgbClr val="000000"/>
                 </a:solidFill>
                 <a:latin typeface="Times New Roman"/>
               </a:rPr>
               <a:t>Micropython</a:t>
             </a:r>
-            <a:endParaRPr b="0" lang="en-IN" sz="3800" spc="-1" strike="noStrike">
-              <a:solidFill>
-                <a:srgbClr val="000000"/>
-              </a:solidFill>
-              <a:latin typeface="Arial"/>
-            </a:endParaRPr>
-          </a:p>
-          <a:p>
-            <a:pPr indent="0" defTabSz="914400">
+            <a:endParaRPr b="0" lang="en-US" sz="3800" spc="-1" strike="noStrike">
+              <a:latin typeface="Arial"/>
+            </a:endParaRPr>
+          </a:p>
+          <a:p>
+            <a:pPr>
               <a:lnSpc>
                 <a:spcPct val="100000"/>
               </a:lnSpc>
@@ -5027,10 +4449,7 @@
                 <a:tab algn="l" pos="0"/>
               </a:tabLst>
             </a:pPr>
-            <a:endParaRPr b="0" lang="en-IN" sz="3800" spc="-1" strike="noStrike">
-              <a:solidFill>
-                <a:srgbClr val="000000"/>
-              </a:solidFill>
+            <a:endParaRPr b="0" lang="en-US" sz="3800" spc="-1" strike="noStrike">
               <a:latin typeface="Arial"/>
             </a:endParaRPr>
           </a:p>
@@ -5079,7 +4498,7 @@
         <p:spPr>
           <a:xfrm>
             <a:off x="457200" y="274680"/>
-            <a:ext cx="8227080" cy="1140480"/>
+            <a:ext cx="8226000" cy="1139400"/>
           </a:xfrm>
           <a:prstGeom prst="rect">
             <a:avLst/>
@@ -5090,11 +4509,11 @@
           </a:ln>
         </p:spPr>
         <p:txBody>
-          <a:bodyPr lIns="91440" rIns="91440" tIns="45720" bIns="45720" anchor="ctr">
+          <a:bodyPr lIns="0" rIns="0" tIns="0" bIns="0" anchor="ctr">
             <a:noAutofit/>
           </a:bodyPr>
           <a:p>
-            <a:pPr indent="0" algn="ctr" defTabSz="914400">
+            <a:pPr algn="ctr">
               <a:lnSpc>
                 <a:spcPct val="100000"/>
               </a:lnSpc>
@@ -5106,16 +4525,13 @@
             <a:r>
               <a:rPr b="0" lang="en-US" sz="4400" spc="-1" strike="noStrike">
                 <a:solidFill>
-                  <a:schemeClr val="dk1"/>
+                  <a:srgbClr val="000000"/>
                 </a:solidFill>
                 <a:latin typeface="Times New Roman"/>
               </a:rPr>
               <a:t>References</a:t>
             </a:r>
-            <a:endParaRPr b="0" lang="en-IN" sz="4400" spc="-1" strike="noStrike">
-              <a:solidFill>
-                <a:srgbClr val="000000"/>
-              </a:solidFill>
+            <a:endParaRPr b="0" lang="en-US" sz="4400" spc="-1" strike="noStrike">
               <a:latin typeface="Arial"/>
             </a:endParaRPr>
           </a:p>
@@ -5134,7 +4550,7 @@
         <p:spPr>
           <a:xfrm>
             <a:off x="457200" y="1600200"/>
-            <a:ext cx="8227080" cy="4523400"/>
+            <a:ext cx="8226000" cy="4522320"/>
           </a:xfrm>
           <a:prstGeom prst="rect">
             <a:avLst/>
@@ -5145,11 +4561,11 @@
           </a:ln>
         </p:spPr>
         <p:txBody>
-          <a:bodyPr lIns="91440" rIns="91440" tIns="45720" bIns="45720" anchor="t">
+          <a:bodyPr lIns="0" rIns="0" tIns="0" bIns="0" anchor="t">
             <a:noAutofit/>
           </a:bodyPr>
           <a:p>
-            <a:pPr marL="343080" indent="0" defTabSz="914400">
+            <a:pPr marL="343080">
               <a:lnSpc>
                 <a:spcPct val="100000"/>
               </a:lnSpc>
@@ -5161,15 +4577,120 @@
                 <a:tab algn="l" pos="0"/>
               </a:tabLst>
             </a:pPr>
-            <a:endParaRPr b="0" lang="en-IN" sz="3200" spc="-1" strike="noStrike">
-              <a:solidFill>
-                <a:srgbClr val="000000"/>
-              </a:solidFill>
-              <a:latin typeface="Arial"/>
-            </a:endParaRPr>
-          </a:p>
-          <a:p>
-            <a:pPr marL="343080" indent="-343080" defTabSz="914400">
+            <a:endParaRPr b="0" lang="en-US" sz="2100" spc="-1" strike="noStrike">
+              <a:latin typeface="Arial"/>
+            </a:endParaRPr>
+          </a:p>
+          <a:p>
+            <a:pPr marL="343080">
+              <a:lnSpc>
+                <a:spcPct val="100000"/>
+              </a:lnSpc>
+              <a:spcBef>
+                <a:spcPts val="641"/>
+              </a:spcBef>
+              <a:buNone/>
+              <a:tabLst>
+                <a:tab algn="l" pos="0"/>
+              </a:tabLst>
+            </a:pPr>
+            <a:r>
+              <a:rPr b="0" lang="en-US" sz="2100" spc="-1" strike="noStrike" u="sng">
+                <a:solidFill>
+                  <a:srgbClr val="0000ff"/>
+                </a:solidFill>
+                <a:uFillTx/>
+                <a:latin typeface="Calibri"/>
+              </a:rPr>
+              <a:t>Earthquake Prediction Using QSVM</a:t>
+            </a:r>
+            <a:endParaRPr b="0" lang="en-US" sz="2100" spc="-1" strike="noStrike">
+              <a:latin typeface="Arial"/>
+            </a:endParaRPr>
+          </a:p>
+          <a:p>
+            <a:pPr marL="343080">
+              <a:lnSpc>
+                <a:spcPct val="100000"/>
+              </a:lnSpc>
+              <a:spcBef>
+                <a:spcPts val="641"/>
+              </a:spcBef>
+              <a:buNone/>
+              <a:tabLst>
+                <a:tab algn="l" pos="0"/>
+              </a:tabLst>
+            </a:pPr>
+            <a:r>
+              <a:rPr b="0" lang="en-US" sz="1300" spc="-1" strike="noStrike" u="sng">
+                <a:solidFill>
+                  <a:srgbClr val="0000ff"/>
+                </a:solidFill>
+                <a:uFillTx/>
+                <a:latin typeface="Calibri"/>
+              </a:rPr>
+              <a:t>Aditya Katole;Vishakha Batheja;Atharv Deshmukh;Falguni Dekate;Ashish Soni</a:t>
+            </a:r>
+            <a:endParaRPr b="0" lang="en-US" sz="1300" spc="-1" strike="noStrike">
+              <a:latin typeface="Arial"/>
+            </a:endParaRPr>
+          </a:p>
+          <a:p>
+            <a:pPr marL="343080">
+              <a:lnSpc>
+                <a:spcPct val="100000"/>
+              </a:lnSpc>
+              <a:spcBef>
+                <a:spcPts val="641"/>
+              </a:spcBef>
+              <a:buNone/>
+              <a:tabLst>
+                <a:tab algn="l" pos="0"/>
+              </a:tabLst>
+            </a:pPr>
+            <a:r>
+              <a:rPr b="0" lang="en-US" sz="1300" spc="-1" strike="noStrike" u="sng">
+                <a:solidFill>
+                  <a:srgbClr val="0000ff"/>
+                </a:solidFill>
+                <a:uFillTx/>
+                <a:latin typeface="Calibri"/>
+              </a:rPr>
+              <a:t>2024 IEEE International Students' Conference on Electrical, Electronics and Computer Science (SCEECS)</a:t>
+            </a:r>
+            <a:endParaRPr b="0" lang="en-US" sz="1300" spc="-1" strike="noStrike">
+              <a:latin typeface="Arial"/>
+            </a:endParaRPr>
+          </a:p>
+          <a:p>
+            <a:pPr marL="343080">
+              <a:lnSpc>
+                <a:spcPct val="100000"/>
+              </a:lnSpc>
+              <a:spcBef>
+                <a:spcPts val="641"/>
+              </a:spcBef>
+              <a:buNone/>
+              <a:tabLst>
+                <a:tab algn="l" pos="0"/>
+              </a:tabLst>
+            </a:pPr>
+            <a:r>
+              <a:rPr b="0" lang="en-US" sz="2100" spc="-1" strike="noStrike" u="sng">
+                <a:solidFill>
+                  <a:srgbClr val="0000ff"/>
+                </a:solidFill>
+                <a:uFillTx/>
+                <a:latin typeface="Calibri"/>
+              </a:rPr>
+              <a:t>Earthquake Detection Using Stacked Normalized Recurrent Neural Network (SNRNN)  Appl. Sci. 2023, 13(14), 8121; https://doi.org/10.3390/app13148121 </a:t>
+            </a:r>
+            <a:endParaRPr b="0" lang="en-US" sz="2100" spc="-1" strike="noStrike">
+              <a:latin typeface="Arial"/>
+            </a:endParaRPr>
+          </a:p>
+          <a:p>
+            <a:pPr marL="343080" indent="-343080">
               <a:lnSpc>
                 <a:spcPct val="100000"/>
               </a:lnSpc>
@@ -5188,7 +4709,7 @@
             <a:r>
               <a:rPr b="0" lang="en-US" sz="2100" spc="-1" strike="noStrike" u="sng">
                 <a:solidFill>
-                  <a:schemeClr val="dk1"/>
+                  <a:srgbClr val="0000ff"/>
                 </a:solidFill>
                 <a:uFillTx/>
                 <a:latin typeface="Calibri"/>
@@ -5196,15 +4717,12 @@
               </a:rPr>
               <a:t>https://www.mdpi.com/2076-3417/13/14/8121</a:t>
             </a:r>
-            <a:endParaRPr b="0" lang="en-IN" sz="2100" spc="-1" strike="noStrike">
-              <a:solidFill>
-                <a:srgbClr val="000000"/>
-              </a:solidFill>
-              <a:latin typeface="Arial"/>
-            </a:endParaRPr>
-          </a:p>
-          <a:p>
-            <a:pPr marL="343080" indent="-343080" defTabSz="914400">
+            <a:endParaRPr b="0" lang="en-US" sz="2100" spc="-1" strike="noStrike">
+              <a:latin typeface="Arial"/>
+            </a:endParaRPr>
+          </a:p>
+          <a:p>
+            <a:pPr marL="343080" indent="-343080">
               <a:lnSpc>
                 <a:spcPct val="100000"/>
               </a:lnSpc>
@@ -5223,16 +4741,13 @@
             <a:r>
               <a:rPr b="0" lang="en-US" sz="2100" spc="-1" strike="noStrike">
                 <a:solidFill>
-                  <a:schemeClr val="dk1"/>
+                  <a:srgbClr val="000000"/>
                 </a:solidFill>
                 <a:latin typeface="Calibri"/>
               </a:rPr>
               <a:t>https://ieeexplore.ieee.org/abstract/document/8481708</a:t>
             </a:r>
-            <a:endParaRPr b="0" lang="en-IN" sz="2100" spc="-1" strike="noStrike">
-              <a:solidFill>
-                <a:srgbClr val="000000"/>
-              </a:solidFill>
+            <a:endParaRPr b="0" lang="en-US" sz="2100" spc="-1" strike="noStrike">
               <a:latin typeface="Arial"/>
             </a:endParaRPr>
           </a:p>
@@ -5281,7 +4796,7 @@
         <p:spPr>
           <a:xfrm>
             <a:off x="673200" y="1310760"/>
-            <a:ext cx="7928640" cy="2740680"/>
+            <a:ext cx="7927560" cy="2739600"/>
           </a:xfrm>
           <a:prstGeom prst="rect">
             <a:avLst/>
@@ -5292,11 +4807,11 @@
           </a:ln>
         </p:spPr>
         <p:txBody>
-          <a:bodyPr lIns="91440" rIns="91440" tIns="45720" bIns="45720" anchor="ctr">
+          <a:bodyPr lIns="0" rIns="0" tIns="0" bIns="0" anchor="ctr">
             <a:noAutofit/>
           </a:bodyPr>
           <a:p>
-            <a:pPr indent="0" algn="ctr" defTabSz="914400">
+            <a:pPr algn="ctr">
               <a:lnSpc>
                 <a:spcPct val="100000"/>
               </a:lnSpc>
@@ -5320,10 +4835,7 @@
             <a:br>
               <a:rPr sz="2400"/>
             </a:br>
-            <a:endParaRPr b="0" lang="en-IN" sz="2400" spc="-1" strike="noStrike">
-              <a:solidFill>
-                <a:srgbClr val="000000"/>
-              </a:solidFill>
+            <a:endParaRPr b="0" lang="en-US" sz="2400" spc="-1" strike="noStrike">
               <a:latin typeface="Arial"/>
             </a:endParaRPr>
           </a:p>
@@ -5342,7 +4854,7 @@
         <p:spPr>
           <a:xfrm>
             <a:off x="357120" y="3857760"/>
-            <a:ext cx="5041080" cy="2610360"/>
+            <a:ext cx="5040000" cy="2609280"/>
           </a:xfrm>
           <a:prstGeom prst="rect">
             <a:avLst/>
@@ -5353,11 +4865,11 @@
           </a:ln>
         </p:spPr>
         <p:txBody>
-          <a:bodyPr lIns="91440" rIns="91440" tIns="45720" bIns="45720" anchor="t">
+          <a:bodyPr lIns="0" rIns="0" tIns="0" bIns="0" anchor="t">
             <a:normAutofit/>
           </a:bodyPr>
           <a:p>
-            <a:pPr indent="0" defTabSz="914400">
+            <a:pPr>
               <a:lnSpc>
                 <a:spcPct val="100000"/>
               </a:lnSpc>
@@ -5372,21 +4884,18 @@
             <a:r>
               <a:rPr b="1" lang="en-US" sz="2000" spc="-1" strike="noStrike">
                 <a:solidFill>
-                  <a:schemeClr val="dk1"/>
+                  <a:srgbClr val="000000"/>
                 </a:solidFill>
                 <a:latin typeface="Times New Roman"/>
               </a:rPr>
               <a:t>Batch Members :</a:t>
             </a:r>
-            <a:endParaRPr b="0" lang="en-IN" sz="2000" spc="-1" strike="noStrike">
-              <a:solidFill>
-                <a:srgbClr val="000000"/>
-              </a:solidFill>
-              <a:latin typeface="Arial"/>
-            </a:endParaRPr>
-          </a:p>
-          <a:p>
-            <a:pPr indent="0" defTabSz="914400">
+            <a:endParaRPr b="0" lang="en-US" sz="2000" spc="-1" strike="noStrike">
+              <a:latin typeface="Arial"/>
+            </a:endParaRPr>
+          </a:p>
+          <a:p>
+            <a:pPr>
               <a:lnSpc>
                 <a:spcPct val="100000"/>
               </a:lnSpc>
@@ -5398,15 +4907,12 @@
                 <a:tab algn="l" pos="0"/>
               </a:tabLst>
             </a:pPr>
-            <a:endParaRPr b="0" lang="en-IN" sz="2000" spc="-1" strike="noStrike">
-              <a:solidFill>
-                <a:srgbClr val="000000"/>
-              </a:solidFill>
-              <a:latin typeface="Arial"/>
-            </a:endParaRPr>
-          </a:p>
-          <a:p>
-            <a:pPr indent="0" defTabSz="914400">
+            <a:endParaRPr b="0" lang="en-US" sz="2000" spc="-1" strike="noStrike">
+              <a:latin typeface="Arial"/>
+            </a:endParaRPr>
+          </a:p>
+          <a:p>
+            <a:pPr>
               <a:lnSpc>
                 <a:spcPct val="100000"/>
               </a:lnSpc>
@@ -5421,7 +4927,7 @@
             <a:r>
               <a:rPr b="1" lang="en-US" sz="2000" spc="-1" strike="noStrike">
                 <a:solidFill>
-                  <a:schemeClr val="dk1"/>
+                  <a:srgbClr val="000000"/>
                 </a:solidFill>
                 <a:latin typeface="Times New Roman"/>
               </a:rPr>
@@ -5430,7 +4936,7 @@
             <a:r>
               <a:rPr b="1" lang="en-US" sz="2000" spc="-1" strike="noStrike">
                 <a:solidFill>
-                  <a:schemeClr val="dk1"/>
+                  <a:srgbClr val="000000"/>
                 </a:solidFill>
                 <a:latin typeface="Times New Roman"/>
               </a:rPr>
@@ -5439,7 +4945,7 @@
             <a:r>
               <a:rPr b="1" lang="en-US" sz="2000" spc="-1" strike="noStrike">
                 <a:solidFill>
-                  <a:schemeClr val="dk1"/>
+                  <a:srgbClr val="000000"/>
                 </a:solidFill>
                 <a:latin typeface="Times New Roman"/>
               </a:rPr>
@@ -5448,21 +4954,18 @@
             <a:r>
               <a:rPr b="1" lang="en-US" sz="2000" spc="-1" strike="noStrike">
                 <a:solidFill>
-                  <a:schemeClr val="dk1"/>
+                  <a:srgbClr val="000000"/>
                 </a:solidFill>
                 <a:latin typeface="Times New Roman"/>
               </a:rPr>
               <a:t>210801159</a:t>
             </a:r>
-            <a:endParaRPr b="0" lang="en-IN" sz="2000" spc="-1" strike="noStrike">
-              <a:solidFill>
-                <a:srgbClr val="000000"/>
-              </a:solidFill>
-              <a:latin typeface="Arial"/>
-            </a:endParaRPr>
-          </a:p>
-          <a:p>
-            <a:pPr indent="0" defTabSz="914400">
+            <a:endParaRPr b="0" lang="en-US" sz="2000" spc="-1" strike="noStrike">
+              <a:latin typeface="Arial"/>
+            </a:endParaRPr>
+          </a:p>
+          <a:p>
+            <a:pPr>
               <a:lnSpc>
                 <a:spcPct val="100000"/>
               </a:lnSpc>
@@ -5477,7 +4980,7 @@
             <a:r>
               <a:rPr b="1" lang="en-US" sz="2000" spc="-1" strike="noStrike">
                 <a:solidFill>
-                  <a:schemeClr val="dk1"/>
+                  <a:srgbClr val="000000"/>
                 </a:solidFill>
                 <a:latin typeface="Times New Roman"/>
               </a:rPr>
@@ -5486,7 +4989,7 @@
             <a:r>
               <a:rPr b="1" lang="en-US" sz="2000" spc="-1" strike="noStrike">
                 <a:solidFill>
-                  <a:schemeClr val="dk1"/>
+                  <a:srgbClr val="000000"/>
                 </a:solidFill>
                 <a:latin typeface="Times New Roman"/>
               </a:rPr>
@@ -5495,21 +4998,18 @@
             <a:r>
               <a:rPr b="1" lang="en-US" sz="2000" spc="-1" strike="noStrike">
                 <a:solidFill>
-                  <a:schemeClr val="dk1"/>
+                  <a:srgbClr val="000000"/>
                 </a:solidFill>
                 <a:latin typeface="Times New Roman"/>
               </a:rPr>
               <a:t>210801127</a:t>
             </a:r>
-            <a:endParaRPr b="0" lang="en-IN" sz="2000" spc="-1" strike="noStrike">
-              <a:solidFill>
-                <a:srgbClr val="000000"/>
-              </a:solidFill>
-              <a:latin typeface="Arial"/>
-            </a:endParaRPr>
-          </a:p>
-          <a:p>
-            <a:pPr indent="0" defTabSz="914400">
+            <a:endParaRPr b="0" lang="en-US" sz="2000" spc="-1" strike="noStrike">
+              <a:latin typeface="Arial"/>
+            </a:endParaRPr>
+          </a:p>
+          <a:p>
+            <a:pPr>
               <a:lnSpc>
                 <a:spcPct val="100000"/>
               </a:lnSpc>
@@ -5524,7 +5024,7 @@
             <a:r>
               <a:rPr b="1" lang="en-US" sz="2000" spc="-1" strike="noStrike">
                 <a:solidFill>
-                  <a:schemeClr val="dk1"/>
+                  <a:srgbClr val="000000"/>
                 </a:solidFill>
                 <a:latin typeface="Times New Roman"/>
               </a:rPr>
@@ -5533,7 +5033,7 @@
             <a:r>
               <a:rPr b="1" lang="en-US" sz="2000" spc="-1" strike="noStrike">
                 <a:solidFill>
-                  <a:schemeClr val="dk1"/>
+                  <a:srgbClr val="000000"/>
                 </a:solidFill>
                 <a:latin typeface="Times New Roman"/>
               </a:rPr>
@@ -5542,7 +5042,7 @@
             <a:r>
               <a:rPr b="1" lang="en-US" sz="2000" spc="-1" strike="noStrike">
                 <a:solidFill>
-                  <a:schemeClr val="dk1"/>
+                  <a:srgbClr val="000000"/>
                 </a:solidFill>
                 <a:latin typeface="Times New Roman"/>
               </a:rPr>
@@ -5551,7 +5051,7 @@
             <a:r>
               <a:rPr b="1" lang="en-US" sz="2000" spc="-1" strike="noStrike">
                 <a:solidFill>
-                  <a:schemeClr val="dk1"/>
+                  <a:srgbClr val="000000"/>
                 </a:solidFill>
                 <a:latin typeface="Times New Roman"/>
               </a:rPr>
@@ -5560,21 +5060,18 @@
             <a:r>
               <a:rPr b="1" lang="en-US" sz="2000" spc="-1" strike="noStrike">
                 <a:solidFill>
-                  <a:schemeClr val="dk1"/>
+                  <a:srgbClr val="000000"/>
                 </a:solidFill>
                 <a:latin typeface="Times New Roman"/>
               </a:rPr>
               <a:t>210801701</a:t>
             </a:r>
-            <a:endParaRPr b="0" lang="en-IN" sz="2000" spc="-1" strike="noStrike">
-              <a:solidFill>
-                <a:srgbClr val="000000"/>
-              </a:solidFill>
-              <a:latin typeface="Arial"/>
-            </a:endParaRPr>
-          </a:p>
-          <a:p>
-            <a:pPr indent="0" defTabSz="914400">
+            <a:endParaRPr b="0" lang="en-US" sz="2000" spc="-1" strike="noStrike">
+              <a:latin typeface="Arial"/>
+            </a:endParaRPr>
+          </a:p>
+          <a:p>
+            <a:pPr>
               <a:lnSpc>
                 <a:spcPct val="100000"/>
               </a:lnSpc>
@@ -5586,10 +5083,7 @@
                 <a:tab algn="l" pos="0"/>
               </a:tabLst>
             </a:pPr>
-            <a:endParaRPr b="0" lang="en-IN" sz="1800" spc="-1" strike="noStrike">
-              <a:solidFill>
-                <a:srgbClr val="000000"/>
-              </a:solidFill>
+            <a:endParaRPr b="0" lang="en-US" sz="1800" spc="-1" strike="noStrike">
               <a:latin typeface="Arial"/>
             </a:endParaRPr>
           </a:p>
@@ -5604,7 +5098,7 @@
         <p:spPr>
           <a:xfrm>
             <a:off x="5652000" y="4005000"/>
-            <a:ext cx="2949840" cy="2132280"/>
+            <a:ext cx="2948760" cy="2315160"/>
           </a:xfrm>
           <a:prstGeom prst="rect">
             <a:avLst/>
@@ -5625,120 +5119,109 @@
             <a:spAutoFit/>
           </a:bodyPr>
           <a:p>
-            <a:pPr defTabSz="914400">
+            <a:pPr>
               <a:lnSpc>
                 <a:spcPct val="100000"/>
               </a:lnSpc>
+              <a:buNone/>
             </a:pPr>
             <a:r>
               <a:rPr b="1" lang="en-US" sz="2000" spc="-1" strike="noStrike">
                 <a:solidFill>
-                  <a:schemeClr val="dk1"/>
+                  <a:srgbClr val="000000"/>
                 </a:solidFill>
                 <a:latin typeface="Times New Roman"/>
+                <a:ea typeface="DejaVu Sans"/>
               </a:rPr>
               <a:t>Supervisor:</a:t>
             </a:r>
-            <a:endParaRPr b="0" lang="en-IN" sz="2000" spc="-1" strike="noStrike">
-              <a:solidFill>
-                <a:srgbClr val="000000"/>
-              </a:solidFill>
-              <a:latin typeface="Arial"/>
-            </a:endParaRPr>
-          </a:p>
-          <a:p>
-            <a:pPr defTabSz="914400">
+            <a:endParaRPr b="0" lang="en-US" sz="2000" spc="-1" strike="noStrike">
+              <a:latin typeface="Arial"/>
+            </a:endParaRPr>
+          </a:p>
+          <a:p>
+            <a:pPr>
               <a:lnSpc>
                 <a:spcPct val="100000"/>
               </a:lnSpc>
-            </a:pPr>
-            <a:endParaRPr b="0" lang="en-IN" sz="2000" spc="-1" strike="noStrike">
-              <a:solidFill>
-                <a:srgbClr val="000000"/>
-              </a:solidFill>
-              <a:latin typeface="Arial"/>
-            </a:endParaRPr>
-          </a:p>
-          <a:p>
-            <a:pPr defTabSz="914400">
+              <a:buNone/>
+            </a:pPr>
+            <a:endParaRPr b="0" lang="en-US" sz="2000" spc="-1" strike="noStrike">
+              <a:latin typeface="Arial"/>
+            </a:endParaRPr>
+          </a:p>
+          <a:p>
+            <a:pPr>
               <a:lnSpc>
                 <a:spcPct val="100000"/>
               </a:lnSpc>
+              <a:buNone/>
             </a:pPr>
             <a:r>
               <a:rPr b="1" lang="en-US" sz="2000" spc="-1" strike="noStrike">
                 <a:solidFill>
-                  <a:schemeClr val="dk1"/>
+                  <a:srgbClr val="000000"/>
                 </a:solidFill>
                 <a:latin typeface="Times New Roman"/>
+                <a:ea typeface="DejaVu Sans"/>
               </a:rPr>
               <a:t>Dr. M. Sathish</a:t>
             </a:r>
-            <a:endParaRPr b="0" lang="en-IN" sz="2000" spc="-1" strike="noStrike">
-              <a:solidFill>
-                <a:srgbClr val="000000"/>
-              </a:solidFill>
-              <a:latin typeface="Arial"/>
-            </a:endParaRPr>
-          </a:p>
-          <a:p>
-            <a:pPr defTabSz="914400">
+            <a:endParaRPr b="0" lang="en-US" sz="2000" spc="-1" strike="noStrike">
+              <a:latin typeface="Arial"/>
+            </a:endParaRPr>
+          </a:p>
+          <a:p>
+            <a:pPr>
               <a:lnSpc>
                 <a:spcPct val="100000"/>
               </a:lnSpc>
-            </a:pPr>
-            <a:r>
-              <a:rPr b="1" lang="en-US" sz="2000" spc="-1" strike="noStrike" baseline="33000">
-                <a:solidFill>
-                  <a:schemeClr val="dk1"/>
+              <a:buNone/>
+            </a:pPr>
+            <a:r>
+              <a:rPr b="1" lang="en-US" sz="3200" spc="-1" strike="noStrike" baseline="33000">
+                <a:solidFill>
+                  <a:srgbClr val="000000"/>
                 </a:solidFill>
                 <a:latin typeface="Times New Roman"/>
-              </a:rPr>
-              <a:t>Associate Professor, ECE</a:t>
-            </a:r>
-            <a:endParaRPr b="0" lang="en-IN" sz="2000" spc="-1" strike="noStrike">
-              <a:solidFill>
-                <a:srgbClr val="000000"/>
-              </a:solidFill>
-              <a:latin typeface="Arial"/>
-            </a:endParaRPr>
-          </a:p>
-          <a:p>
-            <a:pPr defTabSz="914400">
+                <a:ea typeface="DejaVu Sans"/>
+              </a:rPr>
+              <a:t>Professor, ECE</a:t>
+            </a:r>
+            <a:endParaRPr b="0" lang="en-US" sz="3200" spc="-1" strike="noStrike">
+              <a:latin typeface="Arial"/>
+            </a:endParaRPr>
+          </a:p>
+          <a:p>
+            <a:pPr>
               <a:lnSpc>
                 <a:spcPct val="100000"/>
               </a:lnSpc>
-            </a:pPr>
-            <a:endParaRPr b="0" lang="en-IN" sz="1800" spc="-1" strike="noStrike">
-              <a:solidFill>
-                <a:srgbClr val="000000"/>
-              </a:solidFill>
-              <a:latin typeface="Arial"/>
-            </a:endParaRPr>
-          </a:p>
-          <a:p>
-            <a:pPr defTabSz="914400">
+              <a:buNone/>
+            </a:pPr>
+            <a:endParaRPr b="0" lang="en-US" sz="1800" spc="-1" strike="noStrike">
+              <a:latin typeface="Arial"/>
+            </a:endParaRPr>
+          </a:p>
+          <a:p>
+            <a:pPr>
               <a:lnSpc>
                 <a:spcPct val="100000"/>
               </a:lnSpc>
-            </a:pPr>
-            <a:endParaRPr b="0" lang="en-IN" sz="1800" spc="-1" strike="noStrike">
-              <a:solidFill>
-                <a:srgbClr val="000000"/>
-              </a:solidFill>
-              <a:latin typeface="Arial"/>
-            </a:endParaRPr>
-          </a:p>
-          <a:p>
-            <a:pPr algn="r" defTabSz="914400">
+              <a:buNone/>
+            </a:pPr>
+            <a:endParaRPr b="0" lang="en-US" sz="1800" spc="-1" strike="noStrike">
+              <a:latin typeface="Arial"/>
+            </a:endParaRPr>
+          </a:p>
+          <a:p>
+            <a:pPr algn="r">
               <a:lnSpc>
                 <a:spcPct val="100000"/>
               </a:lnSpc>
-            </a:pPr>
-            <a:endParaRPr b="0" lang="en-IN" sz="1800" spc="-1" strike="noStrike">
-              <a:solidFill>
-                <a:srgbClr val="000000"/>
-              </a:solidFill>
+              <a:buNone/>
+            </a:pPr>
+            <a:endParaRPr b="0" lang="en-US" sz="1800" spc="-1" strike="noStrike">
               <a:latin typeface="Arial"/>
             </a:endParaRPr>
           </a:p>
@@ -5757,7 +5240,7 @@
         <p:spPr>
           <a:xfrm>
             <a:off x="0" y="0"/>
-            <a:ext cx="4069440" cy="1312560"/>
+            <a:ext cx="4068360" cy="1311480"/>
           </a:xfrm>
           <a:prstGeom prst="rect">
             <a:avLst/>
@@ -5810,7 +5293,7 @@
         <p:spPr>
           <a:xfrm>
             <a:off x="457200" y="274680"/>
-            <a:ext cx="8227080" cy="1140480"/>
+            <a:ext cx="8226000" cy="1139400"/>
           </a:xfrm>
           <a:prstGeom prst="rect">
             <a:avLst/>
@@ -5821,11 +5304,11 @@
           </a:ln>
         </p:spPr>
         <p:txBody>
-          <a:bodyPr lIns="91440" rIns="91440" tIns="45720" bIns="45720" anchor="ctr">
+          <a:bodyPr lIns="0" rIns="0" tIns="0" bIns="0" anchor="ctr">
             <a:noAutofit/>
           </a:bodyPr>
           <a:p>
-            <a:pPr indent="0" algn="ctr" defTabSz="914400">
+            <a:pPr algn="ctr">
               <a:lnSpc>
                 <a:spcPct val="100000"/>
               </a:lnSpc>
@@ -5837,16 +5320,13 @@
             <a:r>
               <a:rPr b="0" lang="en-US" sz="4400" spc="-1" strike="noStrike">
                 <a:solidFill>
-                  <a:schemeClr val="dk1"/>
+                  <a:srgbClr val="000000"/>
                 </a:solidFill>
                 <a:latin typeface="Times New Roman"/>
               </a:rPr>
               <a:t>OUTLINE</a:t>
             </a:r>
-            <a:endParaRPr b="0" lang="en-IN" sz="4400" spc="-1" strike="noStrike">
-              <a:solidFill>
-                <a:srgbClr val="000000"/>
-              </a:solidFill>
+            <a:endParaRPr b="0" lang="en-US" sz="4400" spc="-1" strike="noStrike">
               <a:latin typeface="Arial"/>
             </a:endParaRPr>
           </a:p>
@@ -5865,7 +5345,7 @@
         <p:spPr>
           <a:xfrm>
             <a:off x="457200" y="1600200"/>
-            <a:ext cx="8227080" cy="4523400"/>
+            <a:ext cx="8226000" cy="4522320"/>
           </a:xfrm>
           <a:prstGeom prst="rect">
             <a:avLst/>
@@ -5876,11 +5356,11 @@
           </a:ln>
         </p:spPr>
         <p:txBody>
-          <a:bodyPr lIns="91440" rIns="91440" tIns="45720" bIns="45720" anchor="t">
-            <a:normAutofit fontScale="48333"/>
+          <a:bodyPr lIns="0" rIns="0" tIns="0" bIns="0" anchor="t">
+            <a:normAutofit fontScale="55000"/>
           </a:bodyPr>
           <a:p>
-            <a:pPr marL="343080" indent="-343080" defTabSz="914400">
+            <a:pPr marL="343080" indent="-343080">
               <a:lnSpc>
                 <a:spcPct val="150000"/>
               </a:lnSpc>
@@ -5896,21 +5376,18 @@
             <a:r>
               <a:rPr b="0" lang="en-IN" sz="4100" spc="-1" strike="noStrike">
                 <a:solidFill>
-                  <a:schemeClr val="dk1"/>
+                  <a:srgbClr val="000000"/>
                 </a:solidFill>
                 <a:latin typeface="Times New Roman"/>
               </a:rPr>
               <a:t>Abstract</a:t>
             </a:r>
-            <a:endParaRPr b="0" lang="en-IN" sz="4100" spc="-1" strike="noStrike">
-              <a:solidFill>
-                <a:srgbClr val="000000"/>
-              </a:solidFill>
-              <a:latin typeface="Arial"/>
-            </a:endParaRPr>
-          </a:p>
-          <a:p>
-            <a:pPr marL="343080" indent="-343080" defTabSz="914400">
+            <a:endParaRPr b="0" lang="en-US" sz="4100" spc="-1" strike="noStrike">
+              <a:latin typeface="Arial"/>
+            </a:endParaRPr>
+          </a:p>
+          <a:p>
+            <a:pPr marL="343080" indent="-343080">
               <a:lnSpc>
                 <a:spcPct val="150000"/>
               </a:lnSpc>
@@ -5926,21 +5403,18 @@
             <a:r>
               <a:rPr b="0" lang="en-IN" sz="4100" spc="-1" strike="noStrike">
                 <a:solidFill>
-                  <a:schemeClr val="dk1"/>
+                  <a:srgbClr val="000000"/>
                 </a:solidFill>
                 <a:latin typeface="Times New Roman"/>
               </a:rPr>
               <a:t>Objective</a:t>
             </a:r>
-            <a:endParaRPr b="0" lang="en-IN" sz="4100" spc="-1" strike="noStrike">
-              <a:solidFill>
-                <a:srgbClr val="000000"/>
-              </a:solidFill>
-              <a:latin typeface="Arial"/>
-            </a:endParaRPr>
-          </a:p>
-          <a:p>
-            <a:pPr marL="343080" indent="-343080" defTabSz="914400">
+            <a:endParaRPr b="0" lang="en-US" sz="4100" spc="-1" strike="noStrike">
+              <a:latin typeface="Arial"/>
+            </a:endParaRPr>
+          </a:p>
+          <a:p>
+            <a:pPr marL="343080" indent="-343080">
               <a:lnSpc>
                 <a:spcPct val="150000"/>
               </a:lnSpc>
@@ -5956,21 +5430,18 @@
             <a:r>
               <a:rPr b="0" lang="en-IN" sz="4100" spc="-1" strike="noStrike">
                 <a:solidFill>
-                  <a:schemeClr val="dk1"/>
+                  <a:srgbClr val="000000"/>
                 </a:solidFill>
                 <a:latin typeface="Times New Roman"/>
               </a:rPr>
               <a:t>Literature Survey</a:t>
             </a:r>
-            <a:endParaRPr b="0" lang="en-IN" sz="4100" spc="-1" strike="noStrike">
-              <a:solidFill>
-                <a:srgbClr val="000000"/>
-              </a:solidFill>
-              <a:latin typeface="Arial"/>
-            </a:endParaRPr>
-          </a:p>
-          <a:p>
-            <a:pPr marL="343080" indent="-343080" defTabSz="914400">
+            <a:endParaRPr b="0" lang="en-US" sz="4100" spc="-1" strike="noStrike">
+              <a:latin typeface="Arial"/>
+            </a:endParaRPr>
+          </a:p>
+          <a:p>
+            <a:pPr marL="343080" indent="-343080">
               <a:lnSpc>
                 <a:spcPct val="150000"/>
               </a:lnSpc>
@@ -5986,21 +5457,18 @@
             <a:r>
               <a:rPr b="0" lang="en-US" sz="4100" spc="-1" strike="noStrike">
                 <a:solidFill>
-                  <a:schemeClr val="dk1"/>
+                  <a:srgbClr val="000000"/>
                 </a:solidFill>
                 <a:latin typeface="Times New Roman"/>
               </a:rPr>
               <a:t>Summary of Literature</a:t>
             </a:r>
-            <a:endParaRPr b="0" lang="en-IN" sz="4100" spc="-1" strike="noStrike">
-              <a:solidFill>
-                <a:srgbClr val="000000"/>
-              </a:solidFill>
-              <a:latin typeface="Arial"/>
-            </a:endParaRPr>
-          </a:p>
-          <a:p>
-            <a:pPr marL="343080" indent="-343080" defTabSz="914400">
+            <a:endParaRPr b="0" lang="en-US" sz="4100" spc="-1" strike="noStrike">
+              <a:latin typeface="Arial"/>
+            </a:endParaRPr>
+          </a:p>
+          <a:p>
+            <a:pPr marL="343080" indent="-343080">
               <a:lnSpc>
                 <a:spcPct val="150000"/>
               </a:lnSpc>
@@ -6016,21 +5484,18 @@
             <a:r>
               <a:rPr b="0" lang="en-IN" sz="4100" spc="-1" strike="noStrike">
                 <a:solidFill>
-                  <a:schemeClr val="dk1"/>
+                  <a:srgbClr val="000000"/>
                 </a:solidFill>
                 <a:latin typeface="Times New Roman"/>
               </a:rPr>
               <a:t>Proposed System &amp; Novelty</a:t>
             </a:r>
-            <a:endParaRPr b="0" lang="en-IN" sz="4100" spc="-1" strike="noStrike">
-              <a:solidFill>
-                <a:srgbClr val="000000"/>
-              </a:solidFill>
-              <a:latin typeface="Arial"/>
-            </a:endParaRPr>
-          </a:p>
-          <a:p>
-            <a:pPr marL="343080" indent="-343080" defTabSz="914400">
+            <a:endParaRPr b="0" lang="en-US" sz="4100" spc="-1" strike="noStrike">
+              <a:latin typeface="Arial"/>
+            </a:endParaRPr>
+          </a:p>
+          <a:p>
+            <a:pPr marL="343080" indent="-343080">
               <a:lnSpc>
                 <a:spcPct val="150000"/>
               </a:lnSpc>
@@ -6046,21 +5511,18 @@
             <a:r>
               <a:rPr b="0" lang="en-IN" sz="4100" spc="-1" strike="noStrike">
                 <a:solidFill>
-                  <a:schemeClr val="dk1"/>
+                  <a:srgbClr val="000000"/>
                 </a:solidFill>
                 <a:latin typeface="Times New Roman"/>
               </a:rPr>
               <a:t>Block Diagram</a:t>
             </a:r>
-            <a:endParaRPr b="0" lang="en-IN" sz="4100" spc="-1" strike="noStrike">
-              <a:solidFill>
-                <a:srgbClr val="000000"/>
-              </a:solidFill>
-              <a:latin typeface="Arial"/>
-            </a:endParaRPr>
-          </a:p>
-          <a:p>
-            <a:pPr marL="343080" indent="-343080" defTabSz="914400">
+            <a:endParaRPr b="0" lang="en-US" sz="4100" spc="-1" strike="noStrike">
+              <a:latin typeface="Arial"/>
+            </a:endParaRPr>
+          </a:p>
+          <a:p>
+            <a:pPr marL="343080" indent="-343080">
               <a:lnSpc>
                 <a:spcPct val="150000"/>
               </a:lnSpc>
@@ -6076,21 +5538,18 @@
             <a:r>
               <a:rPr b="0" lang="en-US" sz="4100" spc="-1" strike="noStrike">
                 <a:solidFill>
-                  <a:schemeClr val="dk1"/>
+                  <a:srgbClr val="000000"/>
                 </a:solidFill>
                 <a:latin typeface="Times New Roman"/>
               </a:rPr>
               <a:t>Hardware/Software requirements</a:t>
             </a:r>
-            <a:endParaRPr b="0" lang="en-IN" sz="4100" spc="-1" strike="noStrike">
-              <a:solidFill>
-                <a:srgbClr val="000000"/>
-              </a:solidFill>
-              <a:latin typeface="Arial"/>
-            </a:endParaRPr>
-          </a:p>
-          <a:p>
-            <a:pPr marL="343080" indent="-343080" defTabSz="914400">
+            <a:endParaRPr b="0" lang="en-US" sz="4100" spc="-1" strike="noStrike">
+              <a:latin typeface="Arial"/>
+            </a:endParaRPr>
+          </a:p>
+          <a:p>
+            <a:pPr marL="343080" indent="-343080">
               <a:lnSpc>
                 <a:spcPct val="150000"/>
               </a:lnSpc>
@@ -6106,21 +5565,18 @@
             <a:r>
               <a:rPr b="0" lang="en-IN" sz="4100" spc="-1" strike="noStrike">
                 <a:solidFill>
-                  <a:schemeClr val="dk1"/>
+                  <a:srgbClr val="000000"/>
                 </a:solidFill>
                 <a:latin typeface="Times New Roman"/>
               </a:rPr>
               <a:t>References</a:t>
             </a:r>
-            <a:endParaRPr b="0" lang="en-IN" sz="4100" spc="-1" strike="noStrike">
-              <a:solidFill>
-                <a:srgbClr val="000000"/>
-              </a:solidFill>
-              <a:latin typeface="Arial"/>
-            </a:endParaRPr>
-          </a:p>
-          <a:p>
-            <a:pPr indent="0" defTabSz="914400">
+            <a:endParaRPr b="0" lang="en-US" sz="4100" spc="-1" strike="noStrike">
+              <a:latin typeface="Arial"/>
+            </a:endParaRPr>
+          </a:p>
+          <a:p>
+            <a:pPr>
               <a:lnSpc>
                 <a:spcPct val="150000"/>
               </a:lnSpc>
@@ -6132,15 +5588,12 @@
                 <a:tab algn="l" pos="0"/>
               </a:tabLst>
             </a:pPr>
-            <a:endParaRPr b="0" lang="en-IN" sz="3200" spc="-1" strike="noStrike">
-              <a:solidFill>
-                <a:srgbClr val="000000"/>
-              </a:solidFill>
-              <a:latin typeface="Arial"/>
-            </a:endParaRPr>
-          </a:p>
-          <a:p>
-            <a:pPr marL="343080" indent="-343080" defTabSz="914400">
+            <a:endParaRPr b="0" lang="en-US" sz="3200" spc="-1" strike="noStrike">
+              <a:latin typeface="Arial"/>
+            </a:endParaRPr>
+          </a:p>
+          <a:p>
+            <a:pPr marL="343080" indent="-343080">
               <a:lnSpc>
                 <a:spcPct val="150000"/>
               </a:lnSpc>
@@ -6152,15 +5605,12 @@
                 <a:tab algn="l" pos="0"/>
               </a:tabLst>
             </a:pPr>
-            <a:endParaRPr b="0" lang="en-IN" sz="3200" spc="-1" strike="noStrike">
-              <a:solidFill>
-                <a:srgbClr val="000000"/>
-              </a:solidFill>
-              <a:latin typeface="Arial"/>
-            </a:endParaRPr>
-          </a:p>
-          <a:p>
-            <a:pPr marL="343080" indent="0" defTabSz="914400">
+            <a:endParaRPr b="0" lang="en-US" sz="3200" spc="-1" strike="noStrike">
+              <a:latin typeface="Arial"/>
+            </a:endParaRPr>
+          </a:p>
+          <a:p>
+            <a:pPr marL="343080" indent="-343080">
               <a:lnSpc>
                 <a:spcPct val="100000"/>
               </a:lnSpc>
@@ -6172,10 +5622,7 @@
                 <a:tab algn="l" pos="0"/>
               </a:tabLst>
             </a:pPr>
-            <a:endParaRPr b="0" lang="en-IN" sz="3200" spc="-1" strike="noStrike">
-              <a:solidFill>
-                <a:srgbClr val="000000"/>
-              </a:solidFill>
+            <a:endParaRPr b="0" lang="en-US" sz="3200" spc="-1" strike="noStrike">
               <a:latin typeface="Arial"/>
             </a:endParaRPr>
           </a:p>
@@ -6224,7 +5671,7 @@
         <p:spPr>
           <a:xfrm>
             <a:off x="457200" y="720000"/>
-            <a:ext cx="8227080" cy="780480"/>
+            <a:ext cx="8226000" cy="779400"/>
           </a:xfrm>
           <a:prstGeom prst="rect">
             <a:avLst/>
@@ -6235,11 +5682,11 @@
           </a:ln>
         </p:spPr>
         <p:txBody>
-          <a:bodyPr lIns="91440" rIns="91440" tIns="45720" bIns="45720" anchor="ctr">
-            <a:normAutofit fontScale="5000" lnSpcReduction="10000"/>
+          <a:bodyPr lIns="0" rIns="0" tIns="0" bIns="0" anchor="ctr">
+            <a:normAutofit fontScale="5000"/>
           </a:bodyPr>
           <a:p>
-            <a:pPr indent="0" algn="ctr" defTabSz="914400">
+            <a:pPr algn="ctr">
               <a:lnSpc>
                 <a:spcPct val="100000"/>
               </a:lnSpc>
@@ -6251,16 +5698,13 @@
             <a:r>
               <a:rPr b="0" lang="en-IN" sz="99990" spc="-1" strike="noStrike">
                 <a:solidFill>
-                  <a:schemeClr val="dk1"/>
+                  <a:srgbClr val="000000"/>
                 </a:solidFill>
                 <a:latin typeface="Times New Roman"/>
               </a:rPr>
               <a:t>Abstract</a:t>
             </a:r>
-            <a:endParaRPr b="0" lang="en-IN" sz="99990" spc="-1" strike="noStrike">
-              <a:solidFill>
-                <a:srgbClr val="000000"/>
-              </a:solidFill>
+            <a:endParaRPr b="0" lang="en-US" sz="99990" spc="-1" strike="noStrike">
               <a:latin typeface="Arial"/>
             </a:endParaRPr>
           </a:p>
@@ -6279,7 +5723,7 @@
         <p:spPr>
           <a:xfrm>
             <a:off x="231120" y="1620000"/>
-            <a:ext cx="8227080" cy="5026680"/>
+            <a:ext cx="8226000" cy="5025600"/>
           </a:xfrm>
           <a:prstGeom prst="rect">
             <a:avLst/>
@@ -6290,11 +5734,11 @@
           </a:ln>
         </p:spPr>
         <p:txBody>
-          <a:bodyPr lIns="91440" rIns="91440" tIns="45720" bIns="45720" anchor="t">
+          <a:bodyPr lIns="0" rIns="0" tIns="0" bIns="0" anchor="t">
             <a:normAutofit/>
           </a:bodyPr>
           <a:p>
-            <a:pPr marL="432000" indent="0" algn="just">
+            <a:pPr marL="432000" algn="just">
               <a:lnSpc>
                 <a:spcPct val="100000"/>
               </a:lnSpc>
@@ -6306,15 +5750,12 @@
                 <a:tab algn="l" pos="0"/>
               </a:tabLst>
             </a:pPr>
-            <a:endParaRPr b="0" lang="en-IN" sz="3200" spc="-1" strike="noStrike">
-              <a:solidFill>
-                <a:srgbClr val="000000"/>
-              </a:solidFill>
-              <a:latin typeface="Arial"/>
-            </a:endParaRPr>
-          </a:p>
-          <a:p>
-            <a:pPr marL="432000" indent="0" algn="just">
+            <a:endParaRPr b="0" lang="en-US" sz="3200" spc="-1" strike="noStrike">
+              <a:latin typeface="Arial"/>
+            </a:endParaRPr>
+          </a:p>
+          <a:p>
+            <a:pPr marL="432000" algn="just">
               <a:lnSpc>
                 <a:spcPct val="100000"/>
               </a:lnSpc>
@@ -6329,16 +5770,13 @@
             <a:r>
               <a:rPr b="0" lang="en-US" sz="3200" spc="-1" strike="noStrike" baseline="33000">
                 <a:solidFill>
-                  <a:schemeClr val="dk1"/>
+                  <a:srgbClr val="000000"/>
                 </a:solidFill>
                 <a:latin typeface="Calibri"/>
               </a:rPr>
               <a:t>Advanced Mobile Seismic Monitoring System integrates deep learning with portable sensors for real-time seismic analysis.  It uses a Recurrent Neural Network architecture for real time data analysis and processing which collects data from accelerometer and alerts on 2.4GHz spectrum in case of any anomaly. It empowers rapid event monitoring, aiding researchers and emergency responders in risk mitigation and disaster management. </a:t>
             </a:r>
-            <a:endParaRPr b="0" lang="en-IN" sz="3200" spc="-1" strike="noStrike">
-              <a:solidFill>
-                <a:srgbClr val="000000"/>
-              </a:solidFill>
+            <a:endParaRPr b="0" lang="en-US" sz="3200" spc="-1" strike="noStrike">
               <a:latin typeface="Arial"/>
             </a:endParaRPr>
           </a:p>
@@ -6387,7 +5825,7 @@
         <p:spPr>
           <a:xfrm>
             <a:off x="457200" y="274680"/>
-            <a:ext cx="8227080" cy="1140480"/>
+            <a:ext cx="8226000" cy="1139400"/>
           </a:xfrm>
           <a:prstGeom prst="rect">
             <a:avLst/>
@@ -6398,11 +5836,11 @@
           </a:ln>
         </p:spPr>
         <p:txBody>
-          <a:bodyPr lIns="91440" rIns="91440" tIns="45720" bIns="45720" anchor="ctr">
+          <a:bodyPr lIns="0" rIns="0" tIns="0" bIns="0" anchor="ctr">
             <a:noAutofit/>
           </a:bodyPr>
           <a:p>
-            <a:pPr indent="0" algn="ctr" defTabSz="914400">
+            <a:pPr algn="ctr">
               <a:lnSpc>
                 <a:spcPct val="150000"/>
               </a:lnSpc>
@@ -6414,16 +5852,13 @@
             <a:r>
               <a:rPr b="0" lang="en-IN" sz="4400" spc="-1" strike="noStrike">
                 <a:solidFill>
-                  <a:schemeClr val="dk1"/>
+                  <a:srgbClr val="000000"/>
                 </a:solidFill>
                 <a:latin typeface="Times New Roman"/>
               </a:rPr>
               <a:t>Objective</a:t>
             </a:r>
-            <a:endParaRPr b="0" lang="en-IN" sz="4400" spc="-1" strike="noStrike">
-              <a:solidFill>
-                <a:srgbClr val="000000"/>
-              </a:solidFill>
+            <a:endParaRPr b="0" lang="en-US" sz="4400" spc="-1" strike="noStrike">
               <a:latin typeface="Arial"/>
             </a:endParaRPr>
           </a:p>
@@ -6442,7 +5877,7 @@
         <p:spPr>
           <a:xfrm>
             <a:off x="360000" y="1775880"/>
-            <a:ext cx="8227080" cy="5063400"/>
+            <a:ext cx="8226000" cy="5062320"/>
           </a:xfrm>
           <a:prstGeom prst="rect">
             <a:avLst/>
@@ -6453,11 +5888,11 @@
           </a:ln>
         </p:spPr>
         <p:txBody>
-          <a:bodyPr lIns="91440" rIns="91440" tIns="45720" bIns="45720" anchor="t">
+          <a:bodyPr lIns="0" rIns="0" tIns="0" bIns="0" anchor="t">
             <a:normAutofit/>
           </a:bodyPr>
           <a:p>
-            <a:pPr marL="343080" indent="0" algn="just" defTabSz="914400">
+            <a:pPr marL="343080" algn="just">
               <a:lnSpc>
                 <a:spcPct val="100000"/>
               </a:lnSpc>
@@ -6469,15 +5904,12 @@
                 <a:tab algn="l" pos="0"/>
               </a:tabLst>
             </a:pPr>
-            <a:endParaRPr b="0" lang="en-IN" sz="3200" spc="-1" strike="noStrike">
-              <a:solidFill>
-                <a:srgbClr val="000000"/>
-              </a:solidFill>
-              <a:latin typeface="Arial"/>
-            </a:endParaRPr>
-          </a:p>
-          <a:p>
-            <a:pPr marL="343080" indent="-324000" algn="just" defTabSz="914400">
+            <a:endParaRPr b="0" lang="en-US" sz="3200" spc="-1" strike="noStrike">
+              <a:latin typeface="Arial"/>
+            </a:endParaRPr>
+          </a:p>
+          <a:p>
+            <a:pPr marL="343080" indent="-324000" algn="just">
               <a:lnSpc>
                 <a:spcPct val="100000"/>
               </a:lnSpc>
@@ -6497,21 +5929,18 @@
             <a:r>
               <a:rPr b="0" lang="en-US" sz="3200" spc="-1" strike="noStrike" baseline="33000">
                 <a:solidFill>
-                  <a:schemeClr val="dk1"/>
+                  <a:srgbClr val="000000"/>
                 </a:solidFill>
                 <a:latin typeface="Calibri"/>
               </a:rPr>
               <a:t>To develop a portable solution that integrates deep learning algorithms with seismic sensors for real-time analysis of seismic activity. </a:t>
             </a:r>
-            <a:endParaRPr b="0" lang="en-IN" sz="3200" spc="-1" strike="noStrike">
-              <a:solidFill>
-                <a:srgbClr val="000000"/>
-              </a:solidFill>
-              <a:latin typeface="Arial"/>
-            </a:endParaRPr>
-          </a:p>
-          <a:p>
-            <a:pPr marL="343080" indent="-324000" algn="just" defTabSz="914400">
+            <a:endParaRPr b="0" lang="en-US" sz="3200" spc="-1" strike="noStrike">
+              <a:latin typeface="Arial"/>
+            </a:endParaRPr>
+          </a:p>
+          <a:p>
+            <a:pPr marL="343080" indent="-324000" algn="just">
               <a:lnSpc>
                 <a:spcPct val="100000"/>
               </a:lnSpc>
@@ -6531,21 +5960,18 @@
             <a:r>
               <a:rPr b="0" lang="en-US" sz="3200" spc="-1" strike="noStrike" baseline="33000">
                 <a:solidFill>
-                  <a:schemeClr val="dk1"/>
+                  <a:srgbClr val="000000"/>
                 </a:solidFill>
                 <a:latin typeface="Calibri"/>
               </a:rPr>
               <a:t>To expand the concept of seismic monitoring in rural areas.</a:t>
             </a:r>
-            <a:endParaRPr b="0" lang="en-IN" sz="3200" spc="-1" strike="noStrike">
-              <a:solidFill>
-                <a:srgbClr val="000000"/>
-              </a:solidFill>
-              <a:latin typeface="Arial"/>
-            </a:endParaRPr>
-          </a:p>
-          <a:p>
-            <a:pPr marL="343080" indent="-324000" algn="just" defTabSz="914400">
+            <a:endParaRPr b="0" lang="en-US" sz="3200" spc="-1" strike="noStrike">
+              <a:latin typeface="Arial"/>
+            </a:endParaRPr>
+          </a:p>
+          <a:p>
+            <a:pPr marL="343080" indent="-324000" algn="just">
               <a:lnSpc>
                 <a:spcPct val="100000"/>
               </a:lnSpc>
@@ -6565,21 +5991,18 @@
             <a:r>
               <a:rPr b="0" lang="en-US" sz="3200" spc="-1" strike="noStrike" baseline="33000">
                 <a:solidFill>
-                  <a:schemeClr val="dk1"/>
+                  <a:srgbClr val="000000"/>
                 </a:solidFill>
                 <a:latin typeface="Calibri"/>
               </a:rPr>
               <a:t>To empower rapid detection and prediction of seismic events, enhancing situational awareness for researchers, emergency responders mainly focussing on disaster management.  </a:t>
             </a:r>
-            <a:endParaRPr b="0" lang="en-IN" sz="3200" spc="-1" strike="noStrike">
-              <a:solidFill>
-                <a:srgbClr val="000000"/>
-              </a:solidFill>
-              <a:latin typeface="Arial"/>
-            </a:endParaRPr>
-          </a:p>
-          <a:p>
-            <a:pPr marL="343080" indent="-324000" algn="just" defTabSz="914400">
+            <a:endParaRPr b="0" lang="en-US" sz="3200" spc="-1" strike="noStrike">
+              <a:latin typeface="Arial"/>
+            </a:endParaRPr>
+          </a:p>
+          <a:p>
+            <a:pPr marL="343080" indent="-324000" algn="just">
               <a:lnSpc>
                 <a:spcPct val="100000"/>
               </a:lnSpc>
@@ -6599,21 +6022,18 @@
             <a:r>
               <a:rPr b="0" lang="en-US" sz="3200" spc="-1" strike="noStrike" baseline="33000">
                 <a:solidFill>
-                  <a:schemeClr val="dk1"/>
+                  <a:srgbClr val="000000"/>
                 </a:solidFill>
                 <a:latin typeface="Calibri"/>
               </a:rPr>
               <a:t>To achieve range of (approximately 200 acres) which ensures a comprehensive coverage of area.</a:t>
             </a:r>
-            <a:endParaRPr b="0" lang="en-IN" sz="3200" spc="-1" strike="noStrike">
-              <a:solidFill>
-                <a:srgbClr val="000000"/>
-              </a:solidFill>
-              <a:latin typeface="Arial"/>
-            </a:endParaRPr>
-          </a:p>
-          <a:p>
-            <a:pPr marL="343080" indent="0" algn="just" defTabSz="914400">
+            <a:endParaRPr b="0" lang="en-US" sz="3200" spc="-1" strike="noStrike">
+              <a:latin typeface="Arial"/>
+            </a:endParaRPr>
+          </a:p>
+          <a:p>
+            <a:pPr marL="343080" algn="just">
               <a:lnSpc>
                 <a:spcPct val="100000"/>
               </a:lnSpc>
@@ -6625,10 +6045,7 @@
                 <a:tab algn="l" pos="0"/>
               </a:tabLst>
             </a:pPr>
-            <a:endParaRPr b="0" lang="en-IN" sz="3200" spc="-1" strike="noStrike">
-              <a:solidFill>
-                <a:srgbClr val="000000"/>
-              </a:solidFill>
+            <a:endParaRPr b="0" lang="en-US" sz="3200" spc="-1" strike="noStrike">
               <a:latin typeface="Arial"/>
             </a:endParaRPr>
           </a:p>
@@ -6677,7 +6094,7 @@
         <p:spPr>
           <a:xfrm>
             <a:off x="495360" y="76320"/>
-            <a:ext cx="8227080" cy="1140480"/>
+            <a:ext cx="8226000" cy="1139400"/>
           </a:xfrm>
           <a:prstGeom prst="rect">
             <a:avLst/>
@@ -6688,11 +6105,11 @@
           </a:ln>
         </p:spPr>
         <p:txBody>
-          <a:bodyPr lIns="91440" rIns="91440" tIns="45720" bIns="45720" anchor="ctr">
-            <a:normAutofit fontScale="96666"/>
+          <a:bodyPr lIns="0" rIns="0" tIns="0" bIns="0" anchor="ctr">
+            <a:normAutofit/>
           </a:bodyPr>
           <a:p>
-            <a:pPr indent="0" algn="ctr" defTabSz="914400">
+            <a:pPr algn="ctr">
               <a:lnSpc>
                 <a:spcPct val="100000"/>
               </a:lnSpc>
@@ -6704,7 +6121,7 @@
             <a:r>
               <a:rPr b="0" lang="en-IN" sz="3600" spc="-1" strike="noStrike">
                 <a:solidFill>
-                  <a:schemeClr val="dk1"/>
+                  <a:srgbClr val="000000"/>
                 </a:solidFill>
                 <a:latin typeface="Times New Roman"/>
               </a:rPr>
@@ -6713,10 +6130,7 @@
             <a:br>
               <a:rPr sz="3600"/>
             </a:br>
-            <a:endParaRPr b="0" lang="en-IN" sz="3600" spc="-1" strike="noStrike">
-              <a:solidFill>
-                <a:srgbClr val="000000"/>
-              </a:solidFill>
+            <a:endParaRPr b="0" lang="en-US" sz="3600" spc="-1" strike="noStrike">
               <a:latin typeface="Arial"/>
             </a:endParaRPr>
           </a:p>
@@ -6729,8 +6143,8 @@
           <p:nvPr/>
         </p:nvGraphicFramePr>
         <p:xfrm>
-          <a:off x="411480" y="1751400"/>
-          <a:ext cx="8304840" cy="3996360"/>
+          <a:off x="372600" y="705960"/>
+          <a:ext cx="8304840" cy="4430880"/>
         </p:xfrm>
         <a:graphic>
           <a:graphicData uri="http://schemas.openxmlformats.org/drawingml/2006/table">
@@ -6742,31 +6156,29 @@
                 <a:gridCol w="2116440"/>
                 <a:gridCol w="2079000"/>
               </a:tblGrid>
-              <a:tr h="324720">
+              <a:tr h="344880">
                 <a:tc>
                   <a:txBody>
                     <a:bodyPr anchor="t">
                       <a:noAutofit/>
                     </a:bodyPr>
                     <a:p>
-                      <a:pPr algn="ctr" defTabSz="914400">
+                      <a:pPr algn="ctr">
                         <a:lnSpc>
                           <a:spcPct val="100000"/>
                         </a:lnSpc>
+                        <a:buNone/>
                       </a:pPr>
                       <a:r>
                         <a:rPr b="1" lang="en-US" sz="1800" spc="-1" strike="noStrike">
                           <a:solidFill>
-                            <a:schemeClr val="lt1"/>
+                            <a:srgbClr val="ffffff"/>
                           </a:solidFill>
                           <a:latin typeface="Times New Roman"/>
                         </a:rPr>
                         <a:t>TITLE</a:t>
                       </a:r>
-                      <a:endParaRPr b="0" lang="en-IN" sz="1800" spc="-1" strike="noStrike">
-                        <a:solidFill>
-                          <a:srgbClr val="000000"/>
-                        </a:solidFill>
+                      <a:endParaRPr b="0" lang="en-US" sz="1800" spc="-1" strike="noStrike">
                         <a:latin typeface="Arial"/>
                       </a:endParaRPr>
                     </a:p>
@@ -6776,28 +6188,24 @@
                       <a:solidFill>
                         <a:srgbClr val="ffffff"/>
                       </a:solidFill>
-                      <a:prstDash val="solid"/>
                     </a:lnL>
                     <a:lnR w="12240">
                       <a:solidFill>
                         <a:srgbClr val="ffffff"/>
                       </a:solidFill>
-                      <a:prstDash val="solid"/>
                     </a:lnR>
                     <a:lnT w="12240">
                       <a:solidFill>
                         <a:srgbClr val="ffffff"/>
                       </a:solidFill>
-                      <a:prstDash val="solid"/>
                     </a:lnT>
                     <a:lnB w="38160">
                       <a:solidFill>
                         <a:srgbClr val="ffffff"/>
                       </a:solidFill>
-                      <a:prstDash val="solid"/>
                     </a:lnB>
                     <a:solidFill>
-                      <a:schemeClr val="accent1"/>
+                      <a:srgbClr val="4f81bd"/>
                     </a:solidFill>
                   </a:tcPr>
                 </a:tc>
@@ -6807,24 +6215,22 @@
                       <a:noAutofit/>
                     </a:bodyPr>
                     <a:p>
-                      <a:pPr algn="ctr" defTabSz="914400">
+                      <a:pPr algn="ctr">
                         <a:lnSpc>
                           <a:spcPct val="100000"/>
                         </a:lnSpc>
+                        <a:buNone/>
                       </a:pPr>
                       <a:r>
                         <a:rPr b="1" lang="en-US" sz="1800" spc="-1" strike="noStrike">
                           <a:solidFill>
-                            <a:schemeClr val="lt1"/>
+                            <a:srgbClr val="ffffff"/>
                           </a:solidFill>
                           <a:latin typeface="Times New Roman"/>
                         </a:rPr>
                         <a:t>YEAR</a:t>
                       </a:r>
-                      <a:endParaRPr b="0" lang="en-IN" sz="1800" spc="-1" strike="noStrike">
-                        <a:solidFill>
-                          <a:srgbClr val="000000"/>
-                        </a:solidFill>
+                      <a:endParaRPr b="0" lang="en-US" sz="1800" spc="-1" strike="noStrike">
                         <a:latin typeface="Arial"/>
                       </a:endParaRPr>
                     </a:p>
@@ -6834,28 +6240,24 @@
                       <a:solidFill>
                         <a:srgbClr val="ffffff"/>
                       </a:solidFill>
-                      <a:prstDash val="solid"/>
                     </a:lnL>
                     <a:lnR w="12240">
                       <a:solidFill>
                         <a:srgbClr val="ffffff"/>
                       </a:solidFill>
-                      <a:prstDash val="solid"/>
                     </a:lnR>
                     <a:lnT w="12240">
                       <a:solidFill>
                         <a:srgbClr val="ffffff"/>
                       </a:solidFill>
-                      <a:prstDash val="solid"/>
                     </a:lnT>
                     <a:lnB w="38160">
                       <a:solidFill>
                         <a:srgbClr val="ffffff"/>
                       </a:solidFill>
-                      <a:prstDash val="solid"/>
                     </a:lnB>
                     <a:solidFill>
-                      <a:schemeClr val="accent1"/>
+                      <a:srgbClr val="4f81bd"/>
                     </a:solidFill>
                   </a:tcPr>
                 </a:tc>
@@ -6865,24 +6267,22 @@
                       <a:noAutofit/>
                     </a:bodyPr>
                     <a:p>
-                      <a:pPr algn="ctr" defTabSz="914400">
+                      <a:pPr algn="ctr">
                         <a:lnSpc>
                           <a:spcPct val="100000"/>
                         </a:lnSpc>
+                        <a:buNone/>
                       </a:pPr>
                       <a:r>
                         <a:rPr b="1" lang="en-US" sz="1800" spc="-1" strike="noStrike">
                           <a:solidFill>
-                            <a:schemeClr val="lt1"/>
+                            <a:srgbClr val="ffffff"/>
                           </a:solidFill>
                           <a:latin typeface="Times New Roman"/>
                         </a:rPr>
                         <a:t>AUTHOR</a:t>
                       </a:r>
-                      <a:endParaRPr b="0" lang="en-IN" sz="1800" spc="-1" strike="noStrike">
-                        <a:solidFill>
-                          <a:srgbClr val="000000"/>
-                        </a:solidFill>
+                      <a:endParaRPr b="0" lang="en-US" sz="1800" spc="-1" strike="noStrike">
                         <a:latin typeface="Arial"/>
                       </a:endParaRPr>
                     </a:p>
@@ -6892,28 +6292,24 @@
                       <a:solidFill>
                         <a:srgbClr val="ffffff"/>
                       </a:solidFill>
-                      <a:prstDash val="solid"/>
                     </a:lnL>
                     <a:lnR w="12240">
                       <a:solidFill>
                         <a:srgbClr val="ffffff"/>
                       </a:solidFill>
-                      <a:prstDash val="solid"/>
                     </a:lnR>
                     <a:lnT w="12240">
                       <a:solidFill>
                         <a:srgbClr val="ffffff"/>
                       </a:solidFill>
-                      <a:prstDash val="solid"/>
                     </a:lnT>
                     <a:lnB w="38160">
                       <a:solidFill>
                         <a:srgbClr val="ffffff"/>
                       </a:solidFill>
-                      <a:prstDash val="solid"/>
                     </a:lnB>
                     <a:solidFill>
-                      <a:schemeClr val="accent1"/>
+                      <a:srgbClr val="4f81bd"/>
                     </a:solidFill>
                   </a:tcPr>
                 </a:tc>
@@ -6923,24 +6319,22 @@
                       <a:noAutofit/>
                     </a:bodyPr>
                     <a:p>
-                      <a:pPr algn="ctr" defTabSz="914400">
+                      <a:pPr algn="ctr">
                         <a:lnSpc>
                           <a:spcPct val="100000"/>
                         </a:lnSpc>
+                        <a:buNone/>
                       </a:pPr>
                       <a:r>
                         <a:rPr b="1" lang="en-US" sz="1800" spc="-1" strike="noStrike">
                           <a:solidFill>
-                            <a:schemeClr val="lt1"/>
+                            <a:srgbClr val="ffffff"/>
                           </a:solidFill>
                           <a:latin typeface="Times New Roman"/>
                         </a:rPr>
                         <a:t>TECHNIQUE</a:t>
                       </a:r>
-                      <a:endParaRPr b="0" lang="en-IN" sz="1800" spc="-1" strike="noStrike">
-                        <a:solidFill>
-                          <a:srgbClr val="000000"/>
-                        </a:solidFill>
+                      <a:endParaRPr b="0" lang="en-US" sz="1800" spc="-1" strike="noStrike">
                         <a:latin typeface="Arial"/>
                       </a:endParaRPr>
                     </a:p>
@@ -6950,28 +6344,24 @@
                       <a:solidFill>
                         <a:srgbClr val="ffffff"/>
                       </a:solidFill>
-                      <a:prstDash val="solid"/>
                     </a:lnL>
                     <a:lnR w="12240">
                       <a:solidFill>
                         <a:srgbClr val="ffffff"/>
                       </a:solidFill>
-                      <a:prstDash val="solid"/>
                     </a:lnR>
                     <a:lnT w="12240">
                       <a:solidFill>
                         <a:srgbClr val="ffffff"/>
                       </a:solidFill>
-                      <a:prstDash val="solid"/>
                     </a:lnT>
                     <a:lnB w="38160">
                       <a:solidFill>
                         <a:srgbClr val="ffffff"/>
                       </a:solidFill>
-                      <a:prstDash val="solid"/>
                     </a:lnB>
                     <a:solidFill>
-                      <a:schemeClr val="accent1"/>
+                      <a:srgbClr val="4f81bd"/>
                     </a:solidFill>
                   </a:tcPr>
                 </a:tc>
@@ -6987,20 +6377,18 @@
                         <a:lnSpc>
                           <a:spcPct val="100000"/>
                         </a:lnSpc>
+                        <a:buNone/>
                       </a:pPr>
                       <a:r>
                         <a:rPr b="0" lang="en-US" sz="1400" spc="-1" strike="noStrike">
                           <a:solidFill>
-                            <a:schemeClr val="dk1"/>
+                            <a:srgbClr val="000000"/>
                           </a:solidFill>
                           <a:latin typeface="Calibri"/>
                         </a:rPr>
                         <a:t>Volcano Seismic Signals Classification</a:t>
                       </a:r>
-                      <a:endParaRPr b="0" lang="en-IN" sz="1400" spc="-1" strike="noStrike">
-                        <a:solidFill>
-                          <a:srgbClr val="000000"/>
-                        </a:solidFill>
+                      <a:endParaRPr b="0" lang="en-US" sz="1400" spc="-1" strike="noStrike">
                         <a:latin typeface="Arial"/>
                       </a:endParaRPr>
                     </a:p>
@@ -7010,30 +6398,24 @@
                       <a:solidFill>
                         <a:srgbClr val="ffffff"/>
                       </a:solidFill>
-                      <a:prstDash val="solid"/>
                     </a:lnL>
                     <a:lnR w="12240">
                       <a:solidFill>
                         <a:srgbClr val="ffffff"/>
                       </a:solidFill>
-                      <a:prstDash val="solid"/>
                     </a:lnR>
                     <a:lnT w="12240">
                       <a:solidFill>
                         <a:srgbClr val="ffffff"/>
                       </a:solidFill>
-                      <a:prstDash val="solid"/>
                     </a:lnT>
                     <a:lnB w="12240">
                       <a:solidFill>
                         <a:srgbClr val="ffffff"/>
                       </a:solidFill>
-                      <a:prstDash val="solid"/>
                     </a:lnB>
                     <a:solidFill>
-                      <a:schemeClr val="accent1">
-                        <a:tint val="40000"/>
-                      </a:schemeClr>
+                      <a:srgbClr val="d0d8e7"/>
                     </a:solidFill>
                   </a:tcPr>
                 </a:tc>
@@ -7047,20 +6429,18 @@
                         <a:lnSpc>
                           <a:spcPct val="100000"/>
                         </a:lnSpc>
+                        <a:buNone/>
                       </a:pPr>
                       <a:r>
                         <a:rPr b="0" lang="en-US" sz="1400" spc="-1" strike="noStrike">
                           <a:solidFill>
-                            <a:schemeClr val="dk1"/>
+                            <a:srgbClr val="000000"/>
                           </a:solidFill>
                           <a:latin typeface="Calibri"/>
                         </a:rPr>
                         <a:t>2018</a:t>
                       </a:r>
-                      <a:endParaRPr b="0" lang="en-IN" sz="1400" spc="-1" strike="noStrike">
-                        <a:solidFill>
-                          <a:srgbClr val="000000"/>
-                        </a:solidFill>
+                      <a:endParaRPr b="0" lang="en-US" sz="1400" spc="-1" strike="noStrike">
                         <a:latin typeface="Arial"/>
                       </a:endParaRPr>
                     </a:p>
@@ -7070,30 +6450,24 @@
                       <a:solidFill>
                         <a:srgbClr val="ffffff"/>
                       </a:solidFill>
-                      <a:prstDash val="solid"/>
                     </a:lnL>
                     <a:lnR w="12240">
                       <a:solidFill>
                         <a:srgbClr val="ffffff"/>
                       </a:solidFill>
-                      <a:prstDash val="solid"/>
                     </a:lnR>
                     <a:lnT w="12240">
                       <a:solidFill>
                         <a:srgbClr val="ffffff"/>
                       </a:solidFill>
-                      <a:prstDash val="solid"/>
                     </a:lnT>
                     <a:lnB w="12240">
                       <a:solidFill>
                         <a:srgbClr val="ffffff"/>
                       </a:solidFill>
-                      <a:prstDash val="solid"/>
                     </a:lnB>
                     <a:solidFill>
-                      <a:schemeClr val="accent1">
-                        <a:tint val="40000"/>
-                      </a:schemeClr>
+                      <a:srgbClr val="d0d8e7"/>
                     </a:solidFill>
                   </a:tcPr>
                 </a:tc>
@@ -7107,20 +6481,18 @@
                         <a:lnSpc>
                           <a:spcPct val="100000"/>
                         </a:lnSpc>
+                        <a:buNone/>
                       </a:pPr>
                       <a:r>
                         <a:rPr b="0" lang="en-US" sz="1400" spc="-1" strike="noStrike">
                           <a:solidFill>
-                            <a:schemeClr val="dk1"/>
+                            <a:srgbClr val="000000"/>
                           </a:solidFill>
                           <a:latin typeface="Calibri"/>
                         </a:rPr>
                         <a:t>Manuel Titos</a:t>
                       </a:r>
-                      <a:endParaRPr b="0" lang="en-IN" sz="1400" spc="-1" strike="noStrike">
-                        <a:solidFill>
-                          <a:srgbClr val="000000"/>
-                        </a:solidFill>
+                      <a:endParaRPr b="0" lang="en-US" sz="1400" spc="-1" strike="noStrike">
                         <a:latin typeface="Arial"/>
                       </a:endParaRPr>
                     </a:p>
@@ -7130,30 +6502,22 @@
                       <a:solidFill>
                         <a:srgbClr val="ffffff"/>
                       </a:solidFill>
-                      <a:prstDash val="solid"/>
                     </a:lnL>
                     <a:lnR w="12240">
-                      <a:solidFill>
-                        <a:srgbClr val="ffffff"/>
-                      </a:solidFill>
-                      <a:prstDash val="solid"/>
+                      <a:noFill/>
                     </a:lnR>
                     <a:lnT w="12240">
                       <a:solidFill>
                         <a:srgbClr val="ffffff"/>
                       </a:solidFill>
-                      <a:prstDash val="solid"/>
                     </a:lnT>
                     <a:lnB w="12240">
                       <a:solidFill>
                         <a:srgbClr val="ffffff"/>
                       </a:solidFill>
-                      <a:prstDash val="solid"/>
                     </a:lnB>
                     <a:solidFill>
-                      <a:schemeClr val="accent1">
-                        <a:tint val="40000"/>
-                      </a:schemeClr>
+                      <a:srgbClr val="d0d8e7"/>
                     </a:solidFill>
                   </a:tcPr>
                 </a:tc>
@@ -7167,20 +6531,18 @@
                         <a:lnSpc>
                           <a:spcPct val="100000"/>
                         </a:lnSpc>
+                        <a:buNone/>
                       </a:pPr>
                       <a:r>
                         <a:rPr b="0" lang="en-US" sz="1400" spc="-1" strike="noStrike">
                           <a:solidFill>
-                            <a:schemeClr val="dk1"/>
+                            <a:srgbClr val="000000"/>
                           </a:solidFill>
                           <a:latin typeface="Calibri"/>
                         </a:rPr>
                         <a:t>Neural Networks</a:t>
                       </a:r>
-                      <a:endParaRPr b="0" lang="en-IN" sz="1400" spc="-1" strike="noStrike">
-                        <a:solidFill>
-                          <a:srgbClr val="000000"/>
-                        </a:solidFill>
+                      <a:endParaRPr b="0" lang="en-US" sz="1400" spc="-1" strike="noStrike">
                         <a:latin typeface="Arial"/>
                       </a:endParaRPr>
                     </a:p>
@@ -7189,11 +6551,9 @@
                         <a:lnSpc>
                           <a:spcPct val="100000"/>
                         </a:lnSpc>
+                        <a:buNone/>
                       </a:pPr>
-                      <a:endParaRPr b="0" lang="en-IN" sz="1400" spc="-1" strike="noStrike">
-                        <a:solidFill>
-                          <a:srgbClr val="000000"/>
-                        </a:solidFill>
+                      <a:endParaRPr b="0" lang="en-US" sz="1400" spc="-1" strike="noStrike">
                         <a:latin typeface="Arial"/>
                       </a:endParaRPr>
                     </a:p>
@@ -7202,11 +6562,9 @@
                         <a:lnSpc>
                           <a:spcPct val="100000"/>
                         </a:lnSpc>
+                        <a:buNone/>
                       </a:pPr>
-                      <a:endParaRPr b="0" lang="en-IN" sz="1400" spc="-1" strike="noStrike">
-                        <a:solidFill>
-                          <a:srgbClr val="000000"/>
-                        </a:solidFill>
+                      <a:endParaRPr b="0" lang="en-US" sz="1400" spc="-1" strike="noStrike">
                         <a:latin typeface="Arial"/>
                       </a:endParaRPr>
                     </a:p>
@@ -7215,11 +6573,12 @@
                         <a:lnSpc>
                           <a:spcPct val="100000"/>
                         </a:lnSpc>
+                        <a:buNone/>
                       </a:pPr>
                       <a:r>
                         <a:rPr b="0" lang="en-US" sz="1400" spc="-1" strike="noStrike" u="sng">
                           <a:solidFill>
-                            <a:schemeClr val="dk1"/>
+                            <a:srgbClr val="0000ff"/>
                           </a:solidFill>
                           <a:uFillTx/>
                           <a:latin typeface="Calibri"/>
@@ -7227,36 +6586,7 @@
                         </a:rPr>
                         <a:t>Link</a:t>
                       </a:r>
-                      <a:endParaRPr b="0" lang="en-IN" sz="1400" spc="-1" strike="noStrike">
-                        <a:solidFill>
-                          <a:srgbClr val="000000"/>
-                        </a:solidFill>
-                        <a:latin typeface="Arial"/>
-                      </a:endParaRPr>
-                    </a:p>
-                    <a:p>
-                      <a:pPr>
-                        <a:lnSpc>
-                          <a:spcPct val="100000"/>
-                        </a:lnSpc>
-                      </a:pPr>
-                      <a:endParaRPr b="0" lang="en-IN" sz="1400" spc="-1" strike="noStrike">
-                        <a:solidFill>
-                          <a:srgbClr val="000000"/>
-                        </a:solidFill>
-                        <a:latin typeface="Arial"/>
-                      </a:endParaRPr>
-                    </a:p>
-                    <a:p>
-                      <a:pPr>
-                        <a:lnSpc>
-                          <a:spcPct val="100000"/>
-                        </a:lnSpc>
-                      </a:pPr>
-                      <a:endParaRPr b="0" lang="en-IN" sz="1400" spc="-1" strike="noStrike">
-                        <a:solidFill>
-                          <a:srgbClr val="000000"/>
-                        </a:solidFill>
+                      <a:endParaRPr b="0" lang="en-US" sz="1400" spc="-1" strike="noStrike">
                         <a:latin typeface="Arial"/>
                       </a:endParaRPr>
                     </a:p>
@@ -7266,30 +6596,24 @@
                       <a:solidFill>
                         <a:srgbClr val="ffffff"/>
                       </a:solidFill>
-                      <a:prstDash val="solid"/>
                     </a:lnL>
                     <a:lnR w="12240">
                       <a:solidFill>
                         <a:srgbClr val="ffffff"/>
                       </a:solidFill>
-                      <a:prstDash val="solid"/>
                     </a:lnR>
                     <a:lnT w="12240">
                       <a:solidFill>
                         <a:srgbClr val="ffffff"/>
                       </a:solidFill>
-                      <a:prstDash val="solid"/>
                     </a:lnT>
                     <a:lnB w="12240">
                       <a:solidFill>
                         <a:srgbClr val="ffffff"/>
                       </a:solidFill>
-                      <a:prstDash val="solid"/>
                     </a:lnB>
                     <a:solidFill>
-                      <a:schemeClr val="accent1">
-                        <a:tint val="40000"/>
-                      </a:schemeClr>
+                      <a:srgbClr val="d0d8e7"/>
                     </a:solidFill>
                   </a:tcPr>
                 </a:tc>
@@ -7305,20 +6629,18 @@
                         <a:lnSpc>
                           <a:spcPct val="100000"/>
                         </a:lnSpc>
+                        <a:buNone/>
                       </a:pPr>
                       <a:r>
                         <a:rPr b="0" lang="en-US" sz="1400" spc="-1" strike="noStrike">
                           <a:solidFill>
-                            <a:schemeClr val="dk1"/>
+                            <a:srgbClr val="000000"/>
                           </a:solidFill>
                           <a:latin typeface="Calibri"/>
                         </a:rPr>
                         <a:t>Earthquake Detection</a:t>
                       </a:r>
-                      <a:endParaRPr b="0" lang="en-IN" sz="1400" spc="-1" strike="noStrike">
-                        <a:solidFill>
-                          <a:srgbClr val="000000"/>
-                        </a:solidFill>
+                      <a:endParaRPr b="0" lang="en-US" sz="1400" spc="-1" strike="noStrike">
                         <a:latin typeface="Arial"/>
                       </a:endParaRPr>
                     </a:p>
@@ -7328,30 +6650,24 @@
                       <a:solidFill>
                         <a:srgbClr val="ffffff"/>
                       </a:solidFill>
-                      <a:prstDash val="solid"/>
                     </a:lnL>
                     <a:lnR w="12240">
                       <a:solidFill>
                         <a:srgbClr val="ffffff"/>
                       </a:solidFill>
-                      <a:prstDash val="solid"/>
                     </a:lnR>
                     <a:lnT w="12240">
                       <a:solidFill>
                         <a:srgbClr val="ffffff"/>
                       </a:solidFill>
-                      <a:prstDash val="solid"/>
                     </a:lnT>
                     <a:lnB w="12240">
                       <a:solidFill>
                         <a:srgbClr val="ffffff"/>
                       </a:solidFill>
-                      <a:prstDash val="solid"/>
                     </a:lnB>
                     <a:solidFill>
-                      <a:schemeClr val="accent1">
-                        <a:tint val="20000"/>
-                      </a:schemeClr>
+                      <a:srgbClr val="e9ecf3"/>
                     </a:solidFill>
                   </a:tcPr>
                 </a:tc>
@@ -7365,20 +6681,18 @@
                         <a:lnSpc>
                           <a:spcPct val="100000"/>
                         </a:lnSpc>
+                        <a:buNone/>
                       </a:pPr>
                       <a:r>
                         <a:rPr b="0" lang="en-US" sz="1400" spc="-1" strike="noStrike">
                           <a:solidFill>
-                            <a:schemeClr val="dk1"/>
+                            <a:srgbClr val="000000"/>
                           </a:solidFill>
                           <a:latin typeface="Calibri"/>
                         </a:rPr>
                         <a:t>2023</a:t>
                       </a:r>
-                      <a:endParaRPr b="0" lang="en-IN" sz="1400" spc="-1" strike="noStrike">
-                        <a:solidFill>
-                          <a:srgbClr val="000000"/>
-                        </a:solidFill>
+                      <a:endParaRPr b="0" lang="en-US" sz="1400" spc="-1" strike="noStrike">
                         <a:latin typeface="Arial"/>
                       </a:endParaRPr>
                     </a:p>
@@ -7388,30 +6702,24 @@
                       <a:solidFill>
                         <a:srgbClr val="ffffff"/>
                       </a:solidFill>
-                      <a:prstDash val="solid"/>
                     </a:lnL>
                     <a:lnR w="12240">
                       <a:solidFill>
                         <a:srgbClr val="ffffff"/>
                       </a:solidFill>
-                      <a:prstDash val="solid"/>
                     </a:lnR>
                     <a:lnT w="12240">
                       <a:solidFill>
                         <a:srgbClr val="ffffff"/>
                       </a:solidFill>
-                      <a:prstDash val="solid"/>
                     </a:lnT>
                     <a:lnB w="12240">
                       <a:solidFill>
                         <a:srgbClr val="ffffff"/>
                       </a:solidFill>
-                      <a:prstDash val="solid"/>
                     </a:lnB>
                     <a:solidFill>
-                      <a:schemeClr val="accent1">
-                        <a:tint val="20000"/>
-                      </a:schemeClr>
+                      <a:srgbClr val="e9ecf3"/>
                     </a:solidFill>
                   </a:tcPr>
                 </a:tc>
@@ -7425,20 +6733,18 @@
                         <a:lnSpc>
                           <a:spcPct val="100000"/>
                         </a:lnSpc>
+                        <a:buNone/>
                       </a:pPr>
                       <a:r>
                         <a:rPr b="0" lang="en-US" sz="1400" spc="-1" strike="noStrike">
                           <a:solidFill>
-                            <a:schemeClr val="dk1"/>
+                            <a:srgbClr val="000000"/>
                           </a:solidFill>
                           <a:latin typeface="Calibri"/>
                         </a:rPr>
                         <a:t>Yongzhi Wang</a:t>
                       </a:r>
-                      <a:endParaRPr b="0" lang="en-IN" sz="1400" spc="-1" strike="noStrike">
-                        <a:solidFill>
-                          <a:srgbClr val="000000"/>
-                        </a:solidFill>
+                      <a:endParaRPr b="0" lang="en-US" sz="1400" spc="-1" strike="noStrike">
                         <a:latin typeface="Arial"/>
                       </a:endParaRPr>
                     </a:p>
@@ -7448,30 +6754,24 @@
                       <a:solidFill>
                         <a:srgbClr val="ffffff"/>
                       </a:solidFill>
-                      <a:prstDash val="solid"/>
                     </a:lnL>
                     <a:lnR w="12240">
                       <a:solidFill>
                         <a:srgbClr val="ffffff"/>
                       </a:solidFill>
-                      <a:prstDash val="solid"/>
                     </a:lnR>
                     <a:lnT w="12240">
                       <a:solidFill>
                         <a:srgbClr val="ffffff"/>
                       </a:solidFill>
-                      <a:prstDash val="solid"/>
                     </a:lnT>
                     <a:lnB w="12240">
                       <a:solidFill>
                         <a:srgbClr val="ffffff"/>
                       </a:solidFill>
-                      <a:prstDash val="solid"/>
                     </a:lnB>
                     <a:solidFill>
-                      <a:schemeClr val="accent1">
-                        <a:tint val="20000"/>
-                      </a:schemeClr>
+                      <a:srgbClr val="e9ecf3"/>
                     </a:solidFill>
                   </a:tcPr>
                 </a:tc>
@@ -7485,20 +6785,18 @@
                         <a:lnSpc>
                           <a:spcPct val="100000"/>
                         </a:lnSpc>
+                        <a:buNone/>
                       </a:pPr>
                       <a:r>
                         <a:rPr b="0" lang="en-US" sz="1400" spc="-1" strike="noStrike">
                           <a:solidFill>
-                            <a:schemeClr val="dk1"/>
+                            <a:srgbClr val="000000"/>
                           </a:solidFill>
                           <a:latin typeface="Calibri"/>
                         </a:rPr>
                         <a:t>Stack Normalized Neural Networks</a:t>
                       </a:r>
-                      <a:endParaRPr b="0" lang="en-IN" sz="1400" spc="-1" strike="noStrike">
-                        <a:solidFill>
-                          <a:srgbClr val="000000"/>
-                        </a:solidFill>
+                      <a:endParaRPr b="0" lang="en-US" sz="1400" spc="-1" strike="noStrike">
                         <a:latin typeface="Arial"/>
                       </a:endParaRPr>
                     </a:p>
@@ -7507,11 +6805,9 @@
                         <a:lnSpc>
                           <a:spcPct val="100000"/>
                         </a:lnSpc>
+                        <a:buNone/>
                       </a:pPr>
-                      <a:endParaRPr b="0" lang="en-IN" sz="1400" spc="-1" strike="noStrike">
-                        <a:solidFill>
-                          <a:srgbClr val="000000"/>
-                        </a:solidFill>
+                      <a:endParaRPr b="0" lang="en-US" sz="1400" spc="-1" strike="noStrike">
                         <a:latin typeface="Arial"/>
                       </a:endParaRPr>
                     </a:p>
@@ -7520,11 +6816,12 @@
                         <a:lnSpc>
                           <a:spcPct val="100000"/>
                         </a:lnSpc>
+                        <a:buNone/>
                       </a:pPr>
                       <a:r>
                         <a:rPr b="0" lang="en-US" sz="1400" spc="-1" strike="noStrike" u="sng">
                           <a:solidFill>
-                            <a:schemeClr val="dk1"/>
+                            <a:srgbClr val="0000ff"/>
                           </a:solidFill>
                           <a:uFillTx/>
                           <a:latin typeface="Calibri"/>
@@ -7532,10 +6829,7 @@
                         </a:rPr>
                         <a:t>Link</a:t>
                       </a:r>
-                      <a:endParaRPr b="0" lang="en-IN" sz="1400" spc="-1" strike="noStrike">
-                        <a:solidFill>
-                          <a:srgbClr val="000000"/>
-                        </a:solidFill>
+                      <a:endParaRPr b="0" lang="en-US" sz="1400" spc="-1" strike="noStrike">
                         <a:latin typeface="Arial"/>
                       </a:endParaRPr>
                     </a:p>
@@ -7545,30 +6839,251 @@
                       <a:solidFill>
                         <a:srgbClr val="ffffff"/>
                       </a:solidFill>
-                      <a:prstDash val="solid"/>
                     </a:lnL>
                     <a:lnR w="12240">
                       <a:solidFill>
                         <a:srgbClr val="ffffff"/>
                       </a:solidFill>
-                      <a:prstDash val="solid"/>
+                    </a:lnR>
+                    <a:lnT>
+                      <a:noFill/>
+                    </a:lnT>
+                    <a:lnB w="12240">
+                      <a:solidFill>
+                        <a:srgbClr val="ffffff"/>
+                      </a:solidFill>
+                    </a:lnB>
+                    <a:solidFill>
+                      <a:srgbClr val="e9ecf3"/>
+                    </a:solidFill>
+                  </a:tcPr>
+                </a:tc>
+              </a:tr>
+              <a:tr h="1674360">
+                <a:tc>
+                  <a:txBody>
+                    <a:bodyPr anchor="t">
+                      <a:noAutofit/>
+                    </a:bodyPr>
+                    <a:p>
+                      <a:pPr>
+                        <a:lnSpc>
+                          <a:spcPct val="100000"/>
+                        </a:lnSpc>
+                        <a:buNone/>
+                      </a:pPr>
+                      <a:r>
+                        <a:rPr b="0" lang="en-US" sz="1400" spc="-1" strike="noStrike">
+                          <a:latin typeface="Calibri"/>
+                        </a:rPr>
+                        <a:t>Phase Neural Operator for Multi-Station Picking of Seismic Arrivals</a:t>
+                      </a:r>
+                      <a:endParaRPr b="0" lang="en-US" sz="1400" spc="-1" strike="noStrike">
+                        <a:latin typeface="Arial"/>
+                      </a:endParaRPr>
+                    </a:p>
+                  </a:txBody>
+                  <a:tcPr anchor="t" marL="91440" marR="91440">
+                    <a:lnL w="12240">
+                      <a:solidFill>
+                        <a:srgbClr val="ffffff"/>
+                      </a:solidFill>
+                    </a:lnL>
+                    <a:lnR w="12240">
+                      <a:solidFill>
+                        <a:srgbClr val="ffffff"/>
+                      </a:solidFill>
                     </a:lnR>
                     <a:lnT w="12240">
                       <a:solidFill>
                         <a:srgbClr val="ffffff"/>
                       </a:solidFill>
-                      <a:prstDash val="solid"/>
                     </a:lnT>
                     <a:lnB w="12240">
                       <a:solidFill>
                         <a:srgbClr val="ffffff"/>
                       </a:solidFill>
-                      <a:prstDash val="solid"/>
                     </a:lnB>
                     <a:solidFill>
-                      <a:schemeClr val="accent1">
-                        <a:tint val="20000"/>
-                      </a:schemeClr>
+                      <a:srgbClr val="e9ecf3"/>
+                    </a:solidFill>
+                  </a:tcPr>
+                </a:tc>
+                <a:tc>
+                  <a:txBody>
+                    <a:bodyPr anchor="t">
+                      <a:noAutofit/>
+                    </a:bodyPr>
+                    <a:p>
+                      <a:pPr>
+                        <a:lnSpc>
+                          <a:spcPct val="100000"/>
+                        </a:lnSpc>
+                        <a:buNone/>
+                      </a:pPr>
+                      <a:r>
+                        <a:rPr b="0" lang="en-US" sz="1400" spc="-1" strike="noStrike">
+                          <a:latin typeface="Arial"/>
+                        </a:rPr>
+                        <a:t>2023</a:t>
+                      </a:r>
+                      <a:endParaRPr b="0" lang="en-US" sz="1400" spc="-1" strike="noStrike">
+                        <a:latin typeface="Arial"/>
+                      </a:endParaRPr>
+                    </a:p>
+                  </a:txBody>
+                  <a:tcPr anchor="t" marL="91440" marR="91440">
+                    <a:lnL w="12240">
+                      <a:solidFill>
+                        <a:srgbClr val="ffffff"/>
+                      </a:solidFill>
+                    </a:lnL>
+                    <a:lnR w="12240">
+                      <a:solidFill>
+                        <a:srgbClr val="ffffff"/>
+                      </a:solidFill>
+                    </a:lnR>
+                    <a:lnT w="12240">
+                      <a:solidFill>
+                        <a:srgbClr val="ffffff"/>
+                      </a:solidFill>
+                    </a:lnT>
+                    <a:lnB w="12240">
+                      <a:solidFill>
+                        <a:srgbClr val="ffffff"/>
+                      </a:solidFill>
+                    </a:lnB>
+                    <a:solidFill>
+                      <a:srgbClr val="e9ecf3"/>
+                    </a:solidFill>
+                  </a:tcPr>
+                </a:tc>
+                <a:tc>
+                  <a:txBody>
+                    <a:bodyPr anchor="t">
+                      <a:noAutofit/>
+                    </a:bodyPr>
+                    <a:p>
+                      <a:pPr>
+                        <a:lnSpc>
+                          <a:spcPct val="100000"/>
+                        </a:lnSpc>
+                        <a:buNone/>
+                      </a:pPr>
+                      <a:r>
+                        <a:rPr b="0" lang="en-US" sz="1400" spc="-1" strike="noStrike">
+                          <a:latin typeface="Calibri"/>
+                        </a:rPr>
+                        <a:t>Hongyu Sun</a:t>
+                      </a:r>
+                      <a:endParaRPr b="0" lang="en-US" sz="1400" spc="-1" strike="noStrike">
+                        <a:latin typeface="Arial"/>
+                      </a:endParaRPr>
+                    </a:p>
+                  </a:txBody>
+                  <a:tcPr anchor="t" marL="91440" marR="91440">
+                    <a:lnL w="12240">
+                      <a:solidFill>
+                        <a:srgbClr val="ffffff"/>
+                      </a:solidFill>
+                    </a:lnL>
+                    <a:lnR w="12240">
+                      <a:solidFill>
+                        <a:srgbClr val="ffffff"/>
+                      </a:solidFill>
+                    </a:lnR>
+                    <a:lnT w="12240">
+                      <a:solidFill>
+                        <a:srgbClr val="ffffff"/>
+                      </a:solidFill>
+                    </a:lnT>
+                    <a:lnB w="12240">
+                      <a:solidFill>
+                        <a:srgbClr val="ffffff"/>
+                      </a:solidFill>
+                    </a:lnB>
+                    <a:solidFill>
+                      <a:srgbClr val="e9ecf3"/>
+                    </a:solidFill>
+                  </a:tcPr>
+                </a:tc>
+                <a:tc>
+                  <a:txBody>
+                    <a:bodyPr anchor="t">
+                      <a:noAutofit/>
+                    </a:bodyPr>
+                    <a:p>
+                      <a:pPr>
+                        <a:lnSpc>
+                          <a:spcPct val="100000"/>
+                        </a:lnSpc>
+                        <a:buNone/>
+                      </a:pPr>
+                      <a:r>
+                        <a:rPr b="0" lang="en-US" sz="1400" spc="-1" strike="noStrike">
+                          <a:latin typeface="Calibri"/>
+                        </a:rPr>
+                        <a:t>Deep Neural Networks</a:t>
+                      </a:r>
+                      <a:endParaRPr b="0" lang="en-US" sz="1400" spc="-1" strike="noStrike">
+                        <a:latin typeface="Arial"/>
+                      </a:endParaRPr>
+                    </a:p>
+                    <a:p>
+                      <a:pPr>
+                        <a:lnSpc>
+                          <a:spcPct val="100000"/>
+                        </a:lnSpc>
+                        <a:buNone/>
+                      </a:pPr>
+                      <a:endParaRPr b="0" lang="en-US" sz="1400" spc="-1" strike="noStrike">
+                        <a:latin typeface="Arial"/>
+                      </a:endParaRPr>
+                    </a:p>
+                    <a:p>
+                      <a:pPr>
+                        <a:lnSpc>
+                          <a:spcPct val="100000"/>
+                        </a:lnSpc>
+                        <a:buNone/>
+                      </a:pPr>
+                      <a:r>
+                        <a:rPr b="0" lang="en-US" sz="1400" spc="-1" strike="noStrike" u="sng">
+                          <a:solidFill>
+                            <a:srgbClr val="0000ff"/>
+                          </a:solidFill>
+                          <a:uFillTx/>
+                          <a:latin typeface="Calibri"/>
+                          <a:hlinkClick r:id="rId3"/>
+                        </a:rPr>
+                        <a:t>Link</a:t>
+                      </a:r>
+                      <a:endParaRPr b="0" lang="en-US" sz="1400" spc="-1" strike="noStrike">
+                        <a:latin typeface="Arial"/>
+                      </a:endParaRPr>
+                    </a:p>
+                  </a:txBody>
+                  <a:tcPr anchor="t" marL="91440" marR="91440">
+                    <a:lnL w="12240">
+                      <a:solidFill>
+                        <a:srgbClr val="ffffff"/>
+                      </a:solidFill>
+                    </a:lnL>
+                    <a:lnR w="12240">
+                      <a:solidFill>
+                        <a:srgbClr val="ffffff"/>
+                      </a:solidFill>
+                    </a:lnR>
+                    <a:lnT>
+                      <a:noFill/>
+                    </a:lnT>
+                    <a:lnB w="12240">
+                      <a:solidFill>
+                        <a:srgbClr val="ffffff"/>
+                      </a:solidFill>
+                    </a:lnB>
+                    <a:solidFill>
+                      <a:srgbClr val="e9ecf3"/>
                     </a:solidFill>
                   </a:tcPr>
                 </a:tc>
@@ -7620,7 +7135,7 @@
         <p:spPr>
           <a:xfrm>
             <a:off x="457200" y="274680"/>
-            <a:ext cx="8227080" cy="1140480"/>
+            <a:ext cx="8226000" cy="1139400"/>
           </a:xfrm>
           <a:prstGeom prst="rect">
             <a:avLst/>
@@ -7631,11 +7146,11 @@
           </a:ln>
         </p:spPr>
         <p:txBody>
-          <a:bodyPr lIns="91440" rIns="91440" tIns="45720" bIns="45720" anchor="ctr">
+          <a:bodyPr lIns="0" rIns="0" tIns="0" bIns="0" anchor="ctr">
             <a:noAutofit/>
           </a:bodyPr>
           <a:p>
-            <a:pPr indent="0" algn="ctr" defTabSz="914400">
+            <a:pPr algn="ctr">
               <a:lnSpc>
                 <a:spcPct val="100000"/>
               </a:lnSpc>
@@ -7647,16 +7162,13 @@
             <a:r>
               <a:rPr b="0" lang="en-US" sz="4400" spc="-1" strike="noStrike">
                 <a:solidFill>
-                  <a:schemeClr val="dk1"/>
+                  <a:srgbClr val="000000"/>
                 </a:solidFill>
                 <a:latin typeface="Times New Roman"/>
               </a:rPr>
               <a:t>Summary of Literature</a:t>
             </a:r>
-            <a:endParaRPr b="0" lang="en-IN" sz="4400" spc="-1" strike="noStrike">
-              <a:solidFill>
-                <a:srgbClr val="000000"/>
-              </a:solidFill>
+            <a:endParaRPr b="0" lang="en-US" sz="4400" spc="-1" strike="noStrike">
               <a:latin typeface="Arial"/>
             </a:endParaRPr>
           </a:p>
@@ -7675,7 +7187,7 @@
         <p:spPr>
           <a:xfrm>
             <a:off x="360000" y="1095120"/>
-            <a:ext cx="8227080" cy="4523400"/>
+            <a:ext cx="8226000" cy="4522320"/>
           </a:xfrm>
           <a:prstGeom prst="rect">
             <a:avLst/>
@@ -7686,11 +7198,11 @@
           </a:ln>
         </p:spPr>
         <p:txBody>
-          <a:bodyPr lIns="91440" rIns="91440" tIns="45720" bIns="45720" anchor="t">
+          <a:bodyPr lIns="0" rIns="0" tIns="0" bIns="0" anchor="t">
             <a:normAutofit/>
           </a:bodyPr>
           <a:p>
-            <a:pPr marL="343080" indent="0" algn="just" defTabSz="914400">
+            <a:pPr marL="343080" algn="just">
               <a:lnSpc>
                 <a:spcPct val="100000"/>
               </a:lnSpc>
@@ -7702,15 +7214,12 @@
                 <a:tab algn="l" pos="0"/>
               </a:tabLst>
             </a:pPr>
-            <a:endParaRPr b="0" lang="en-IN" sz="3200" spc="-1" strike="noStrike">
-              <a:solidFill>
-                <a:srgbClr val="000000"/>
-              </a:solidFill>
-              <a:latin typeface="Arial"/>
-            </a:endParaRPr>
-          </a:p>
-          <a:p>
-            <a:pPr marL="343080" indent="-324000" algn="just" defTabSz="914400">
+            <a:endParaRPr b="0" lang="en-US" sz="3200" spc="-1" strike="noStrike">
+              <a:latin typeface="Arial"/>
+            </a:endParaRPr>
+          </a:p>
+          <a:p>
+            <a:pPr marL="343080" indent="-324000" algn="just">
               <a:lnSpc>
                 <a:spcPct val="100000"/>
               </a:lnSpc>
@@ -7730,21 +7239,18 @@
             <a:r>
               <a:rPr b="0" lang="en-US" sz="3200" spc="-1" strike="noStrike" baseline="33000">
                 <a:solidFill>
-                  <a:schemeClr val="dk1"/>
+                  <a:srgbClr val="000000"/>
                 </a:solidFill>
                 <a:latin typeface="Calibri"/>
               </a:rPr>
               <a:t>Research published by Manuel Titos introduces the application of recurrent neural networks (RNN), long short-term memory (LSTM), and gated recurrent unit (GRU) models for detecting and classifying continuous volcano-seismic signals. </a:t>
             </a:r>
-            <a:endParaRPr b="0" lang="en-IN" sz="3200" spc="-1" strike="noStrike">
-              <a:solidFill>
-                <a:srgbClr val="000000"/>
-              </a:solidFill>
-              <a:latin typeface="Arial"/>
-            </a:endParaRPr>
-          </a:p>
-          <a:p>
-            <a:pPr marL="343080" indent="-324000" algn="just" defTabSz="914400">
+            <a:endParaRPr b="0" lang="en-US" sz="3200" spc="-1" strike="noStrike">
+              <a:latin typeface="Arial"/>
+            </a:endParaRPr>
+          </a:p>
+          <a:p>
+            <a:pPr marL="343080" indent="-324000" algn="just">
               <a:lnSpc>
                 <a:spcPct val="100000"/>
               </a:lnSpc>
@@ -7764,16 +7270,13 @@
             <a:r>
               <a:rPr b="0" lang="en-US" sz="3200" spc="-1" strike="noStrike" baseline="33000">
                 <a:solidFill>
-                  <a:schemeClr val="dk1"/>
+                  <a:srgbClr val="000000"/>
                 </a:solidFill>
                 <a:latin typeface="Calibri"/>
               </a:rPr>
               <a:t>Research published by Yongzhi Wang explored the use of stack normalized recurrent neural networks to estimate the impact and depth of a seismic event given a latitude and longitude.</a:t>
             </a:r>
-            <a:endParaRPr b="0" lang="en-IN" sz="3200" spc="-1" strike="noStrike">
-              <a:solidFill>
-                <a:srgbClr val="000000"/>
-              </a:solidFill>
+            <a:endParaRPr b="0" lang="en-US" sz="3200" spc="-1" strike="noStrike">
               <a:latin typeface="Arial"/>
             </a:endParaRPr>
           </a:p>
@@ -7822,7 +7325,7 @@
         <p:spPr>
           <a:xfrm>
             <a:off x="457200" y="274680"/>
-            <a:ext cx="8227080" cy="1140480"/>
+            <a:ext cx="8226000" cy="1139400"/>
           </a:xfrm>
           <a:prstGeom prst="rect">
             <a:avLst/>
@@ -7833,11 +7336,11 @@
           </a:ln>
         </p:spPr>
         <p:txBody>
-          <a:bodyPr lIns="91440" rIns="91440" tIns="45720" bIns="45720" anchor="ctr">
+          <a:bodyPr lIns="0" rIns="0" tIns="0" bIns="0" anchor="ctr">
             <a:normAutofit/>
           </a:bodyPr>
           <a:p>
-            <a:pPr indent="0" algn="ctr" defTabSz="914400">
+            <a:pPr algn="ctr">
               <a:lnSpc>
                 <a:spcPct val="150000"/>
               </a:lnSpc>
@@ -7849,16 +7352,13 @@
             <a:r>
               <a:rPr b="0" lang="en-IN" sz="4400" spc="-1" strike="noStrike">
                 <a:solidFill>
-                  <a:schemeClr val="dk1"/>
+                  <a:srgbClr val="000000"/>
                 </a:solidFill>
                 <a:latin typeface="Times New Roman"/>
               </a:rPr>
               <a:t>Proposed System </a:t>
             </a:r>
-            <a:endParaRPr b="0" lang="en-IN" sz="4400" spc="-1" strike="noStrike">
-              <a:solidFill>
-                <a:srgbClr val="000000"/>
-              </a:solidFill>
+            <a:endParaRPr b="0" lang="en-US" sz="4400" spc="-1" strike="noStrike">
               <a:latin typeface="Arial"/>
             </a:endParaRPr>
           </a:p>
@@ -7877,7 +7377,7 @@
         <p:spPr>
           <a:xfrm>
             <a:off x="360000" y="1800000"/>
-            <a:ext cx="8227080" cy="4523400"/>
+            <a:ext cx="8226000" cy="4522320"/>
           </a:xfrm>
           <a:prstGeom prst="rect">
             <a:avLst/>
@@ -7888,11 +7388,11 @@
           </a:ln>
         </p:spPr>
         <p:txBody>
-          <a:bodyPr lIns="91440" rIns="91440" tIns="45720" bIns="45720" anchor="t">
-            <a:normAutofit fontScale="87222" lnSpcReduction="10000"/>
+          <a:bodyPr lIns="0" rIns="0" tIns="0" bIns="0" anchor="t">
+            <a:normAutofit fontScale="94000"/>
           </a:bodyPr>
           <a:p>
-            <a:pPr marL="343080" indent="-324000" algn="just" defTabSz="914400">
+            <a:pPr marL="343080" indent="-324000" algn="just">
               <a:lnSpc>
                 <a:spcPct val="100000"/>
               </a:lnSpc>
@@ -7912,21 +7412,18 @@
             <a:r>
               <a:rPr b="0" lang="en-US" sz="3200" spc="-1" strike="noStrike" baseline="33000">
                 <a:solidFill>
-                  <a:schemeClr val="dk1"/>
+                  <a:srgbClr val="000000"/>
                 </a:solidFill>
                 <a:latin typeface="Calibri"/>
               </a:rPr>
               <a:t>Integrates hardware components, including the Raspberry Pi 5, MPU-6050 accelerometer module, and 2.4GHz (ISM band) antenna to create a seismic monitoring solution. </a:t>
             </a:r>
-            <a:endParaRPr b="0" lang="en-IN" sz="3200" spc="-1" strike="noStrike">
-              <a:solidFill>
-                <a:srgbClr val="000000"/>
-              </a:solidFill>
-              <a:latin typeface="Arial"/>
-            </a:endParaRPr>
-          </a:p>
-          <a:p>
-            <a:pPr marL="343080" indent="-324000" algn="just" defTabSz="914400">
+            <a:endParaRPr b="0" lang="en-US" sz="3200" spc="-1" strike="noStrike">
+              <a:latin typeface="Arial"/>
+            </a:endParaRPr>
+          </a:p>
+          <a:p>
+            <a:pPr marL="343080" indent="-324000" algn="just">
               <a:lnSpc>
                 <a:spcPct val="100000"/>
               </a:lnSpc>
@@ -7946,7 +7443,7 @@
             <a:r>
               <a:rPr b="1" lang="en-US" sz="3200" spc="-1" strike="noStrike" baseline="33000">
                 <a:solidFill>
-                  <a:schemeClr val="dk1"/>
+                  <a:srgbClr val="000000"/>
                 </a:solidFill>
                 <a:latin typeface="Calibri"/>
               </a:rPr>
@@ -7955,21 +7452,18 @@
             <a:r>
               <a:rPr b="0" lang="en-US" sz="3200" spc="-1" strike="noStrike" baseline="33000">
                 <a:solidFill>
-                  <a:schemeClr val="dk1"/>
+                  <a:srgbClr val="000000"/>
                 </a:solidFill>
                 <a:latin typeface="Calibri"/>
               </a:rPr>
               <a:t>serves as the central processing unit, providing computational power and connectivity for data analysis and transmission. Its compact size and low power consumption make it ideal for deployment in portable monitoring systems. </a:t>
             </a:r>
-            <a:endParaRPr b="0" lang="en-IN" sz="3200" spc="-1" strike="noStrike">
-              <a:solidFill>
-                <a:srgbClr val="000000"/>
-              </a:solidFill>
-              <a:latin typeface="Arial"/>
-            </a:endParaRPr>
-          </a:p>
-          <a:p>
-            <a:pPr marL="343080" indent="-324000" algn="just" defTabSz="914400">
+            <a:endParaRPr b="0" lang="en-US" sz="3200" spc="-1" strike="noStrike">
+              <a:latin typeface="Arial"/>
+            </a:endParaRPr>
+          </a:p>
+          <a:p>
+            <a:pPr marL="343080" indent="-324000" algn="just">
               <a:lnSpc>
                 <a:spcPct val="100000"/>
               </a:lnSpc>
@@ -7989,7 +7483,7 @@
             <a:r>
               <a:rPr b="1" lang="en-US" sz="3200" spc="-1" strike="noStrike" baseline="33000">
                 <a:solidFill>
-                  <a:schemeClr val="dk1"/>
+                  <a:srgbClr val="000000"/>
                 </a:solidFill>
                 <a:latin typeface="Calibri"/>
               </a:rPr>
@@ -7998,21 +7492,18 @@
             <a:r>
               <a:rPr b="0" lang="en-US" sz="3200" spc="-1" strike="noStrike" baseline="33000">
                 <a:solidFill>
-                  <a:schemeClr val="dk1"/>
+                  <a:srgbClr val="000000"/>
                 </a:solidFill>
                 <a:latin typeface="Calibri"/>
               </a:rPr>
               <a:t> module, the system can accurately detect and measure seismic vibrations in multiple axes. </a:t>
             </a:r>
-            <a:endParaRPr b="0" lang="en-IN" sz="3200" spc="-1" strike="noStrike">
-              <a:solidFill>
-                <a:srgbClr val="000000"/>
-              </a:solidFill>
-              <a:latin typeface="Arial"/>
-            </a:endParaRPr>
-          </a:p>
-          <a:p>
-            <a:pPr marL="343080" indent="-324000" algn="just" defTabSz="914400">
+            <a:endParaRPr b="0" lang="en-US" sz="3200" spc="-1" strike="noStrike">
+              <a:latin typeface="Arial"/>
+            </a:endParaRPr>
+          </a:p>
+          <a:p>
+            <a:pPr marL="343080" indent="-324000" algn="just">
               <a:lnSpc>
                 <a:spcPct val="100000"/>
               </a:lnSpc>
@@ -8032,7 +7523,7 @@
             <a:r>
               <a:rPr b="1" lang="en-US" sz="3200" spc="-1" strike="noStrike" baseline="33000">
                 <a:solidFill>
-                  <a:schemeClr val="dk1"/>
+                  <a:srgbClr val="000000"/>
                 </a:solidFill>
                 <a:latin typeface="Calibri"/>
                 <a:ea typeface="Noto Sans CJK SC"/>
@@ -8042,17 +7533,14 @@
             <a:r>
               <a:rPr b="0" lang="en-US" sz="3200" spc="-1" strike="noStrike" baseline="33000">
                 <a:solidFill>
-                  <a:schemeClr val="dk1"/>
+                  <a:srgbClr val="000000"/>
                 </a:solidFill>
                 <a:latin typeface="Calibri"/>
                 <a:ea typeface="Noto Sans CJK SC"/>
               </a:rPr>
               <a:t>facilitates wireless communication between monitoring nodes, enabling real-time data transmission and remote monitoring capabilities upto an optimum range of approximately 200 acres . </a:t>
             </a:r>
-            <a:endParaRPr b="0" lang="en-IN" sz="3200" spc="-1" strike="noStrike">
-              <a:solidFill>
-                <a:srgbClr val="000000"/>
-              </a:solidFill>
+            <a:endParaRPr b="0" lang="en-US" sz="3200" spc="-1" strike="noStrike">
               <a:latin typeface="Arial"/>
             </a:endParaRPr>
           </a:p>
@@ -8101,7 +7589,7 @@
         <p:spPr>
           <a:xfrm>
             <a:off x="457200" y="274680"/>
-            <a:ext cx="8227080" cy="1140480"/>
+            <a:ext cx="8226000" cy="1139400"/>
           </a:xfrm>
           <a:prstGeom prst="rect">
             <a:avLst/>
@@ -8112,11 +7600,11 @@
           </a:ln>
         </p:spPr>
         <p:txBody>
-          <a:bodyPr lIns="91440" rIns="91440" tIns="45720" bIns="45720" anchor="ctr">
+          <a:bodyPr lIns="0" rIns="0" tIns="0" bIns="0" anchor="ctr">
             <a:noAutofit/>
           </a:bodyPr>
           <a:p>
-            <a:pPr indent="0" algn="ctr" defTabSz="914400">
+            <a:pPr algn="ctr">
               <a:lnSpc>
                 <a:spcPct val="100000"/>
               </a:lnSpc>
@@ -8128,16 +7616,13 @@
             <a:r>
               <a:rPr b="0" lang="en-US" sz="4400" spc="-1" strike="noStrike">
                 <a:solidFill>
-                  <a:schemeClr val="dk1"/>
+                  <a:srgbClr val="000000"/>
                 </a:solidFill>
                 <a:latin typeface="Times New Roman"/>
               </a:rPr>
               <a:t>Novelty in Proposed System</a:t>
             </a:r>
-            <a:endParaRPr b="0" lang="en-IN" sz="4400" spc="-1" strike="noStrike">
-              <a:solidFill>
-                <a:srgbClr val="000000"/>
-              </a:solidFill>
+            <a:endParaRPr b="0" lang="en-US" sz="4400" spc="-1" strike="noStrike">
               <a:latin typeface="Arial"/>
             </a:endParaRPr>
           </a:p>
@@ -8156,7 +7641,7 @@
         <p:spPr>
           <a:xfrm>
             <a:off x="360000" y="1980000"/>
-            <a:ext cx="8227080" cy="4523400"/>
+            <a:ext cx="8226000" cy="4522320"/>
           </a:xfrm>
           <a:prstGeom prst="rect">
             <a:avLst/>
@@ -8167,11 +7652,11 @@
           </a:ln>
         </p:spPr>
         <p:txBody>
-          <a:bodyPr lIns="91440" rIns="91440" tIns="45720" bIns="45720" anchor="t">
+          <a:bodyPr lIns="0" rIns="0" tIns="0" bIns="0" anchor="t">
             <a:normAutofit/>
           </a:bodyPr>
           <a:p>
-            <a:pPr marL="343080" indent="-324000" algn="just" defTabSz="914400">
+            <a:pPr marL="343080" indent="-324000" algn="just">
               <a:lnSpc>
                 <a:spcPct val="100000"/>
               </a:lnSpc>
@@ -8191,7 +7676,7 @@
             <a:r>
               <a:rPr b="0" lang="en-US" sz="3200" spc="-1" strike="noStrike" baseline="33000">
                 <a:solidFill>
-                  <a:schemeClr val="dk1"/>
+                  <a:srgbClr val="000000"/>
                 </a:solidFill>
                 <a:latin typeface="Calibri"/>
               </a:rPr>
@@ -8200,7 +7685,7 @@
             <a:r>
               <a:rPr b="1" lang="en-US" sz="3200" spc="-1" strike="noStrike" baseline="33000">
                 <a:solidFill>
-                  <a:schemeClr val="dk1"/>
+                  <a:srgbClr val="000000"/>
                 </a:solidFill>
                 <a:latin typeface="Calibri"/>
               </a:rPr>
@@ -8209,21 +7694,18 @@
             <a:r>
               <a:rPr b="0" lang="en-US" sz="3200" spc="-1" strike="noStrike" baseline="33000">
                 <a:solidFill>
-                  <a:schemeClr val="dk1"/>
+                  <a:srgbClr val="000000"/>
                 </a:solidFill>
                 <a:latin typeface="Calibri"/>
               </a:rPr>
               <a:t> sensors. </a:t>
             </a:r>
-            <a:endParaRPr b="0" lang="en-IN" sz="3200" spc="-1" strike="noStrike">
-              <a:solidFill>
-                <a:srgbClr val="000000"/>
-              </a:solidFill>
-              <a:latin typeface="Arial"/>
-            </a:endParaRPr>
-          </a:p>
-          <a:p>
-            <a:pPr marL="343080" indent="-324000" algn="just" defTabSz="914400">
+            <a:endParaRPr b="0" lang="en-US" sz="3200" spc="-1" strike="noStrike">
+              <a:latin typeface="Arial"/>
+            </a:endParaRPr>
+          </a:p>
+          <a:p>
+            <a:pPr marL="343080" indent="-324000" algn="just">
               <a:lnSpc>
                 <a:spcPct val="100000"/>
               </a:lnSpc>
@@ -8243,7 +7725,7 @@
             <a:r>
               <a:rPr b="0" lang="en-US" sz="3200" spc="-1" strike="noStrike" baseline="33000">
                 <a:solidFill>
-                  <a:schemeClr val="dk1"/>
+                  <a:srgbClr val="000000"/>
                 </a:solidFill>
                 <a:latin typeface="Calibri"/>
               </a:rPr>
@@ -8252,7 +7734,7 @@
             <a:r>
               <a:rPr b="1" lang="en-US" sz="3200" spc="-1" strike="noStrike" baseline="33000">
                 <a:solidFill>
-                  <a:schemeClr val="dk1"/>
+                  <a:srgbClr val="000000"/>
                 </a:solidFill>
                 <a:latin typeface="Calibri"/>
               </a:rPr>
@@ -8261,21 +7743,18 @@
             <a:r>
               <a:rPr b="0" lang="en-US" sz="3200" spc="-1" strike="noStrike" baseline="33000">
                 <a:solidFill>
-                  <a:schemeClr val="dk1"/>
+                  <a:srgbClr val="000000"/>
                 </a:solidFill>
                 <a:latin typeface="Calibri"/>
               </a:rPr>
               <a:t> of seismic activity with high accuracy and efficiency, empowering rapid detection and prediction of events.</a:t>
             </a:r>
-            <a:endParaRPr b="0" lang="en-IN" sz="3200" spc="-1" strike="noStrike">
-              <a:solidFill>
-                <a:srgbClr val="000000"/>
-              </a:solidFill>
-              <a:latin typeface="Arial"/>
-            </a:endParaRPr>
-          </a:p>
-          <a:p>
-            <a:pPr marL="343080" indent="-324000" algn="just" defTabSz="914400">
+            <a:endParaRPr b="0" lang="en-US" sz="3200" spc="-1" strike="noStrike">
+              <a:latin typeface="Arial"/>
+            </a:endParaRPr>
+          </a:p>
+          <a:p>
+            <a:pPr marL="343080" indent="-324000" algn="just">
               <a:lnSpc>
                 <a:spcPct val="100000"/>
               </a:lnSpc>
@@ -8295,7 +7774,7 @@
             <a:r>
               <a:rPr b="0" lang="en-US" sz="3200" spc="-1" strike="noStrike" baseline="33000">
                 <a:solidFill>
-                  <a:schemeClr val="dk1"/>
+                  <a:srgbClr val="000000"/>
                 </a:solidFill>
                 <a:latin typeface="Calibri"/>
               </a:rPr>
@@ -8304,7 +7783,7 @@
             <a:r>
               <a:rPr b="1" lang="en-US" sz="3200" spc="-1" strike="noStrike" baseline="33000">
                 <a:solidFill>
-                  <a:schemeClr val="dk1"/>
+                  <a:srgbClr val="000000"/>
                 </a:solidFill>
                 <a:latin typeface="Calibri"/>
               </a:rPr>
@@ -8313,16 +7792,13 @@
             <a:r>
               <a:rPr b="0" lang="en-US" sz="3200" spc="-1" strike="noStrike" baseline="33000">
                 <a:solidFill>
-                  <a:schemeClr val="dk1"/>
+                  <a:srgbClr val="000000"/>
                 </a:solidFill>
                 <a:latin typeface="Calibri"/>
               </a:rPr>
               <a:t> efforts, particularly in disaster management scenarios.</a:t>
             </a:r>
-            <a:endParaRPr b="0" lang="en-IN" sz="3200" spc="-1" strike="noStrike">
-              <a:solidFill>
-                <a:srgbClr val="000000"/>
-              </a:solidFill>
+            <a:endParaRPr b="0" lang="en-US" sz="3200" spc="-1" strike="noStrike">
               <a:latin typeface="Arial"/>
             </a:endParaRPr>
           </a:p>
@@ -8342,14 +7818,14 @@
 </file>
 
 <file path=ppt/theme/theme1.xml><?xml version="1.0" encoding="utf-8"?>
-<a:theme xmlns:a="http://schemas.openxmlformats.org/drawingml/2006/main" xmlns:r="http://schemas.openxmlformats.org/officeDocument/2006/relationships" name="Office Theme">
+<a:theme xmlns:a="http://schemas.openxmlformats.org/drawingml/2006/main" name="Office Theme">
   <a:themeElements>
     <a:clrScheme name="Office">
       <a:dk1>
-        <a:srgbClr val="000000"/>
+        <a:sysClr val="windowText" lastClr="000000"/>
       </a:dk1>
       <a:lt1>
-        <a:srgbClr val="ffffff"/>
+        <a:sysClr val="window" lastClr="FFFFFF"/>
       </a:lt1>
       <a:dk2>
         <a:srgbClr val="1f497d"/>
@@ -8384,131 +7860,182 @@
     </a:clrScheme>
     <a:fontScheme name="Office">
       <a:majorFont>
-        <a:latin typeface="Calibri" pitchFamily="0" charset="1"/>
-        <a:ea typeface=""/>
-        <a:cs typeface=""/>
+        <a:latin typeface="Arial"/>
+        <a:ea typeface="DejaVu Sans"/>
+        <a:cs typeface="DejaVu Sans"/>
       </a:majorFont>
       <a:minorFont>
-        <a:latin typeface="Calibri" pitchFamily="0" charset="1"/>
-        <a:ea typeface=""/>
-        <a:cs typeface=""/>
+        <a:latin typeface="Arial"/>
+        <a:ea typeface="DejaVu Sans"/>
+        <a:cs typeface="DejaVu Sans"/>
       </a:minorFont>
     </a:fontScheme>
-    <a:fmtScheme>
+    <a:fmtScheme name="Office">
       <a:fillStyleLst>
         <a:solidFill>
           <a:schemeClr val="phClr"/>
         </a:solidFill>
-        <a:gradFill>
+        <a:gradFill rotWithShape="1">
           <a:gsLst>
             <a:gs pos="0">
               <a:schemeClr val="phClr">
                 <a:tint val="50000"/>
+                <a:satMod val="300000"/>
               </a:schemeClr>
             </a:gs>
             <a:gs pos="35000">
               <a:schemeClr val="phClr">
                 <a:tint val="37000"/>
+                <a:satMod val="300000"/>
               </a:schemeClr>
             </a:gs>
             <a:gs pos="100000">
               <a:schemeClr val="phClr">
                 <a:tint val="15000"/>
+                <a:satMod val="350000"/>
               </a:schemeClr>
             </a:gs>
           </a:gsLst>
           <a:lin ang="16200000" scaled="1"/>
-          <a:tileRect l="0" t="0" r="0" b="0"/>
         </a:gradFill>
-        <a:gradFill>
+        <a:gradFill rotWithShape="1">
           <a:gsLst>
             <a:gs pos="0">
               <a:schemeClr val="phClr">
                 <a:shade val="51000"/>
+                <a:satMod val="130000"/>
               </a:schemeClr>
             </a:gs>
             <a:gs pos="80000">
               <a:schemeClr val="phClr">
                 <a:shade val="93000"/>
+                <a:satMod val="130000"/>
               </a:schemeClr>
             </a:gs>
             <a:gs pos="100000">
               <a:schemeClr val="phClr">
                 <a:shade val="94000"/>
+                <a:satMod val="135000"/>
               </a:schemeClr>
             </a:gs>
           </a:gsLst>
           <a:lin ang="16200000" scaled="0"/>
-          <a:tileRect l="0" t="0" r="0" b="0"/>
         </a:gradFill>
       </a:fillStyleLst>
       <a:lnStyleLst>
         <a:ln w="9525" cap="flat" cmpd="sng" algn="ctr">
+          <a:solidFill>
+            <a:schemeClr val="phClr">
+              <a:shade val="95000"/>
+              <a:satMod val="105000"/>
+            </a:schemeClr>
+          </a:solidFill>
           <a:prstDash val="solid"/>
+          <a:miter/>
         </a:ln>
         <a:ln w="25400" cap="flat" cmpd="sng" algn="ctr">
+          <a:solidFill>
+            <a:schemeClr val="phClr"/>
+          </a:solidFill>
           <a:prstDash val="solid"/>
+          <a:miter/>
         </a:ln>
         <a:ln w="38100" cap="flat" cmpd="sng" algn="ctr">
+          <a:solidFill>
+            <a:schemeClr val="phClr"/>
+          </a:solidFill>
           <a:prstDash val="solid"/>
+          <a:miter/>
         </a:ln>
       </a:lnStyleLst>
       <a:effectStyleLst>
         <a:effectStyle>
-          <a:effectLst/>
+          <a:effectLst>
+            <a:outerShdw blurRad="40000" dist="20000" dir="5400000" rotWithShape="0">
+              <a:srgbClr val="000000">
+                <a:alpha val="38000"/>
+              </a:srgbClr>
+            </a:outerShdw>
+          </a:effectLst>
         </a:effectStyle>
         <a:effectStyle>
-          <a:effectLst/>
+          <a:effectLst>
+            <a:outerShdw blurRad="40000" dist="23000" dir="5400000" rotWithShape="0">
+              <a:srgbClr val="000000">
+                <a:alpha val="35000"/>
+              </a:srgbClr>
+            </a:outerShdw>
+          </a:effectLst>
         </a:effectStyle>
         <a:effectStyle>
-          <a:effectLst/>
+          <a:effectLst>
+            <a:outerShdw blurRad="40000" dist="23000" dir="5400000" rotWithShape="0">
+              <a:srgbClr val="000000">
+                <a:alpha val="35000"/>
+              </a:srgbClr>
+            </a:outerShdw>
+          </a:effectLst>
+          <a:scene3d>
+            <a:camera prst="orthographicFront">
+              <a:rot lat="0" lon="0" rev="0"/>
+            </a:camera>
+            <a:lightRig rig="threePt" dir="t">
+              <a:rot lat="0" lon="0" rev="1200000"/>
+            </a:lightRig>
+          </a:scene3d>
+          <a:sp3d>
+            <a:bevelT w="63500" h="25400"/>
+          </a:sp3d>
         </a:effectStyle>
       </a:effectStyleLst>
       <a:bgFillStyleLst>
         <a:solidFill>
           <a:schemeClr val="phClr"/>
         </a:solidFill>
-        <a:gradFill>
+        <a:gradFill rotWithShape="1">
           <a:gsLst>
             <a:gs pos="0">
               <a:schemeClr val="phClr">
                 <a:tint val="40000"/>
+                <a:satMod val="350000"/>
               </a:schemeClr>
             </a:gs>
             <a:gs pos="40000">
               <a:schemeClr val="phClr">
                 <a:tint val="45000"/>
                 <a:shade val="99000"/>
+                <a:satMod val="350000"/>
               </a:schemeClr>
             </a:gs>
             <a:gs pos="100000">
               <a:schemeClr val="phClr">
                 <a:shade val="20000"/>
+                <a:satMod val="255000"/>
               </a:schemeClr>
             </a:gs>
           </a:gsLst>
           <a:path path="circle">
             <a:fillToRect l="50000" t="-80000" r="50000" b="180000"/>
           </a:path>
-          <a:tileRect l="0" t="0" r="0" b="0"/>
         </a:gradFill>
-        <a:gradFill>
+        <a:gradFill rotWithShape="1">
           <a:gsLst>
             <a:gs pos="0">
               <a:schemeClr val="phClr">
                 <a:tint val="80000"/>
+                <a:satMod val="300000"/>
               </a:schemeClr>
             </a:gs>
             <a:gs pos="100000">
               <a:schemeClr val="phClr">
                 <a:shade val="30000"/>
+                <a:satMod val="200000"/>
               </a:schemeClr>
             </a:gs>
           </a:gsLst>
           <a:path path="circle">
             <a:fillToRect l="50000" t="50000" r="50000" b="50000"/>
           </a:path>
-          <a:tileRect l="0" t="0" r="0" b="0"/>
         </a:gradFill>
       </a:bgFillStyleLst>
     </a:fmtScheme>
@@ -8516,106 +8043,226 @@
 </a:theme>
 </file>
 
-<file path=ppt/theme/theme13.xml><?xml version="1.0" encoding="utf-8"?>
-<a:theme xmlns:a="http://schemas.openxmlformats.org/drawingml/2006/main" xmlns:r="http://schemas.openxmlformats.org/officeDocument/2006/relationships" name="Office Theme">
+<file path=ppt/theme/theme2.xml><?xml version="1.0" encoding="utf-8"?>
+<a:theme xmlns:a="http://schemas.openxmlformats.org/drawingml/2006/main" name="Office Theme">
   <a:themeElements>
-    <a:clrScheme name="LibreOffice">
+    <a:clrScheme name="Office">
       <a:dk1>
-        <a:srgbClr val="000000"/>
+        <a:sysClr val="windowText" lastClr="000000"/>
       </a:dk1>
       <a:lt1>
-        <a:srgbClr val="ffffff"/>
+        <a:sysClr val="window" lastClr="FFFFFF"/>
       </a:lt1>
       <a:dk2>
-        <a:srgbClr val="000000"/>
+        <a:srgbClr val="1f497d"/>
       </a:dk2>
       <a:lt2>
-        <a:srgbClr val="ffffff"/>
+        <a:srgbClr val="eeece1"/>
       </a:lt2>
       <a:accent1>
-        <a:srgbClr val="18a303"/>
+        <a:srgbClr val="4f81bd"/>
       </a:accent1>
       <a:accent2>
-        <a:srgbClr val="0369a3"/>
+        <a:srgbClr val="c0504d"/>
       </a:accent2>
       <a:accent3>
-        <a:srgbClr val="a33e03"/>
+        <a:srgbClr val="9bbb59"/>
       </a:accent3>
       <a:accent4>
-        <a:srgbClr val="8e03a3"/>
+        <a:srgbClr val="8064a2"/>
       </a:accent4>
       <a:accent5>
-        <a:srgbClr val="c99c00"/>
+        <a:srgbClr val="4bacc6"/>
       </a:accent5>
       <a:accent6>
-        <a:srgbClr val="c9211e"/>
+        <a:srgbClr val="f79646"/>
       </a:accent6>
       <a:hlink>
-        <a:srgbClr val="0000ee"/>
+        <a:srgbClr val="0000ff"/>
       </a:hlink>
       <a:folHlink>
-        <a:srgbClr val="551a8b"/>
+        <a:srgbClr val="800080"/>
       </a:folHlink>
     </a:clrScheme>
     <a:fontScheme name="Office">
       <a:majorFont>
-        <a:latin typeface="Arial" pitchFamily="0" charset="1"/>
-        <a:ea typeface="DejaVu Sans" pitchFamily="0" charset="1"/>
-        <a:cs typeface="DejaVu Sans" pitchFamily="0" charset="1"/>
+        <a:latin typeface="Arial"/>
+        <a:ea typeface="DejaVu Sans"/>
+        <a:cs typeface="DejaVu Sans"/>
       </a:majorFont>
       <a:minorFont>
-        <a:latin typeface="Arial" pitchFamily="0" charset="1"/>
-        <a:ea typeface="DejaVu Sans" pitchFamily="0" charset="1"/>
-        <a:cs typeface="DejaVu Sans" pitchFamily="0" charset="1"/>
+        <a:latin typeface="Arial"/>
+        <a:ea typeface="DejaVu Sans"/>
+        <a:cs typeface="DejaVu Sans"/>
       </a:minorFont>
     </a:fontScheme>
-    <a:fmtScheme>
+    <a:fmtScheme name="Office">
       <a:fillStyleLst>
         <a:solidFill>
           <a:schemeClr val="phClr"/>
         </a:solidFill>
-        <a:solidFill>
-          <a:schemeClr val="phClr"/>
-        </a:solidFill>
-        <a:solidFill>
-          <a:schemeClr val="phClr"/>
-        </a:solidFill>
+        <a:gradFill rotWithShape="1">
+          <a:gsLst>
+            <a:gs pos="0">
+              <a:schemeClr val="phClr">
+                <a:tint val="50000"/>
+                <a:satMod val="300000"/>
+              </a:schemeClr>
+            </a:gs>
+            <a:gs pos="35000">
+              <a:schemeClr val="phClr">
+                <a:tint val="37000"/>
+                <a:satMod val="300000"/>
+              </a:schemeClr>
+            </a:gs>
+            <a:gs pos="100000">
+              <a:schemeClr val="phClr">
+                <a:tint val="15000"/>
+                <a:satMod val="350000"/>
+              </a:schemeClr>
+            </a:gs>
+          </a:gsLst>
+          <a:lin ang="16200000" scaled="1"/>
+        </a:gradFill>
+        <a:gradFill rotWithShape="1">
+          <a:gsLst>
+            <a:gs pos="0">
+              <a:schemeClr val="phClr">
+                <a:shade val="51000"/>
+                <a:satMod val="130000"/>
+              </a:schemeClr>
+            </a:gs>
+            <a:gs pos="80000">
+              <a:schemeClr val="phClr">
+                <a:shade val="93000"/>
+                <a:satMod val="130000"/>
+              </a:schemeClr>
+            </a:gs>
+            <a:gs pos="100000">
+              <a:schemeClr val="phClr">
+                <a:shade val="94000"/>
+                <a:satMod val="135000"/>
+              </a:schemeClr>
+            </a:gs>
+          </a:gsLst>
+          <a:lin ang="16200000" scaled="0"/>
+        </a:gradFill>
       </a:fillStyleLst>
       <a:lnStyleLst>
-        <a:ln w="6350" cap="flat" cmpd="sng" algn="ctr">
+        <a:ln w="9525" cap="flat" cmpd="sng" algn="ctr">
+          <a:solidFill>
+            <a:schemeClr val="phClr">
+              <a:shade val="95000"/>
+              <a:satMod val="105000"/>
+            </a:schemeClr>
+          </a:solidFill>
           <a:prstDash val="solid"/>
           <a:miter/>
         </a:ln>
-        <a:ln w="6350" cap="flat" cmpd="sng" algn="ctr">
+        <a:ln w="25400" cap="flat" cmpd="sng" algn="ctr">
+          <a:solidFill>
+            <a:schemeClr val="phClr"/>
+          </a:solidFill>
           <a:prstDash val="solid"/>
           <a:miter/>
         </a:ln>
-        <a:ln w="6350" cap="flat" cmpd="sng" algn="ctr">
+        <a:ln w="38100" cap="flat" cmpd="sng" algn="ctr">
+          <a:solidFill>
+            <a:schemeClr val="phClr"/>
+          </a:solidFill>
           <a:prstDash val="solid"/>
           <a:miter/>
         </a:ln>
       </a:lnStyleLst>
       <a:effectStyleLst>
         <a:effectStyle>
-          <a:effectLst/>
+          <a:effectLst>
+            <a:outerShdw blurRad="40000" dist="20000" dir="5400000" rotWithShape="0">
+              <a:srgbClr val="000000">
+                <a:alpha val="38000"/>
+              </a:srgbClr>
+            </a:outerShdw>
+          </a:effectLst>
         </a:effectStyle>
         <a:effectStyle>
-          <a:effectLst/>
+          <a:effectLst>
+            <a:outerShdw blurRad="40000" dist="23000" dir="5400000" rotWithShape="0">
+              <a:srgbClr val="000000">
+                <a:alpha val="35000"/>
+              </a:srgbClr>
+            </a:outerShdw>
+          </a:effectLst>
         </a:effectStyle>
         <a:effectStyle>
-          <a:effectLst/>
+          <a:effectLst>
+            <a:outerShdw blurRad="40000" dist="23000" dir="5400000" rotWithShape="0">
+              <a:srgbClr val="000000">
+                <a:alpha val="35000"/>
+              </a:srgbClr>
+            </a:outerShdw>
+          </a:effectLst>
+          <a:scene3d>
+            <a:camera prst="orthographicFront">
+              <a:rot lat="0" lon="0" rev="0"/>
+            </a:camera>
+            <a:lightRig rig="threePt" dir="t">
+              <a:rot lat="0" lon="0" rev="1200000"/>
+            </a:lightRig>
+          </a:scene3d>
+          <a:sp3d>
+            <a:bevelT w="63500" h="25400"/>
+          </a:sp3d>
         </a:effectStyle>
       </a:effectStyleLst>
       <a:bgFillStyleLst>
         <a:solidFill>
           <a:schemeClr val="phClr"/>
         </a:solidFill>
-        <a:solidFill>
-          <a:schemeClr val="phClr"/>
-        </a:solidFill>
-        <a:solidFill>
-          <a:schemeClr val="phClr"/>
-        </a:solidFill>
+        <a:gradFill rotWithShape="1">
+          <a:gsLst>
+            <a:gs pos="0">
+              <a:schemeClr val="phClr">
+                <a:tint val="40000"/>
+                <a:satMod val="350000"/>
+              </a:schemeClr>
+            </a:gs>
+            <a:gs pos="40000">
+              <a:schemeClr val="phClr">
+                <a:tint val="45000"/>
+                <a:shade val="99000"/>
+                <a:satMod val="350000"/>
+              </a:schemeClr>
+            </a:gs>
+            <a:gs pos="100000">
+              <a:schemeClr val="phClr">
+                <a:shade val="20000"/>
+                <a:satMod val="255000"/>
+              </a:schemeClr>
+            </a:gs>
+          </a:gsLst>
+          <a:path path="circle">
+            <a:fillToRect l="50000" t="-80000" r="50000" b="180000"/>
+          </a:path>
+        </a:gradFill>
+        <a:gradFill rotWithShape="1">
+          <a:gsLst>
+            <a:gs pos="0">
+              <a:schemeClr val="phClr">
+                <a:tint val="80000"/>
+                <a:satMod val="300000"/>
+              </a:schemeClr>
+            </a:gs>
+            <a:gs pos="100000">
+              <a:schemeClr val="phClr">
+                <a:shade val="30000"/>
+                <a:satMod val="200000"/>
+              </a:schemeClr>
+            </a:gs>
+          </a:gsLst>
+          <a:path path="circle">
+            <a:fillToRect l="50000" t="50000" r="50000" b="50000"/>
+          </a:path>
+        </a:gradFill>
       </a:bgFillStyleLst>
     </a:fmtScheme>
   </a:themeElements>
